--- a/WebContent/docs/BPM前期项目准备_20171026.pptx
+++ b/WebContent/docs/BPM前期项目准备_20171026.pptx
@@ -11,6 +11,20 @@
     <p:sldId id="259" r:id="rId5"/>
     <p:sldId id="260" r:id="rId6"/>
     <p:sldId id="261" r:id="rId7"/>
+    <p:sldId id="262" r:id="rId8"/>
+    <p:sldId id="263" r:id="rId9"/>
+    <p:sldId id="264" r:id="rId10"/>
+    <p:sldId id="265" r:id="rId11"/>
+    <p:sldId id="266" r:id="rId12"/>
+    <p:sldId id="267" r:id="rId13"/>
+    <p:sldId id="268" r:id="rId14"/>
+    <p:sldId id="269" r:id="rId15"/>
+    <p:sldId id="270" r:id="rId16"/>
+    <p:sldId id="271" r:id="rId17"/>
+    <p:sldId id="272" r:id="rId18"/>
+    <p:sldId id="273" r:id="rId19"/>
+    <p:sldId id="274" r:id="rId20"/>
+    <p:sldId id="275" r:id="rId21"/>
   </p:sldIdLst>
   <p:sldSz cx="9144000" cy="6858000" type="screen4x3"/>
   <p:notesSz cx="6858000" cy="9144000"/>
@@ -1262,6 +1276,13 @@
         </dgm:presLayoutVars>
       </dgm:prSet>
       <dgm:spPr/>
+      <dgm:t>
+        <a:bodyPr/>
+        <a:lstStyle/>
+        <a:p>
+          <a:endParaRPr lang="zh-CN" altLang="en-US"/>
+        </a:p>
+      </dgm:t>
     </dgm:pt>
     <dgm:pt modelId="{0FB3CC75-860F-48A3-A6B4-63345E358E92}" type="pres">
       <dgm:prSet presAssocID="{9840FC25-338F-49D0-BB9E-53E71B8159CA}" presName="composite" presStyleCnt="0"/>
@@ -1275,6 +1296,13 @@
         </dgm:presLayoutVars>
       </dgm:prSet>
       <dgm:spPr/>
+      <dgm:t>
+        <a:bodyPr/>
+        <a:lstStyle/>
+        <a:p>
+          <a:endParaRPr lang="zh-CN" altLang="en-US"/>
+        </a:p>
+      </dgm:t>
     </dgm:pt>
     <dgm:pt modelId="{B6FDFB80-4555-4922-B704-177C6F997E12}" type="pres">
       <dgm:prSet presAssocID="{9840FC25-338F-49D0-BB9E-53E71B8159CA}" presName="descendantText" presStyleLbl="alignAcc1" presStyleIdx="0" presStyleCnt="5">
@@ -1283,6 +1311,13 @@
         </dgm:presLayoutVars>
       </dgm:prSet>
       <dgm:spPr/>
+      <dgm:t>
+        <a:bodyPr/>
+        <a:lstStyle/>
+        <a:p>
+          <a:endParaRPr lang="zh-CN" altLang="en-US"/>
+        </a:p>
+      </dgm:t>
     </dgm:pt>
     <dgm:pt modelId="{EB30669C-D3E6-4885-A09C-32992508233F}" type="pres">
       <dgm:prSet presAssocID="{B21640BE-79C0-4306-9700-5AD380D1FE4B}" presName="sp" presStyleCnt="0"/>
@@ -1300,6 +1335,13 @@
         </dgm:presLayoutVars>
       </dgm:prSet>
       <dgm:spPr/>
+      <dgm:t>
+        <a:bodyPr/>
+        <a:lstStyle/>
+        <a:p>
+          <a:endParaRPr lang="zh-CN" altLang="en-US"/>
+        </a:p>
+      </dgm:t>
     </dgm:pt>
     <dgm:pt modelId="{920D910C-C8CF-4CF1-81EC-09CF08093F70}" type="pres">
       <dgm:prSet presAssocID="{7933793C-3CCE-453C-AED7-4394D7D8183A}" presName="descendantText" presStyleLbl="alignAcc1" presStyleIdx="1" presStyleCnt="5">
@@ -1308,6 +1350,13 @@
         </dgm:presLayoutVars>
       </dgm:prSet>
       <dgm:spPr/>
+      <dgm:t>
+        <a:bodyPr/>
+        <a:lstStyle/>
+        <a:p>
+          <a:endParaRPr lang="zh-CN" altLang="en-US"/>
+        </a:p>
+      </dgm:t>
     </dgm:pt>
     <dgm:pt modelId="{C255B88B-320B-4884-A8B5-291A65D59FD2}" type="pres">
       <dgm:prSet presAssocID="{AF53A135-7DD7-49E2-A3F3-22E26B5A8A6B}" presName="sp" presStyleCnt="0"/>
@@ -1325,6 +1374,13 @@
         </dgm:presLayoutVars>
       </dgm:prSet>
       <dgm:spPr/>
+      <dgm:t>
+        <a:bodyPr/>
+        <a:lstStyle/>
+        <a:p>
+          <a:endParaRPr lang="zh-CN" altLang="en-US"/>
+        </a:p>
+      </dgm:t>
     </dgm:pt>
     <dgm:pt modelId="{FD253896-3F92-442A-8333-1DEB3D6599F0}" type="pres">
       <dgm:prSet presAssocID="{0CC1910B-DC80-4FF6-A8EC-62A335AAC697}" presName="descendantText" presStyleLbl="alignAcc1" presStyleIdx="2" presStyleCnt="5">
@@ -1333,6 +1389,13 @@
         </dgm:presLayoutVars>
       </dgm:prSet>
       <dgm:spPr/>
+      <dgm:t>
+        <a:bodyPr/>
+        <a:lstStyle/>
+        <a:p>
+          <a:endParaRPr lang="zh-CN" altLang="en-US"/>
+        </a:p>
+      </dgm:t>
     </dgm:pt>
     <dgm:pt modelId="{843F7F0E-9511-4144-8C4D-DC44EEA2B3D2}" type="pres">
       <dgm:prSet presAssocID="{6C50D080-E725-4148-953A-071C98B4725F}" presName="sp" presStyleCnt="0"/>
@@ -1350,6 +1413,13 @@
         </dgm:presLayoutVars>
       </dgm:prSet>
       <dgm:spPr/>
+      <dgm:t>
+        <a:bodyPr/>
+        <a:lstStyle/>
+        <a:p>
+          <a:endParaRPr lang="zh-CN" altLang="en-US"/>
+        </a:p>
+      </dgm:t>
     </dgm:pt>
     <dgm:pt modelId="{E599F297-BEE3-44C5-8A1A-93F3B2BCE3AB}" type="pres">
       <dgm:prSet presAssocID="{123EA5F2-C874-423C-8753-C7AB65F44862}" presName="descendantText" presStyleLbl="alignAcc1" presStyleIdx="3" presStyleCnt="5">
@@ -1358,6 +1428,13 @@
         </dgm:presLayoutVars>
       </dgm:prSet>
       <dgm:spPr/>
+      <dgm:t>
+        <a:bodyPr/>
+        <a:lstStyle/>
+        <a:p>
+          <a:endParaRPr lang="zh-CN" altLang="en-US"/>
+        </a:p>
+      </dgm:t>
     </dgm:pt>
     <dgm:pt modelId="{F6F2850C-CF07-4537-A136-8D5A8ABE0C15}" type="pres">
       <dgm:prSet presAssocID="{62B4181A-6540-4ECE-A327-EAB1949EBF6B}" presName="sp" presStyleCnt="0"/>
@@ -1375,6 +1452,13 @@
         </dgm:presLayoutVars>
       </dgm:prSet>
       <dgm:spPr/>
+      <dgm:t>
+        <a:bodyPr/>
+        <a:lstStyle/>
+        <a:p>
+          <a:endParaRPr lang="zh-CN" altLang="en-US"/>
+        </a:p>
+      </dgm:t>
     </dgm:pt>
     <dgm:pt modelId="{54CDE309-E868-4204-B6E2-EFE12C7C0ECD}" type="pres">
       <dgm:prSet presAssocID="{0C4E78C6-E772-4217-B0E5-006D60970AD1}" presName="descendantText" presStyleLbl="alignAcc1" presStyleIdx="4" presStyleCnt="5">
@@ -1383,30 +1467,37 @@
         </dgm:presLayoutVars>
       </dgm:prSet>
       <dgm:spPr/>
+      <dgm:t>
+        <a:bodyPr/>
+        <a:lstStyle/>
+        <a:p>
+          <a:endParaRPr lang="zh-CN" altLang="en-US"/>
+        </a:p>
+      </dgm:t>
     </dgm:pt>
   </dgm:ptLst>
   <dgm:cxnLst>
+    <dgm:cxn modelId="{D50B93F7-2631-44CC-94AE-63E43B2E8E46}" type="presOf" srcId="{0CC1910B-DC80-4FF6-A8EC-62A335AAC697}" destId="{7B22E4ED-E977-4DB3-BBD1-ED3CE895DBD7}" srcOrd="0" destOrd="0" presId="urn:microsoft.com/office/officeart/2005/8/layout/chevron2"/>
+    <dgm:cxn modelId="{577489BE-E668-47B2-A70A-4B53712434D3}" srcId="{D65A8CB3-CC9B-44A4-96C7-607E896DBD2C}" destId="{9840FC25-338F-49D0-BB9E-53E71B8159CA}" srcOrd="0" destOrd="0" parTransId="{3B4DA024-EBFD-4A66-A596-B92812B1932A}" sibTransId="{B21640BE-79C0-4306-9700-5AD380D1FE4B}"/>
+    <dgm:cxn modelId="{8CC0EA5E-7230-4497-AD2D-7E9A9FEC554E}" type="presOf" srcId="{092CB401-1ECF-40D2-B71F-07867E6D1CDE}" destId="{54CDE309-E868-4204-B6E2-EFE12C7C0ECD}" srcOrd="0" destOrd="0" presId="urn:microsoft.com/office/officeart/2005/8/layout/chevron2"/>
+    <dgm:cxn modelId="{EB501151-5472-430F-8AA8-7F7D87261748}" type="presOf" srcId="{0C4E78C6-E772-4217-B0E5-006D60970AD1}" destId="{81DF7B21-E4D0-481C-A6C4-9D019DAC16AC}" srcOrd="0" destOrd="0" presId="urn:microsoft.com/office/officeart/2005/8/layout/chevron2"/>
+    <dgm:cxn modelId="{DED07192-E49C-4E13-9AF8-F3B3B11702E7}" srcId="{D65A8CB3-CC9B-44A4-96C7-607E896DBD2C}" destId="{7933793C-3CCE-453C-AED7-4394D7D8183A}" srcOrd="1" destOrd="0" parTransId="{BC7019BB-2089-4347-BAB5-A37F3CA82F4B}" sibTransId="{AF53A135-7DD7-49E2-A3F3-22E26B5A8A6B}"/>
+    <dgm:cxn modelId="{51CE14BB-CED5-442B-8BFE-3F91E81D0793}" srcId="{D65A8CB3-CC9B-44A4-96C7-607E896DBD2C}" destId="{123EA5F2-C874-423C-8753-C7AB65F44862}" srcOrd="3" destOrd="0" parTransId="{1C95D0DD-9E70-4447-AB2B-DF15A2B70530}" sibTransId="{62B4181A-6540-4ECE-A327-EAB1949EBF6B}"/>
+    <dgm:cxn modelId="{8F62D48C-8F03-417F-A44D-AAFBD88C8D48}" srcId="{0CC1910B-DC80-4FF6-A8EC-62A335AAC697}" destId="{E0089E9D-0D9C-45B0-B7DD-22C46C8ECDCD}" srcOrd="0" destOrd="0" parTransId="{4FA29290-4C94-498F-9584-8ED6740B8F9D}" sibTransId="{F2F8D9D4-1531-4F7B-BC0B-EDB106F81E67}"/>
+    <dgm:cxn modelId="{CF7E864D-6DA1-44B6-BE81-A00956D2751E}" type="presOf" srcId="{B96C5059-F651-4B44-827B-18475A797672}" destId="{B6FDFB80-4555-4922-B704-177C6F997E12}" srcOrd="0" destOrd="0" presId="urn:microsoft.com/office/officeart/2005/8/layout/chevron2"/>
+    <dgm:cxn modelId="{9C354E4E-4BC6-4CB1-B6BA-2752936F09E6}" srcId="{123EA5F2-C874-423C-8753-C7AB65F44862}" destId="{1D689F3E-F627-48FC-9AEF-DA3FDF37A336}" srcOrd="0" destOrd="0" parTransId="{2D362561-CC65-4764-8B19-C29FAE7D1FA6}" sibTransId="{7F77B624-45BA-4536-B169-C583E555C252}"/>
+    <dgm:cxn modelId="{8822AEB2-8B75-4CAB-B5AD-C485A4AEB43C}" srcId="{9840FC25-338F-49D0-BB9E-53E71B8159CA}" destId="{B96C5059-F651-4B44-827B-18475A797672}" srcOrd="0" destOrd="0" parTransId="{B69BC74C-0F76-476E-AC86-22313D9FC215}" sibTransId="{5D13FEAA-FB68-4D5A-B1A0-D70EF21313C0}"/>
+    <dgm:cxn modelId="{31DFEA8E-5BB6-4A5B-8632-5B1CDC9359AA}" srcId="{D65A8CB3-CC9B-44A4-96C7-607E896DBD2C}" destId="{0CC1910B-DC80-4FF6-A8EC-62A335AAC697}" srcOrd="2" destOrd="0" parTransId="{B8F25678-87AC-457D-ADDC-D3B73D836B83}" sibTransId="{6C50D080-E725-4148-953A-071C98B4725F}"/>
+    <dgm:cxn modelId="{702E5DD7-A596-44A8-B6F2-5D0BDD61C045}" type="presOf" srcId="{123EA5F2-C874-423C-8753-C7AB65F44862}" destId="{2B37F96C-EDB2-4D94-8A73-57E210409E1E}" srcOrd="0" destOrd="0" presId="urn:microsoft.com/office/officeart/2005/8/layout/chevron2"/>
+    <dgm:cxn modelId="{9D320EC0-2534-4C14-B27E-4DFD966AA78B}" type="presOf" srcId="{D65A8CB3-CC9B-44A4-96C7-607E896DBD2C}" destId="{C654AC0D-CC66-46F9-B378-3C09BAEE1FBC}" srcOrd="0" destOrd="0" presId="urn:microsoft.com/office/officeart/2005/8/layout/chevron2"/>
+    <dgm:cxn modelId="{4046AC2C-8AFE-4D3A-8EAE-38D0F2DD7196}" type="presOf" srcId="{1D689F3E-F627-48FC-9AEF-DA3FDF37A336}" destId="{E599F297-BEE3-44C5-8A1A-93F3B2BCE3AB}" srcOrd="0" destOrd="0" presId="urn:microsoft.com/office/officeart/2005/8/layout/chevron2"/>
+    <dgm:cxn modelId="{5B68F8D6-A602-4ECF-B3DA-743CC25A0B21}" type="presOf" srcId="{7933793C-3CCE-453C-AED7-4394D7D8183A}" destId="{8B708BD8-EDFB-4B61-8F86-40F02E6EC777}" srcOrd="0" destOrd="0" presId="urn:microsoft.com/office/officeart/2005/8/layout/chevron2"/>
     <dgm:cxn modelId="{403964B8-3A07-45A0-B4A4-83C6EB3EFC37}" srcId="{7933793C-3CCE-453C-AED7-4394D7D8183A}" destId="{7204BBFB-C071-4F27-9A80-76BA8FA54D66}" srcOrd="0" destOrd="0" parTransId="{20D8743E-0BDD-4CE7-8E2A-018EAE2BDA87}" sibTransId="{A900CC8E-81FB-43AC-B22D-68645ACE548C}"/>
-    <dgm:cxn modelId="{31DFEA8E-5BB6-4A5B-8632-5B1CDC9359AA}" srcId="{D65A8CB3-CC9B-44A4-96C7-607E896DBD2C}" destId="{0CC1910B-DC80-4FF6-A8EC-62A335AAC697}" srcOrd="2" destOrd="0" parTransId="{B8F25678-87AC-457D-ADDC-D3B73D836B83}" sibTransId="{6C50D080-E725-4148-953A-071C98B4725F}"/>
-    <dgm:cxn modelId="{9C354E4E-4BC6-4CB1-B6BA-2752936F09E6}" srcId="{123EA5F2-C874-423C-8753-C7AB65F44862}" destId="{1D689F3E-F627-48FC-9AEF-DA3FDF37A336}" srcOrd="0" destOrd="0" parTransId="{2D362561-CC65-4764-8B19-C29FAE7D1FA6}" sibTransId="{7F77B624-45BA-4536-B169-C583E555C252}"/>
-    <dgm:cxn modelId="{8CC0EA5E-7230-4497-AD2D-7E9A9FEC554E}" type="presOf" srcId="{092CB401-1ECF-40D2-B71F-07867E6D1CDE}" destId="{54CDE309-E868-4204-B6E2-EFE12C7C0ECD}" srcOrd="0" destOrd="0" presId="urn:microsoft.com/office/officeart/2005/8/layout/chevron2"/>
-    <dgm:cxn modelId="{702E5DD7-A596-44A8-B6F2-5D0BDD61C045}" type="presOf" srcId="{123EA5F2-C874-423C-8753-C7AB65F44862}" destId="{2B37F96C-EDB2-4D94-8A73-57E210409E1E}" srcOrd="0" destOrd="0" presId="urn:microsoft.com/office/officeart/2005/8/layout/chevron2"/>
+    <dgm:cxn modelId="{6196303F-EC47-4993-9B6D-78F956EC9045}" srcId="{D65A8CB3-CC9B-44A4-96C7-607E896DBD2C}" destId="{0C4E78C6-E772-4217-B0E5-006D60970AD1}" srcOrd="4" destOrd="0" parTransId="{5C33E526-FA6E-4BA5-82F8-54202BCDD147}" sibTransId="{426C81DE-B941-4728-8298-291D15F7C798}"/>
+    <dgm:cxn modelId="{DCCF0844-4549-4917-A3E6-DE612641E0C0}" type="presOf" srcId="{9840FC25-338F-49D0-BB9E-53E71B8159CA}" destId="{E6C3FBBA-6CDC-4228-B628-5E34EF2E763B}" srcOrd="0" destOrd="0" presId="urn:microsoft.com/office/officeart/2005/8/layout/chevron2"/>
+    <dgm:cxn modelId="{83E05CB4-9F56-458D-A94E-275ECA38B834}" srcId="{0C4E78C6-E772-4217-B0E5-006D60970AD1}" destId="{092CB401-1ECF-40D2-B71F-07867E6D1CDE}" srcOrd="0" destOrd="0" parTransId="{07711709-56E9-4F85-915A-9A679309D37D}" sibTransId="{CC12A336-AD86-4015-B007-1A708C059E7D}"/>
+    <dgm:cxn modelId="{3C02C287-45C2-482D-BA30-8CBAC122E7A7}" type="presOf" srcId="{7204BBFB-C071-4F27-9A80-76BA8FA54D66}" destId="{920D910C-C8CF-4CF1-81EC-09CF08093F70}" srcOrd="0" destOrd="0" presId="urn:microsoft.com/office/officeart/2005/8/layout/chevron2"/>
     <dgm:cxn modelId="{93162302-82B7-4009-8B47-35D71AA9A582}" type="presOf" srcId="{E0089E9D-0D9C-45B0-B7DD-22C46C8ECDCD}" destId="{FD253896-3F92-442A-8333-1DEB3D6599F0}" srcOrd="0" destOrd="0" presId="urn:microsoft.com/office/officeart/2005/8/layout/chevron2"/>
-    <dgm:cxn modelId="{6196303F-EC47-4993-9B6D-78F956EC9045}" srcId="{D65A8CB3-CC9B-44A4-96C7-607E896DBD2C}" destId="{0C4E78C6-E772-4217-B0E5-006D60970AD1}" srcOrd="4" destOrd="0" parTransId="{5C33E526-FA6E-4BA5-82F8-54202BCDD147}" sibTransId="{426C81DE-B941-4728-8298-291D15F7C798}"/>
-    <dgm:cxn modelId="{3C02C287-45C2-482D-BA30-8CBAC122E7A7}" type="presOf" srcId="{7204BBFB-C071-4F27-9A80-76BA8FA54D66}" destId="{920D910C-C8CF-4CF1-81EC-09CF08093F70}" srcOrd="0" destOrd="0" presId="urn:microsoft.com/office/officeart/2005/8/layout/chevron2"/>
-    <dgm:cxn modelId="{DED07192-E49C-4E13-9AF8-F3B3B11702E7}" srcId="{D65A8CB3-CC9B-44A4-96C7-607E896DBD2C}" destId="{7933793C-3CCE-453C-AED7-4394D7D8183A}" srcOrd="1" destOrd="0" parTransId="{BC7019BB-2089-4347-BAB5-A37F3CA82F4B}" sibTransId="{AF53A135-7DD7-49E2-A3F3-22E26B5A8A6B}"/>
-    <dgm:cxn modelId="{5B68F8D6-A602-4ECF-B3DA-743CC25A0B21}" type="presOf" srcId="{7933793C-3CCE-453C-AED7-4394D7D8183A}" destId="{8B708BD8-EDFB-4B61-8F86-40F02E6EC777}" srcOrd="0" destOrd="0" presId="urn:microsoft.com/office/officeart/2005/8/layout/chevron2"/>
-    <dgm:cxn modelId="{9D320EC0-2534-4C14-B27E-4DFD966AA78B}" type="presOf" srcId="{D65A8CB3-CC9B-44A4-96C7-607E896DBD2C}" destId="{C654AC0D-CC66-46F9-B378-3C09BAEE1FBC}" srcOrd="0" destOrd="0" presId="urn:microsoft.com/office/officeart/2005/8/layout/chevron2"/>
-    <dgm:cxn modelId="{D50B93F7-2631-44CC-94AE-63E43B2E8E46}" type="presOf" srcId="{0CC1910B-DC80-4FF6-A8EC-62A335AAC697}" destId="{7B22E4ED-E977-4DB3-BBD1-ED3CE895DBD7}" srcOrd="0" destOrd="0" presId="urn:microsoft.com/office/officeart/2005/8/layout/chevron2"/>
-    <dgm:cxn modelId="{83E05CB4-9F56-458D-A94E-275ECA38B834}" srcId="{0C4E78C6-E772-4217-B0E5-006D60970AD1}" destId="{092CB401-1ECF-40D2-B71F-07867E6D1CDE}" srcOrd="0" destOrd="0" parTransId="{07711709-56E9-4F85-915A-9A679309D37D}" sibTransId="{CC12A336-AD86-4015-B007-1A708C059E7D}"/>
-    <dgm:cxn modelId="{51CE14BB-CED5-442B-8BFE-3F91E81D0793}" srcId="{D65A8CB3-CC9B-44A4-96C7-607E896DBD2C}" destId="{123EA5F2-C874-423C-8753-C7AB65F44862}" srcOrd="3" destOrd="0" parTransId="{1C95D0DD-9E70-4447-AB2B-DF15A2B70530}" sibTransId="{62B4181A-6540-4ECE-A327-EAB1949EBF6B}"/>
-    <dgm:cxn modelId="{DCCF0844-4549-4917-A3E6-DE612641E0C0}" type="presOf" srcId="{9840FC25-338F-49D0-BB9E-53E71B8159CA}" destId="{E6C3FBBA-6CDC-4228-B628-5E34EF2E763B}" srcOrd="0" destOrd="0" presId="urn:microsoft.com/office/officeart/2005/8/layout/chevron2"/>
-    <dgm:cxn modelId="{4046AC2C-8AFE-4D3A-8EAE-38D0F2DD7196}" type="presOf" srcId="{1D689F3E-F627-48FC-9AEF-DA3FDF37A336}" destId="{E599F297-BEE3-44C5-8A1A-93F3B2BCE3AB}" srcOrd="0" destOrd="0" presId="urn:microsoft.com/office/officeart/2005/8/layout/chevron2"/>
-    <dgm:cxn modelId="{577489BE-E668-47B2-A70A-4B53712434D3}" srcId="{D65A8CB3-CC9B-44A4-96C7-607E896DBD2C}" destId="{9840FC25-338F-49D0-BB9E-53E71B8159CA}" srcOrd="0" destOrd="0" parTransId="{3B4DA024-EBFD-4A66-A596-B92812B1932A}" sibTransId="{B21640BE-79C0-4306-9700-5AD380D1FE4B}"/>
-    <dgm:cxn modelId="{CF7E864D-6DA1-44B6-BE81-A00956D2751E}" type="presOf" srcId="{B96C5059-F651-4B44-827B-18475A797672}" destId="{B6FDFB80-4555-4922-B704-177C6F997E12}" srcOrd="0" destOrd="0" presId="urn:microsoft.com/office/officeart/2005/8/layout/chevron2"/>
-    <dgm:cxn modelId="{EB501151-5472-430F-8AA8-7F7D87261748}" type="presOf" srcId="{0C4E78C6-E772-4217-B0E5-006D60970AD1}" destId="{81DF7B21-E4D0-481C-A6C4-9D019DAC16AC}" srcOrd="0" destOrd="0" presId="urn:microsoft.com/office/officeart/2005/8/layout/chevron2"/>
-    <dgm:cxn modelId="{8822AEB2-8B75-4CAB-B5AD-C485A4AEB43C}" srcId="{9840FC25-338F-49D0-BB9E-53E71B8159CA}" destId="{B96C5059-F651-4B44-827B-18475A797672}" srcOrd="0" destOrd="0" parTransId="{B69BC74C-0F76-476E-AC86-22313D9FC215}" sibTransId="{5D13FEAA-FB68-4D5A-B1A0-D70EF21313C0}"/>
-    <dgm:cxn modelId="{8F62D48C-8F03-417F-A44D-AAFBD88C8D48}" srcId="{0CC1910B-DC80-4FF6-A8EC-62A335AAC697}" destId="{E0089E9D-0D9C-45B0-B7DD-22C46C8ECDCD}" srcOrd="0" destOrd="0" parTransId="{4FA29290-4C94-498F-9584-8ED6740B8F9D}" sibTransId="{F2F8D9D4-1531-4F7B-BC0B-EDB106F81E67}"/>
     <dgm:cxn modelId="{1911DE29-11C5-4478-92EF-3AAFC183BAA4}" type="presParOf" srcId="{C654AC0D-CC66-46F9-B378-3C09BAEE1FBC}" destId="{0FB3CC75-860F-48A3-A6B4-63345E358E92}" srcOrd="0" destOrd="0" presId="urn:microsoft.com/office/officeart/2005/8/layout/chevron2"/>
     <dgm:cxn modelId="{B09C538C-1287-4F4E-B341-E81110CBEC81}" type="presParOf" srcId="{0FB3CC75-860F-48A3-A6B4-63345E358E92}" destId="{E6C3FBBA-6CDC-4228-B628-5E34EF2E763B}" srcOrd="0" destOrd="0" presId="urn:microsoft.com/office/officeart/2005/8/layout/chevron2"/>
     <dgm:cxn modelId="{C8282938-0172-45BA-AF81-460AAE890A6B}" type="presParOf" srcId="{0FB3CC75-860F-48A3-A6B4-63345E358E92}" destId="{B6FDFB80-4555-4922-B704-177C6F997E12}" srcOrd="1" destOrd="0" presId="urn:microsoft.com/office/officeart/2005/8/layout/chevron2"/>
@@ -3690,7 +3781,7 @@
           <a:p>
             <a:fld id="{530820CF-B880-4189-942D-D702A7CBA730}" type="datetimeFigureOut">
               <a:rPr lang="zh-CN" altLang="en-US" smtClean="0"/>
-              <a:t>2017/10/27</a:t>
+              <a:t>2017/11/1</a:t>
             </a:fld>
             <a:endParaRPr lang="zh-CN" altLang="en-US"/>
           </a:p>
@@ -3855,7 +3946,7 @@
           <a:p>
             <a:fld id="{530820CF-B880-4189-942D-D702A7CBA730}" type="datetimeFigureOut">
               <a:rPr lang="zh-CN" altLang="en-US" smtClean="0"/>
-              <a:t>2017/10/27</a:t>
+              <a:t>2017/11/1</a:t>
             </a:fld>
             <a:endParaRPr lang="zh-CN" altLang="en-US"/>
           </a:p>
@@ -4030,7 +4121,7 @@
           <a:p>
             <a:fld id="{530820CF-B880-4189-942D-D702A7CBA730}" type="datetimeFigureOut">
               <a:rPr lang="zh-CN" altLang="en-US" smtClean="0"/>
-              <a:t>2017/10/27</a:t>
+              <a:t>2017/11/1</a:t>
             </a:fld>
             <a:endParaRPr lang="zh-CN" altLang="en-US"/>
           </a:p>
@@ -4195,7 +4286,7 @@
           <a:p>
             <a:fld id="{530820CF-B880-4189-942D-D702A7CBA730}" type="datetimeFigureOut">
               <a:rPr lang="zh-CN" altLang="en-US" smtClean="0"/>
-              <a:t>2017/10/27</a:t>
+              <a:t>2017/11/1</a:t>
             </a:fld>
             <a:endParaRPr lang="zh-CN" altLang="en-US"/>
           </a:p>
@@ -4436,7 +4527,7 @@
           <a:p>
             <a:fld id="{530820CF-B880-4189-942D-D702A7CBA730}" type="datetimeFigureOut">
               <a:rPr lang="zh-CN" altLang="en-US" smtClean="0"/>
-              <a:t>2017/10/27</a:t>
+              <a:t>2017/11/1</a:t>
             </a:fld>
             <a:endParaRPr lang="zh-CN" altLang="en-US"/>
           </a:p>
@@ -4719,7 +4810,7 @@
           <a:p>
             <a:fld id="{530820CF-B880-4189-942D-D702A7CBA730}" type="datetimeFigureOut">
               <a:rPr lang="zh-CN" altLang="en-US" smtClean="0"/>
-              <a:t>2017/10/27</a:t>
+              <a:t>2017/11/1</a:t>
             </a:fld>
             <a:endParaRPr lang="zh-CN" altLang="en-US"/>
           </a:p>
@@ -5136,7 +5227,7 @@
           <a:p>
             <a:fld id="{530820CF-B880-4189-942D-D702A7CBA730}" type="datetimeFigureOut">
               <a:rPr lang="zh-CN" altLang="en-US" smtClean="0"/>
-              <a:t>2017/10/27</a:t>
+              <a:t>2017/11/1</a:t>
             </a:fld>
             <a:endParaRPr lang="zh-CN" altLang="en-US"/>
           </a:p>
@@ -5249,7 +5340,7 @@
           <a:p>
             <a:fld id="{530820CF-B880-4189-942D-D702A7CBA730}" type="datetimeFigureOut">
               <a:rPr lang="zh-CN" altLang="en-US" smtClean="0"/>
-              <a:t>2017/10/27</a:t>
+              <a:t>2017/11/1</a:t>
             </a:fld>
             <a:endParaRPr lang="zh-CN" altLang="en-US"/>
           </a:p>
@@ -5339,7 +5430,7 @@
           <a:p>
             <a:fld id="{530820CF-B880-4189-942D-D702A7CBA730}" type="datetimeFigureOut">
               <a:rPr lang="zh-CN" altLang="en-US" smtClean="0"/>
-              <a:t>2017/10/27</a:t>
+              <a:t>2017/11/1</a:t>
             </a:fld>
             <a:endParaRPr lang="zh-CN" altLang="en-US"/>
           </a:p>
@@ -5611,7 +5702,7 @@
           <a:p>
             <a:fld id="{530820CF-B880-4189-942D-D702A7CBA730}" type="datetimeFigureOut">
               <a:rPr lang="zh-CN" altLang="en-US" smtClean="0"/>
-              <a:t>2017/10/27</a:t>
+              <a:t>2017/11/1</a:t>
             </a:fld>
             <a:endParaRPr lang="zh-CN" altLang="en-US"/>
           </a:p>
@@ -5859,7 +5950,7 @@
           <a:p>
             <a:fld id="{530820CF-B880-4189-942D-D702A7CBA730}" type="datetimeFigureOut">
               <a:rPr lang="zh-CN" altLang="en-US" smtClean="0"/>
-              <a:t>2017/10/27</a:t>
+              <a:t>2017/11/1</a:t>
             </a:fld>
             <a:endParaRPr lang="zh-CN" altLang="en-US"/>
           </a:p>
@@ -6067,7 +6158,7 @@
           <a:p>
             <a:fld id="{530820CF-B880-4189-942D-D702A7CBA730}" type="datetimeFigureOut">
               <a:rPr lang="zh-CN" altLang="en-US" smtClean="0"/>
-              <a:t>2017/10/27</a:t>
+              <a:t>2017/11/1</a:t>
             </a:fld>
             <a:endParaRPr lang="zh-CN" altLang="en-US"/>
           </a:p>
@@ -6488,6 +6579,2540 @@
 </p:sld>
 </file>
 
+<file path=ppt/slides/slide10.xml><?xml version="1.0" encoding="utf-8"?>
+<p:sld xmlns:a="http://schemas.openxmlformats.org/drawingml/2006/main" xmlns:r="http://schemas.openxmlformats.org/officeDocument/2006/relationships" xmlns:p="http://schemas.openxmlformats.org/presentationml/2006/main">
+  <p:cSld>
+    <p:spTree>
+      <p:nvGrpSpPr>
+        <p:cNvPr id="1" name=""/>
+        <p:cNvGrpSpPr/>
+        <p:nvPr/>
+      </p:nvGrpSpPr>
+      <p:grpSpPr>
+        <a:xfrm>
+          <a:off x="0" y="0"/>
+          <a:ext cx="0" cy="0"/>
+          <a:chOff x="0" y="0"/>
+          <a:chExt cx="0" cy="0"/>
+        </a:xfrm>
+      </p:grpSpPr>
+    </p:spTree>
+    <p:extLst>
+      <p:ext uri="{BB962C8B-B14F-4D97-AF65-F5344CB8AC3E}">
+        <p14:creationId xmlns:p14="http://schemas.microsoft.com/office/powerpoint/2010/main" val="2723538085"/>
+      </p:ext>
+    </p:extLst>
+  </p:cSld>
+  <p:clrMapOvr>
+    <a:masterClrMapping/>
+  </p:clrMapOvr>
+</p:sld>
+</file>
+
+<file path=ppt/slides/slide11.xml><?xml version="1.0" encoding="utf-8"?>
+<p:sld xmlns:a="http://schemas.openxmlformats.org/drawingml/2006/main" xmlns:r="http://schemas.openxmlformats.org/officeDocument/2006/relationships" xmlns:p="http://schemas.openxmlformats.org/presentationml/2006/main">
+  <p:cSld>
+    <p:spTree>
+      <p:nvGrpSpPr>
+        <p:cNvPr id="1" name=""/>
+        <p:cNvGrpSpPr/>
+        <p:nvPr/>
+      </p:nvGrpSpPr>
+      <p:grpSpPr>
+        <a:xfrm>
+          <a:off x="0" y="0"/>
+          <a:ext cx="0" cy="0"/>
+          <a:chOff x="0" y="0"/>
+          <a:chExt cx="0" cy="0"/>
+        </a:xfrm>
+      </p:grpSpPr>
+      <p:sp>
+        <p:nvSpPr>
+          <p:cNvPr id="2" name="标题 1"/>
+          <p:cNvSpPr>
+            <a:spLocks noGrp="1"/>
+          </p:cNvSpPr>
+          <p:nvPr>
+            <p:ph type="title"/>
+          </p:nvPr>
+        </p:nvSpPr>
+        <p:spPr/>
+        <p:txBody>
+          <a:bodyPr/>
+          <a:lstStyle/>
+          <a:p>
+            <a:r>
+              <a:rPr lang="en-US" altLang="zh-CN" dirty="0"/>
+              <a:t>Callable</a:t>
+            </a:r>
+            <a:r>
+              <a:rPr lang="zh-CN" altLang="en-US" dirty="0"/>
+              <a:t>和</a:t>
+            </a:r>
+            <a:r>
+              <a:rPr lang="en-US" altLang="zh-CN" dirty="0"/>
+              <a:t>Future</a:t>
+            </a:r>
+            <a:endParaRPr lang="zh-CN" altLang="en-US" dirty="0"/>
+          </a:p>
+        </p:txBody>
+      </p:sp>
+      <p:sp>
+        <p:nvSpPr>
+          <p:cNvPr id="3" name="内容占位符 2"/>
+          <p:cNvSpPr>
+            <a:spLocks noGrp="1"/>
+          </p:cNvSpPr>
+          <p:nvPr>
+            <p:ph idx="1"/>
+          </p:nvPr>
+        </p:nvSpPr>
+        <p:spPr/>
+        <p:txBody>
+          <a:bodyPr/>
+          <a:lstStyle/>
+          <a:p>
+            <a:endParaRPr lang="en-US" altLang="zh-CN" dirty="0" smtClean="0"/>
+          </a:p>
+          <a:p>
+            <a:endParaRPr lang="zh-CN" altLang="en-US" dirty="0"/>
+          </a:p>
+        </p:txBody>
+      </p:sp>
+      <p:sp>
+        <p:nvSpPr>
+          <p:cNvPr id="4" name="TextBox 3"/>
+          <p:cNvSpPr txBox="1"/>
+          <p:nvPr/>
+        </p:nvSpPr>
+        <p:spPr>
+          <a:xfrm>
+            <a:off x="539552" y="1268760"/>
+            <a:ext cx="8136904" cy="369332"/>
+          </a:xfrm>
+          <a:prstGeom prst="rect">
+            <a:avLst/>
+          </a:prstGeom>
+          <a:noFill/>
+        </p:spPr>
+        <p:txBody>
+          <a:bodyPr wrap="square" rtlCol="0">
+            <a:spAutoFit/>
+          </a:bodyPr>
+          <a:lstStyle/>
+          <a:p>
+            <a:endParaRPr lang="zh-CN" altLang="en-US"/>
+          </a:p>
+        </p:txBody>
+      </p:sp>
+    </p:spTree>
+    <p:extLst>
+      <p:ext uri="{BB962C8B-B14F-4D97-AF65-F5344CB8AC3E}">
+        <p14:creationId xmlns:p14="http://schemas.microsoft.com/office/powerpoint/2010/main" val="3271471659"/>
+      </p:ext>
+    </p:extLst>
+  </p:cSld>
+  <p:clrMapOvr>
+    <a:masterClrMapping/>
+  </p:clrMapOvr>
+</p:sld>
+</file>
+
+<file path=ppt/slides/slide12.xml><?xml version="1.0" encoding="utf-8"?>
+<p:sld xmlns:a="http://schemas.openxmlformats.org/drawingml/2006/main" xmlns:r="http://schemas.openxmlformats.org/officeDocument/2006/relationships" xmlns:p="http://schemas.openxmlformats.org/presentationml/2006/main">
+  <p:cSld>
+    <p:spTree>
+      <p:nvGrpSpPr>
+        <p:cNvPr id="1" name=""/>
+        <p:cNvGrpSpPr/>
+        <p:nvPr/>
+      </p:nvGrpSpPr>
+      <p:grpSpPr>
+        <a:xfrm>
+          <a:off x="0" y="0"/>
+          <a:ext cx="0" cy="0"/>
+          <a:chOff x="0" y="0"/>
+          <a:chExt cx="0" cy="0"/>
+        </a:xfrm>
+      </p:grpSpPr>
+      <p:sp>
+        <p:nvSpPr>
+          <p:cNvPr id="2" name="流程图: 可选过程 1"/>
+          <p:cNvSpPr/>
+          <p:nvPr/>
+        </p:nvSpPr>
+        <p:spPr>
+          <a:xfrm>
+            <a:off x="323528" y="1768374"/>
+            <a:ext cx="1152128" cy="1944216"/>
+          </a:xfrm>
+          <a:prstGeom prst="flowChartAlternateProcess">
+            <a:avLst/>
+          </a:prstGeom>
+        </p:spPr>
+        <p:style>
+          <a:lnRef idx="2">
+            <a:schemeClr val="accent1">
+              <a:shade val="50000"/>
+            </a:schemeClr>
+          </a:lnRef>
+          <a:fillRef idx="1">
+            <a:schemeClr val="accent1"/>
+          </a:fillRef>
+          <a:effectRef idx="0">
+            <a:schemeClr val="accent1"/>
+          </a:effectRef>
+          <a:fontRef idx="minor">
+            <a:schemeClr val="lt1"/>
+          </a:fontRef>
+        </p:style>
+        <p:txBody>
+          <a:bodyPr rtlCol="0" anchor="ctr"/>
+          <a:lstStyle/>
+          <a:p>
+            <a:pPr algn="ctr"/>
+            <a:r>
+              <a:rPr lang="zh-CN" altLang="en-US" dirty="0" smtClean="0"/>
+              <a:t>流程引擎待办处理完成</a:t>
+            </a:r>
+            <a:endParaRPr lang="zh-CN" altLang="en-US" dirty="0"/>
+          </a:p>
+        </p:txBody>
+      </p:sp>
+      <p:sp>
+        <p:nvSpPr>
+          <p:cNvPr id="3" name="流程图: 可选过程 2"/>
+          <p:cNvSpPr/>
+          <p:nvPr/>
+        </p:nvSpPr>
+        <p:spPr>
+          <a:xfrm>
+            <a:off x="3563888" y="476670"/>
+            <a:ext cx="3816424" cy="1273561"/>
+          </a:xfrm>
+          <a:prstGeom prst="flowChartAlternateProcess">
+            <a:avLst/>
+          </a:prstGeom>
+        </p:spPr>
+        <p:style>
+          <a:lnRef idx="2">
+            <a:schemeClr val="accent3">
+              <a:shade val="50000"/>
+            </a:schemeClr>
+          </a:lnRef>
+          <a:fillRef idx="1">
+            <a:schemeClr val="accent3"/>
+          </a:fillRef>
+          <a:effectRef idx="0">
+            <a:schemeClr val="accent3"/>
+          </a:effectRef>
+          <a:fontRef idx="minor">
+            <a:schemeClr val="lt1"/>
+          </a:fontRef>
+        </p:style>
+        <p:txBody>
+          <a:bodyPr rtlCol="0" anchor="ctr"/>
+          <a:lstStyle/>
+          <a:p>
+            <a:pPr marL="342900" indent="-342900" algn="ctr">
+              <a:buFont typeface="+mj-lt"/>
+              <a:buAutoNum type="arabicPeriod"/>
+            </a:pPr>
+            <a:r>
+              <a:rPr lang="zh-CN" altLang="en-US" dirty="0" smtClean="0"/>
+              <a:t>业务模块上一步发送人待办处理状态更新为：</a:t>
+            </a:r>
+            <a:r>
+              <a:rPr lang="en-US" altLang="zh-CN" dirty="0" smtClean="0"/>
+              <a:t>“</a:t>
+            </a:r>
+            <a:r>
+              <a:rPr lang="zh-CN" altLang="en-US" dirty="0" smtClean="0"/>
+              <a:t>已办</a:t>
+            </a:r>
+            <a:r>
+              <a:rPr lang="en-US" altLang="zh-CN" dirty="0" smtClean="0"/>
+              <a:t>”</a:t>
+            </a:r>
+          </a:p>
+          <a:p>
+            <a:pPr marL="342900" indent="-342900" algn="ctr">
+              <a:buFont typeface="+mj-lt"/>
+              <a:buAutoNum type="arabicPeriod"/>
+            </a:pPr>
+            <a:r>
+              <a:rPr lang="zh-CN" altLang="en-US" dirty="0" smtClean="0"/>
+              <a:t>业务模块下一步处理人新增一条未处理的待办事项</a:t>
+            </a:r>
+            <a:endParaRPr lang="zh-CN" altLang="en-US" dirty="0"/>
+          </a:p>
+        </p:txBody>
+      </p:sp>
+      <p:sp>
+        <p:nvSpPr>
+          <p:cNvPr id="4" name="流程图: 可选过程 3"/>
+          <p:cNvSpPr/>
+          <p:nvPr/>
+        </p:nvSpPr>
+        <p:spPr>
+          <a:xfrm>
+            <a:off x="3563888" y="2146276"/>
+            <a:ext cx="3816424" cy="1786779"/>
+          </a:xfrm>
+          <a:prstGeom prst="flowChartAlternateProcess">
+            <a:avLst/>
+          </a:prstGeom>
+        </p:spPr>
+        <p:style>
+          <a:lnRef idx="2">
+            <a:schemeClr val="accent3">
+              <a:shade val="50000"/>
+            </a:schemeClr>
+          </a:lnRef>
+          <a:fillRef idx="1">
+            <a:schemeClr val="accent3"/>
+          </a:fillRef>
+          <a:effectRef idx="0">
+            <a:schemeClr val="accent3"/>
+          </a:effectRef>
+          <a:fontRef idx="minor">
+            <a:schemeClr val="lt1"/>
+          </a:fontRef>
+        </p:style>
+        <p:txBody>
+          <a:bodyPr rtlCol="0" anchor="ctr"/>
+          <a:lstStyle/>
+          <a:p>
+            <a:pPr marL="342900" indent="-342900" algn="ctr">
+              <a:buFont typeface="+mj-lt"/>
+              <a:buAutoNum type="arabicPeriod"/>
+            </a:pPr>
+            <a:r>
+              <a:rPr lang="zh-CN" altLang="en-US" dirty="0" smtClean="0"/>
+              <a:t>业务模块上一步发送人审批记录需要更新审批完成时间和下一步处理环节相关信息</a:t>
+            </a:r>
+            <a:endParaRPr lang="en-US" altLang="zh-CN" dirty="0" smtClean="0"/>
+          </a:p>
+          <a:p>
+            <a:pPr marL="342900" indent="-342900" algn="ctr">
+              <a:buFont typeface="+mj-lt"/>
+              <a:buAutoNum type="arabicPeriod"/>
+            </a:pPr>
+            <a:r>
+              <a:rPr lang="zh-CN" altLang="en-US" dirty="0" smtClean="0"/>
+              <a:t>业务模块需要新增一条下一步处理人审批记录</a:t>
+            </a:r>
+            <a:endParaRPr lang="zh-CN" altLang="en-US" dirty="0"/>
+          </a:p>
+        </p:txBody>
+      </p:sp>
+      <p:sp>
+        <p:nvSpPr>
+          <p:cNvPr id="5" name="流程图: 可选过程 4"/>
+          <p:cNvSpPr/>
+          <p:nvPr/>
+        </p:nvSpPr>
+        <p:spPr>
+          <a:xfrm>
+            <a:off x="3563888" y="4581128"/>
+            <a:ext cx="3816424" cy="1152128"/>
+          </a:xfrm>
+          <a:prstGeom prst="flowChartAlternateProcess">
+            <a:avLst/>
+          </a:prstGeom>
+        </p:spPr>
+        <p:style>
+          <a:lnRef idx="2">
+            <a:schemeClr val="accent3">
+              <a:shade val="50000"/>
+            </a:schemeClr>
+          </a:lnRef>
+          <a:fillRef idx="1">
+            <a:schemeClr val="accent3"/>
+          </a:fillRef>
+          <a:effectRef idx="0">
+            <a:schemeClr val="accent3"/>
+          </a:effectRef>
+          <a:fontRef idx="minor">
+            <a:schemeClr val="lt1"/>
+          </a:fontRef>
+        </p:style>
+        <p:txBody>
+          <a:bodyPr rtlCol="0" anchor="ctr"/>
+          <a:lstStyle/>
+          <a:p>
+            <a:pPr algn="ctr"/>
+            <a:endParaRPr lang="zh-CN" altLang="en-US"/>
+          </a:p>
+        </p:txBody>
+      </p:sp>
+    </p:spTree>
+    <p:extLst>
+      <p:ext uri="{BB962C8B-B14F-4D97-AF65-F5344CB8AC3E}">
+        <p14:creationId xmlns:p14="http://schemas.microsoft.com/office/powerpoint/2010/main" val="230452940"/>
+      </p:ext>
+    </p:extLst>
+  </p:cSld>
+  <p:clrMapOvr>
+    <a:masterClrMapping/>
+  </p:clrMapOvr>
+</p:sld>
+</file>
+
+<file path=ppt/slides/slide13.xml><?xml version="1.0" encoding="utf-8"?>
+<p:sld xmlns:a="http://schemas.openxmlformats.org/drawingml/2006/main" xmlns:r="http://schemas.openxmlformats.org/officeDocument/2006/relationships" xmlns:p="http://schemas.openxmlformats.org/presentationml/2006/main">
+  <p:cSld>
+    <p:spTree>
+      <p:nvGrpSpPr>
+        <p:cNvPr id="1" name=""/>
+        <p:cNvGrpSpPr/>
+        <p:nvPr/>
+      </p:nvGrpSpPr>
+      <p:grpSpPr>
+        <a:xfrm>
+          <a:off x="0" y="0"/>
+          <a:ext cx="0" cy="0"/>
+          <a:chOff x="0" y="0"/>
+          <a:chExt cx="0" cy="0"/>
+        </a:xfrm>
+      </p:grpSpPr>
+      <p:sp>
+        <p:nvSpPr>
+          <p:cNvPr id="2" name="TextBox 1"/>
+          <p:cNvSpPr txBox="1"/>
+          <p:nvPr/>
+        </p:nvSpPr>
+        <p:spPr>
+          <a:xfrm>
+            <a:off x="539552" y="764704"/>
+            <a:ext cx="8136904" cy="5355312"/>
+          </a:xfrm>
+          <a:prstGeom prst="rect">
+            <a:avLst/>
+          </a:prstGeom>
+          <a:noFill/>
+        </p:spPr>
+        <p:txBody>
+          <a:bodyPr wrap="square" rtlCol="0">
+            <a:spAutoFit/>
+          </a:bodyPr>
+          <a:lstStyle/>
+          <a:p>
+            <a:r>
+              <a:rPr lang="zh-CN" altLang="en-US" dirty="0" smtClean="0"/>
+              <a:t>设：业务模块待办上一步发送人为</a:t>
+            </a:r>
+            <a:r>
+              <a:rPr lang="en-US" altLang="zh-CN" dirty="0" err="1" smtClean="0"/>
+              <a:t>upPersonA</a:t>
+            </a:r>
+            <a:r>
+              <a:rPr lang="en-US" altLang="zh-CN" dirty="0" smtClean="0"/>
+              <a:t>，</a:t>
+            </a:r>
+            <a:r>
+              <a:rPr lang="zh-CN" altLang="en-US" dirty="0" smtClean="0"/>
+              <a:t>业务模块待办下一步处理人为</a:t>
+            </a:r>
+            <a:r>
+              <a:rPr lang="en-US" altLang="zh-CN" dirty="0" err="1" smtClean="0"/>
+              <a:t>downPersonB</a:t>
+            </a:r>
+            <a:endParaRPr lang="en-US" altLang="zh-CN" dirty="0" smtClean="0"/>
+          </a:p>
+          <a:p>
+            <a:pPr marL="342900" indent="-342900">
+              <a:buFont typeface="+mj-lt"/>
+              <a:buAutoNum type="alphaUcPeriod"/>
+            </a:pPr>
+            <a:r>
+              <a:rPr lang="en-US" altLang="zh-CN" dirty="0" err="1" smtClean="0"/>
+              <a:t>upPersonA</a:t>
+            </a:r>
+            <a:r>
+              <a:rPr lang="zh-CN" altLang="en-US" dirty="0" smtClean="0"/>
+              <a:t>提交工作项后，业务模块发生事件如下：</a:t>
+            </a:r>
+            <a:endParaRPr lang="en-US" altLang="zh-CN" dirty="0" smtClean="0"/>
+          </a:p>
+          <a:p>
+            <a:pPr marL="800100" lvl="1" indent="-342900">
+              <a:buFont typeface="+mj-lt"/>
+              <a:buAutoNum type="alphaLcParenR"/>
+            </a:pPr>
+            <a:r>
+              <a:rPr lang="en-US" altLang="zh-CN" dirty="0" err="1" smtClean="0"/>
+              <a:t>upPersonA</a:t>
+            </a:r>
+            <a:r>
+              <a:rPr lang="zh-CN" altLang="en-US" dirty="0" smtClean="0"/>
+              <a:t>待办数据处理状态更新为已办，</a:t>
+            </a:r>
+            <a:r>
+              <a:rPr lang="en-US" altLang="zh-CN" dirty="0" err="1" smtClean="0"/>
+              <a:t>upPersonA</a:t>
+            </a:r>
+            <a:r>
+              <a:rPr lang="zh-CN" altLang="en-US" dirty="0" smtClean="0"/>
+              <a:t>审批记录数据的审批完成时间更新为当前时间，下一步处理环节信息更新为</a:t>
+            </a:r>
+            <a:r>
+              <a:rPr lang="en-US" altLang="zh-CN" dirty="0" err="1" smtClean="0"/>
+              <a:t>downPersonB</a:t>
+            </a:r>
+            <a:r>
+              <a:rPr lang="zh-CN" altLang="en-US" dirty="0" smtClean="0"/>
+              <a:t>的相关信息</a:t>
+            </a:r>
+            <a:endParaRPr lang="en-US" altLang="zh-CN" dirty="0" smtClean="0"/>
+          </a:p>
+          <a:p>
+            <a:pPr marL="800100" lvl="1" indent="-342900">
+              <a:buFont typeface="+mj-lt"/>
+              <a:buAutoNum type="alphaLcParenR"/>
+            </a:pPr>
+            <a:r>
+              <a:rPr lang="en-US" altLang="zh-CN" dirty="0" err="1" smtClean="0"/>
+              <a:t>downPersonB</a:t>
+            </a:r>
+            <a:r>
+              <a:rPr lang="zh-CN" altLang="en-US" dirty="0" smtClean="0"/>
+              <a:t>新增一条未处理的待办数据，</a:t>
+            </a:r>
+            <a:r>
+              <a:rPr lang="en-US" altLang="zh-CN" dirty="0" err="1" smtClean="0"/>
+              <a:t>downPersonB</a:t>
+            </a:r>
+            <a:r>
+              <a:rPr lang="zh-CN" altLang="en-US" dirty="0" smtClean="0"/>
+              <a:t>新增一条审批记录信息</a:t>
+            </a:r>
+            <a:endParaRPr lang="en-US" altLang="zh-CN" dirty="0" smtClean="0"/>
+          </a:p>
+          <a:p>
+            <a:pPr marL="342900" indent="-342900">
+              <a:buFont typeface="+mj-lt"/>
+              <a:buAutoNum type="alphaUcPeriod"/>
+            </a:pPr>
+            <a:r>
+              <a:rPr lang="en-US" altLang="zh-CN" dirty="0" err="1" smtClean="0"/>
+              <a:t>upPersonA</a:t>
+            </a:r>
+            <a:r>
+              <a:rPr lang="zh-CN" altLang="en-US" dirty="0" smtClean="0"/>
+              <a:t>提交工作项后，流程模块发生事件由流程引擎自主控制。</a:t>
+            </a:r>
+            <a:endParaRPr lang="en-US" altLang="zh-CN" dirty="0" smtClean="0"/>
+          </a:p>
+          <a:p>
+            <a:pPr marL="342900" indent="-342900">
+              <a:buFont typeface="+mj-lt"/>
+              <a:buAutoNum type="alphaUcPeriod"/>
+            </a:pPr>
+            <a:r>
+              <a:rPr lang="zh-CN" altLang="en-US" dirty="0" smtClean="0"/>
+              <a:t>业务模块作为上游系统，流程模块作为下游系统，业务模块发出指令给流程模块，流程模块按照指令执行相关操作，并返回指定的回执数据。业务模块作为消息的生产者，流程模块作为消息的消费者。</a:t>
+            </a:r>
+            <a:endParaRPr lang="en-US" altLang="zh-CN" dirty="0" smtClean="0"/>
+          </a:p>
+          <a:p>
+            <a:endParaRPr lang="en-US" altLang="zh-CN" dirty="0" smtClean="0"/>
+          </a:p>
+          <a:p>
+            <a:pPr marL="800100" lvl="1" indent="-342900">
+              <a:buFont typeface="+mj-lt"/>
+              <a:buAutoNum type="alphaUcPeriod"/>
+            </a:pPr>
+            <a:endParaRPr lang="en-US" altLang="zh-CN" dirty="0" smtClean="0"/>
+          </a:p>
+          <a:p>
+            <a:endParaRPr lang="en-US" altLang="zh-CN" dirty="0" smtClean="0"/>
+          </a:p>
+          <a:p>
+            <a:endParaRPr lang="en-US" altLang="zh-CN" dirty="0" smtClean="0"/>
+          </a:p>
+          <a:p>
+            <a:endParaRPr lang="en-US" altLang="zh-CN" dirty="0"/>
+          </a:p>
+          <a:p>
+            <a:endParaRPr lang="en-US" altLang="zh-CN" dirty="0" smtClean="0"/>
+          </a:p>
+          <a:p>
+            <a:endParaRPr lang="zh-CN" altLang="en-US" dirty="0"/>
+          </a:p>
+        </p:txBody>
+      </p:sp>
+    </p:spTree>
+    <p:extLst>
+      <p:ext uri="{BB962C8B-B14F-4D97-AF65-F5344CB8AC3E}">
+        <p14:creationId xmlns:p14="http://schemas.microsoft.com/office/powerpoint/2010/main" val="2181617277"/>
+      </p:ext>
+    </p:extLst>
+  </p:cSld>
+  <p:clrMapOvr>
+    <a:masterClrMapping/>
+  </p:clrMapOvr>
+</p:sld>
+</file>
+
+<file path=ppt/slides/slide14.xml><?xml version="1.0" encoding="utf-8"?>
+<p:sld xmlns:a="http://schemas.openxmlformats.org/drawingml/2006/main" xmlns:r="http://schemas.openxmlformats.org/officeDocument/2006/relationships" xmlns:p="http://schemas.openxmlformats.org/presentationml/2006/main">
+  <p:cSld>
+    <p:spTree>
+      <p:nvGrpSpPr>
+        <p:cNvPr id="1" name=""/>
+        <p:cNvGrpSpPr/>
+        <p:nvPr/>
+      </p:nvGrpSpPr>
+      <p:grpSpPr>
+        <a:xfrm>
+          <a:off x="0" y="0"/>
+          <a:ext cx="0" cy="0"/>
+          <a:chOff x="0" y="0"/>
+          <a:chExt cx="0" cy="0"/>
+        </a:xfrm>
+      </p:grpSpPr>
+      <p:sp>
+        <p:nvSpPr>
+          <p:cNvPr id="2" name="流程图: 过程 1"/>
+          <p:cNvSpPr/>
+          <p:nvPr/>
+        </p:nvSpPr>
+        <p:spPr>
+          <a:xfrm>
+            <a:off x="611560" y="692696"/>
+            <a:ext cx="1296144" cy="2088232"/>
+          </a:xfrm>
+          <a:prstGeom prst="flowChartProcess">
+            <a:avLst/>
+          </a:prstGeom>
+        </p:spPr>
+        <p:style>
+          <a:lnRef idx="2">
+            <a:schemeClr val="accent3">
+              <a:shade val="50000"/>
+            </a:schemeClr>
+          </a:lnRef>
+          <a:fillRef idx="1">
+            <a:schemeClr val="accent3"/>
+          </a:fillRef>
+          <a:effectRef idx="0">
+            <a:schemeClr val="accent3"/>
+          </a:effectRef>
+          <a:fontRef idx="minor">
+            <a:schemeClr val="lt1"/>
+          </a:fontRef>
+        </p:style>
+        <p:txBody>
+          <a:bodyPr rtlCol="0" anchor="ctr"/>
+          <a:lstStyle/>
+          <a:p>
+            <a:pPr algn="ctr"/>
+            <a:r>
+              <a:rPr lang="zh-CN" altLang="en-US" dirty="0" smtClean="0"/>
+              <a:t>业务模块</a:t>
+            </a:r>
+            <a:endParaRPr lang="zh-CN" altLang="en-US" dirty="0"/>
+          </a:p>
+        </p:txBody>
+      </p:sp>
+      <p:cxnSp>
+        <p:nvCxnSpPr>
+          <p:cNvPr id="4" name="直接箭头连接符 3"/>
+          <p:cNvCxnSpPr/>
+          <p:nvPr/>
+        </p:nvCxnSpPr>
+        <p:spPr>
+          <a:xfrm>
+            <a:off x="2195736" y="1736812"/>
+            <a:ext cx="1656184" cy="0"/>
+          </a:xfrm>
+          <a:prstGeom prst="straightConnector1">
+            <a:avLst/>
+          </a:prstGeom>
+          <a:ln>
+            <a:tailEnd type="arrow"/>
+          </a:ln>
+        </p:spPr>
+        <p:style>
+          <a:lnRef idx="3">
+            <a:schemeClr val="accent3"/>
+          </a:lnRef>
+          <a:fillRef idx="0">
+            <a:schemeClr val="accent3"/>
+          </a:fillRef>
+          <a:effectRef idx="2">
+            <a:schemeClr val="accent3"/>
+          </a:effectRef>
+          <a:fontRef idx="minor">
+            <a:schemeClr val="tx1"/>
+          </a:fontRef>
+        </p:style>
+      </p:cxnSp>
+      <p:sp>
+        <p:nvSpPr>
+          <p:cNvPr id="5" name="TextBox 4"/>
+          <p:cNvSpPr txBox="1"/>
+          <p:nvPr/>
+        </p:nvSpPr>
+        <p:spPr>
+          <a:xfrm>
+            <a:off x="2388151" y="1311908"/>
+            <a:ext cx="1152128" cy="369332"/>
+          </a:xfrm>
+          <a:prstGeom prst="rect">
+            <a:avLst/>
+          </a:prstGeom>
+        </p:spPr>
+        <p:style>
+          <a:lnRef idx="2">
+            <a:schemeClr val="accent3"/>
+          </a:lnRef>
+          <a:fillRef idx="1">
+            <a:schemeClr val="lt1"/>
+          </a:fillRef>
+          <a:effectRef idx="0">
+            <a:schemeClr val="accent3"/>
+          </a:effectRef>
+          <a:fontRef idx="minor">
+            <a:schemeClr val="dk1"/>
+          </a:fontRef>
+        </p:style>
+        <p:txBody>
+          <a:bodyPr wrap="square" rtlCol="0">
+            <a:spAutoFit/>
+          </a:bodyPr>
+          <a:lstStyle/>
+          <a:p>
+            <a:r>
+              <a:rPr lang="zh-CN" altLang="en-US" dirty="0" smtClean="0"/>
+              <a:t>发出指令</a:t>
+            </a:r>
+            <a:endParaRPr lang="zh-CN" altLang="en-US" dirty="0"/>
+          </a:p>
+        </p:txBody>
+      </p:sp>
+      <p:sp>
+        <p:nvSpPr>
+          <p:cNvPr id="6" name="流程图: 过程 5"/>
+          <p:cNvSpPr/>
+          <p:nvPr/>
+        </p:nvSpPr>
+        <p:spPr>
+          <a:xfrm>
+            <a:off x="4644008" y="692696"/>
+            <a:ext cx="1296144" cy="2088232"/>
+          </a:xfrm>
+          <a:prstGeom prst="flowChartProcess">
+            <a:avLst/>
+          </a:prstGeom>
+        </p:spPr>
+        <p:style>
+          <a:lnRef idx="2">
+            <a:schemeClr val="accent1">
+              <a:shade val="50000"/>
+            </a:schemeClr>
+          </a:lnRef>
+          <a:fillRef idx="1">
+            <a:schemeClr val="accent1"/>
+          </a:fillRef>
+          <a:effectRef idx="0">
+            <a:schemeClr val="accent1"/>
+          </a:effectRef>
+          <a:fontRef idx="minor">
+            <a:schemeClr val="lt1"/>
+          </a:fontRef>
+        </p:style>
+        <p:txBody>
+          <a:bodyPr rtlCol="0" anchor="ctr"/>
+          <a:lstStyle/>
+          <a:p>
+            <a:pPr algn="ctr"/>
+            <a:r>
+              <a:rPr lang="zh-CN" altLang="en-US" dirty="0" smtClean="0"/>
+              <a:t>流程模块</a:t>
+            </a:r>
+            <a:endParaRPr lang="zh-CN" altLang="en-US" dirty="0"/>
+          </a:p>
+        </p:txBody>
+      </p:sp>
+      <p:cxnSp>
+        <p:nvCxnSpPr>
+          <p:cNvPr id="8" name="直接连接符 7"/>
+          <p:cNvCxnSpPr>
+            <a:stCxn id="6" idx="2"/>
+          </p:cNvCxnSpPr>
+          <p:nvPr/>
+        </p:nvCxnSpPr>
+        <p:spPr>
+          <a:xfrm>
+            <a:off x="5292080" y="2780928"/>
+            <a:ext cx="0" cy="1512168"/>
+          </a:xfrm>
+          <a:prstGeom prst="line">
+            <a:avLst/>
+          </a:prstGeom>
+        </p:spPr>
+        <p:style>
+          <a:lnRef idx="3">
+            <a:schemeClr val="accent5"/>
+          </a:lnRef>
+          <a:fillRef idx="0">
+            <a:schemeClr val="accent5"/>
+          </a:fillRef>
+          <a:effectRef idx="2">
+            <a:schemeClr val="accent5"/>
+          </a:effectRef>
+          <a:fontRef idx="minor">
+            <a:schemeClr val="tx1"/>
+          </a:fontRef>
+        </p:style>
+      </p:cxnSp>
+      <p:cxnSp>
+        <p:nvCxnSpPr>
+          <p:cNvPr id="10" name="直接箭头连接符 9"/>
+          <p:cNvCxnSpPr/>
+          <p:nvPr/>
+        </p:nvCxnSpPr>
+        <p:spPr>
+          <a:xfrm flipH="1">
+            <a:off x="3851920" y="4293096"/>
+            <a:ext cx="1440160" cy="0"/>
+          </a:xfrm>
+          <a:prstGeom prst="straightConnector1">
+            <a:avLst/>
+          </a:prstGeom>
+          <a:ln>
+            <a:tailEnd type="arrow"/>
+          </a:ln>
+        </p:spPr>
+        <p:style>
+          <a:lnRef idx="3">
+            <a:schemeClr val="accent5"/>
+          </a:lnRef>
+          <a:fillRef idx="0">
+            <a:schemeClr val="accent5"/>
+          </a:fillRef>
+          <a:effectRef idx="2">
+            <a:schemeClr val="accent5"/>
+          </a:effectRef>
+          <a:fontRef idx="minor">
+            <a:schemeClr val="tx1"/>
+          </a:fontRef>
+        </p:style>
+      </p:cxnSp>
+      <p:sp>
+        <p:nvSpPr>
+          <p:cNvPr id="11" name="TextBox 10"/>
+          <p:cNvSpPr txBox="1"/>
+          <p:nvPr/>
+        </p:nvSpPr>
+        <p:spPr>
+          <a:xfrm>
+            <a:off x="5652120" y="3068960"/>
+            <a:ext cx="3168352" cy="923330"/>
+          </a:xfrm>
+          <a:prstGeom prst="rect">
+            <a:avLst/>
+          </a:prstGeom>
+        </p:spPr>
+        <p:style>
+          <a:lnRef idx="2">
+            <a:schemeClr val="accent1"/>
+          </a:lnRef>
+          <a:fillRef idx="1">
+            <a:schemeClr val="lt1"/>
+          </a:fillRef>
+          <a:effectRef idx="0">
+            <a:schemeClr val="accent1"/>
+          </a:effectRef>
+          <a:fontRef idx="minor">
+            <a:schemeClr val="dk1"/>
+          </a:fontRef>
+        </p:style>
+        <p:txBody>
+          <a:bodyPr wrap="square" rtlCol="0">
+            <a:spAutoFit/>
+          </a:bodyPr>
+          <a:lstStyle/>
+          <a:p>
+            <a:r>
+              <a:rPr lang="zh-CN" altLang="en-US" dirty="0" smtClean="0"/>
+              <a:t>根据指令完成相关操作，并回执指定数据给业务模块的中间接口进行数据加工</a:t>
+            </a:r>
+            <a:endParaRPr lang="zh-CN" altLang="en-US" dirty="0"/>
+          </a:p>
+        </p:txBody>
+      </p:sp>
+      <p:sp>
+        <p:nvSpPr>
+          <p:cNvPr id="13" name="六边形 12"/>
+          <p:cNvSpPr/>
+          <p:nvPr/>
+        </p:nvSpPr>
+        <p:spPr>
+          <a:xfrm>
+            <a:off x="2306628" y="3635587"/>
+            <a:ext cx="1545292" cy="1332148"/>
+          </a:xfrm>
+          <a:prstGeom prst="hexagon">
+            <a:avLst/>
+          </a:prstGeom>
+        </p:spPr>
+        <p:style>
+          <a:lnRef idx="2">
+            <a:schemeClr val="accent3">
+              <a:shade val="50000"/>
+            </a:schemeClr>
+          </a:lnRef>
+          <a:fillRef idx="1">
+            <a:schemeClr val="accent3"/>
+          </a:fillRef>
+          <a:effectRef idx="0">
+            <a:schemeClr val="accent3"/>
+          </a:effectRef>
+          <a:fontRef idx="minor">
+            <a:schemeClr val="lt1"/>
+          </a:fontRef>
+        </p:style>
+        <p:txBody>
+          <a:bodyPr rtlCol="0" anchor="ctr"/>
+          <a:lstStyle/>
+          <a:p>
+            <a:pPr algn="ctr"/>
+            <a:r>
+              <a:rPr lang="zh-CN" altLang="en-US" dirty="0" smtClean="0"/>
+              <a:t>业务模块中间接口</a:t>
+            </a:r>
+            <a:endParaRPr lang="zh-CN" altLang="en-US" dirty="0"/>
+          </a:p>
+        </p:txBody>
+      </p:sp>
+      <p:sp>
+        <p:nvSpPr>
+          <p:cNvPr id="15" name="TextBox 14"/>
+          <p:cNvSpPr txBox="1"/>
+          <p:nvPr/>
+        </p:nvSpPr>
+        <p:spPr>
+          <a:xfrm>
+            <a:off x="412098" y="3285998"/>
+            <a:ext cx="1695068" cy="2031325"/>
+          </a:xfrm>
+          <a:prstGeom prst="rect">
+            <a:avLst/>
+          </a:prstGeom>
+        </p:spPr>
+        <p:style>
+          <a:lnRef idx="2">
+            <a:schemeClr val="accent3"/>
+          </a:lnRef>
+          <a:fillRef idx="1">
+            <a:schemeClr val="lt1"/>
+          </a:fillRef>
+          <a:effectRef idx="0">
+            <a:schemeClr val="accent3"/>
+          </a:effectRef>
+          <a:fontRef idx="minor">
+            <a:schemeClr val="dk1"/>
+          </a:fontRef>
+        </p:style>
+        <p:txBody>
+          <a:bodyPr wrap="square" rtlCol="0">
+            <a:spAutoFit/>
+          </a:bodyPr>
+          <a:lstStyle/>
+          <a:p>
+            <a:r>
+              <a:rPr lang="zh-CN" altLang="en-US" dirty="0" smtClean="0"/>
+              <a:t>中间接口对流程模块回执数据进行加工，处理成符合业务模块标准数据格式后，持久化到物理层</a:t>
+            </a:r>
+            <a:endParaRPr lang="zh-CN" altLang="en-US" dirty="0"/>
+          </a:p>
+        </p:txBody>
+      </p:sp>
+    </p:spTree>
+    <p:extLst>
+      <p:ext uri="{BB962C8B-B14F-4D97-AF65-F5344CB8AC3E}">
+        <p14:creationId xmlns:p14="http://schemas.microsoft.com/office/powerpoint/2010/main" val="2901850835"/>
+      </p:ext>
+    </p:extLst>
+  </p:cSld>
+  <p:clrMapOvr>
+    <a:masterClrMapping/>
+  </p:clrMapOvr>
+</p:sld>
+</file>
+
+<file path=ppt/slides/slide15.xml><?xml version="1.0" encoding="utf-8"?>
+<p:sld xmlns:a="http://schemas.openxmlformats.org/drawingml/2006/main" xmlns:r="http://schemas.openxmlformats.org/officeDocument/2006/relationships" xmlns:p="http://schemas.openxmlformats.org/presentationml/2006/main">
+  <p:cSld>
+    <p:spTree>
+      <p:nvGrpSpPr>
+        <p:cNvPr id="1" name=""/>
+        <p:cNvGrpSpPr/>
+        <p:nvPr/>
+      </p:nvGrpSpPr>
+      <p:grpSpPr>
+        <a:xfrm>
+          <a:off x="0" y="0"/>
+          <a:ext cx="0" cy="0"/>
+          <a:chOff x="0" y="0"/>
+          <a:chExt cx="0" cy="0"/>
+        </a:xfrm>
+      </p:grpSpPr>
+      <p:sp>
+        <p:nvSpPr>
+          <p:cNvPr id="2" name="圆角矩形 1"/>
+          <p:cNvSpPr/>
+          <p:nvPr/>
+        </p:nvSpPr>
+        <p:spPr>
+          <a:xfrm>
+            <a:off x="782486" y="2072173"/>
+            <a:ext cx="2592288" cy="1728192"/>
+          </a:xfrm>
+          <a:prstGeom prst="roundRect">
+            <a:avLst/>
+          </a:prstGeom>
+        </p:spPr>
+        <p:style>
+          <a:lnRef idx="0">
+            <a:schemeClr val="accent3"/>
+          </a:lnRef>
+          <a:fillRef idx="3">
+            <a:schemeClr val="accent3"/>
+          </a:fillRef>
+          <a:effectRef idx="3">
+            <a:schemeClr val="accent3"/>
+          </a:effectRef>
+          <a:fontRef idx="minor">
+            <a:schemeClr val="lt1"/>
+          </a:fontRef>
+        </p:style>
+        <p:txBody>
+          <a:bodyPr rtlCol="0" anchor="ctr"/>
+          <a:lstStyle/>
+          <a:p>
+            <a:pPr algn="ctr"/>
+            <a:r>
+              <a:rPr lang="en-US" altLang="zh-CN" dirty="0" err="1" smtClean="0"/>
+              <a:t>completeMethod</a:t>
+            </a:r>
+            <a:r>
+              <a:rPr lang="en-US" altLang="zh-CN" dirty="0" smtClean="0"/>
+              <a:t>(..)</a:t>
+            </a:r>
+            <a:endParaRPr lang="zh-CN" altLang="en-US" dirty="0"/>
+          </a:p>
+        </p:txBody>
+      </p:sp>
+      <p:sp>
+        <p:nvSpPr>
+          <p:cNvPr id="3" name="流程图: 数据 2"/>
+          <p:cNvSpPr/>
+          <p:nvPr/>
+        </p:nvSpPr>
+        <p:spPr>
+          <a:xfrm>
+            <a:off x="944825" y="782351"/>
+            <a:ext cx="2160240" cy="1008112"/>
+          </a:xfrm>
+          <a:prstGeom prst="flowChartInputOutput">
+            <a:avLst/>
+          </a:prstGeom>
+        </p:spPr>
+        <p:style>
+          <a:lnRef idx="2">
+            <a:schemeClr val="accent3">
+              <a:shade val="50000"/>
+            </a:schemeClr>
+          </a:lnRef>
+          <a:fillRef idx="1">
+            <a:schemeClr val="accent3"/>
+          </a:fillRef>
+          <a:effectRef idx="0">
+            <a:schemeClr val="accent3"/>
+          </a:effectRef>
+          <a:fontRef idx="minor">
+            <a:schemeClr val="lt1"/>
+          </a:fontRef>
+        </p:style>
+        <p:txBody>
+          <a:bodyPr rtlCol="0" anchor="ctr"/>
+          <a:lstStyle/>
+          <a:p>
+            <a:pPr algn="ctr"/>
+            <a:r>
+              <a:rPr lang="en-US" altLang="zh-CN" dirty="0" smtClean="0"/>
+              <a:t>Before(..)</a:t>
+            </a:r>
+            <a:endParaRPr lang="zh-CN" altLang="en-US" dirty="0"/>
+          </a:p>
+        </p:txBody>
+      </p:sp>
+      <p:sp>
+        <p:nvSpPr>
+          <p:cNvPr id="6" name="流程图: 数据 5"/>
+          <p:cNvSpPr/>
+          <p:nvPr/>
+        </p:nvSpPr>
+        <p:spPr>
+          <a:xfrm>
+            <a:off x="499389" y="4259178"/>
+            <a:ext cx="3051111" cy="1008112"/>
+          </a:xfrm>
+          <a:prstGeom prst="flowChartInputOutput">
+            <a:avLst/>
+          </a:prstGeom>
+        </p:spPr>
+        <p:style>
+          <a:lnRef idx="2">
+            <a:schemeClr val="accent3">
+              <a:shade val="50000"/>
+            </a:schemeClr>
+          </a:lnRef>
+          <a:fillRef idx="1">
+            <a:schemeClr val="accent3"/>
+          </a:fillRef>
+          <a:effectRef idx="0">
+            <a:schemeClr val="accent3"/>
+          </a:effectRef>
+          <a:fontRef idx="minor">
+            <a:schemeClr val="lt1"/>
+          </a:fontRef>
+        </p:style>
+        <p:txBody>
+          <a:bodyPr rtlCol="0" anchor="ctr"/>
+          <a:lstStyle/>
+          <a:p>
+            <a:pPr algn="ctr"/>
+            <a:r>
+              <a:rPr lang="en-US" altLang="zh-CN" dirty="0" err="1" smtClean="0"/>
+              <a:t>afterReturning</a:t>
+            </a:r>
+            <a:r>
+              <a:rPr lang="en-US" altLang="zh-CN" dirty="0" smtClean="0"/>
+              <a:t>(..)</a:t>
+            </a:r>
+            <a:endParaRPr lang="zh-CN" altLang="en-US" dirty="0"/>
+          </a:p>
+        </p:txBody>
+      </p:sp>
+      <p:cxnSp>
+        <p:nvCxnSpPr>
+          <p:cNvPr id="8" name="直接箭头连接符 7"/>
+          <p:cNvCxnSpPr/>
+          <p:nvPr/>
+        </p:nvCxnSpPr>
+        <p:spPr>
+          <a:xfrm>
+            <a:off x="3105065" y="1310071"/>
+            <a:ext cx="1741580" cy="0"/>
+          </a:xfrm>
+          <a:prstGeom prst="straightConnector1">
+            <a:avLst/>
+          </a:prstGeom>
+          <a:ln>
+            <a:tailEnd type="arrow"/>
+          </a:ln>
+        </p:spPr>
+        <p:style>
+          <a:lnRef idx="3">
+            <a:schemeClr val="accent3"/>
+          </a:lnRef>
+          <a:fillRef idx="0">
+            <a:schemeClr val="accent3"/>
+          </a:fillRef>
+          <a:effectRef idx="2">
+            <a:schemeClr val="accent3"/>
+          </a:effectRef>
+          <a:fontRef idx="minor">
+            <a:schemeClr val="tx1"/>
+          </a:fontRef>
+        </p:style>
+      </p:cxnSp>
+      <p:cxnSp>
+        <p:nvCxnSpPr>
+          <p:cNvPr id="9" name="直接箭头连接符 8"/>
+          <p:cNvCxnSpPr/>
+          <p:nvPr/>
+        </p:nvCxnSpPr>
+        <p:spPr>
+          <a:xfrm>
+            <a:off x="3347864" y="4763234"/>
+            <a:ext cx="1741580" cy="0"/>
+          </a:xfrm>
+          <a:prstGeom prst="straightConnector1">
+            <a:avLst/>
+          </a:prstGeom>
+          <a:ln>
+            <a:tailEnd type="arrow"/>
+          </a:ln>
+        </p:spPr>
+        <p:style>
+          <a:lnRef idx="3">
+            <a:schemeClr val="accent3"/>
+          </a:lnRef>
+          <a:fillRef idx="0">
+            <a:schemeClr val="accent3"/>
+          </a:fillRef>
+          <a:effectRef idx="2">
+            <a:schemeClr val="accent3"/>
+          </a:effectRef>
+          <a:fontRef idx="minor">
+            <a:schemeClr val="tx1"/>
+          </a:fontRef>
+        </p:style>
+      </p:cxnSp>
+      <p:sp>
+        <p:nvSpPr>
+          <p:cNvPr id="10" name="TextBox 9"/>
+          <p:cNvSpPr txBox="1"/>
+          <p:nvPr/>
+        </p:nvSpPr>
+        <p:spPr>
+          <a:xfrm>
+            <a:off x="5089444" y="782351"/>
+            <a:ext cx="3298980" cy="646331"/>
+          </a:xfrm>
+          <a:prstGeom prst="rect">
+            <a:avLst/>
+          </a:prstGeom>
+        </p:spPr>
+        <p:style>
+          <a:lnRef idx="2">
+            <a:schemeClr val="accent3"/>
+          </a:lnRef>
+          <a:fillRef idx="1">
+            <a:schemeClr val="lt1"/>
+          </a:fillRef>
+          <a:effectRef idx="0">
+            <a:schemeClr val="accent3"/>
+          </a:effectRef>
+          <a:fontRef idx="minor">
+            <a:schemeClr val="dk1"/>
+          </a:fontRef>
+        </p:style>
+        <p:txBody>
+          <a:bodyPr wrap="square" rtlCol="0">
+            <a:spAutoFit/>
+          </a:bodyPr>
+          <a:lstStyle/>
+          <a:p>
+            <a:r>
+              <a:rPr lang="zh-CN" altLang="en-US" dirty="0" smtClean="0"/>
+              <a:t>更新业务模块</a:t>
+            </a:r>
+            <a:r>
+              <a:rPr lang="en-US" altLang="zh-CN" dirty="0" err="1" smtClean="0"/>
+              <a:t>upPersonA</a:t>
+            </a:r>
+            <a:r>
+              <a:rPr lang="zh-CN" altLang="en-US" dirty="0" smtClean="0"/>
+              <a:t>的待办处理状态和审批记录相关信息</a:t>
+            </a:r>
+            <a:endParaRPr lang="zh-CN" altLang="en-US" dirty="0"/>
+          </a:p>
+        </p:txBody>
+      </p:sp>
+      <p:sp>
+        <p:nvSpPr>
+          <p:cNvPr id="11" name="TextBox 10"/>
+          <p:cNvSpPr txBox="1"/>
+          <p:nvPr/>
+        </p:nvSpPr>
+        <p:spPr>
+          <a:xfrm>
+            <a:off x="5089444" y="4149080"/>
+            <a:ext cx="3731028" cy="923330"/>
+          </a:xfrm>
+          <a:prstGeom prst="rect">
+            <a:avLst/>
+          </a:prstGeom>
+        </p:spPr>
+        <p:style>
+          <a:lnRef idx="2">
+            <a:schemeClr val="accent3"/>
+          </a:lnRef>
+          <a:fillRef idx="1">
+            <a:schemeClr val="lt1"/>
+          </a:fillRef>
+          <a:effectRef idx="0">
+            <a:schemeClr val="accent3"/>
+          </a:effectRef>
+          <a:fontRef idx="minor">
+            <a:schemeClr val="dk1"/>
+          </a:fontRef>
+        </p:style>
+        <p:txBody>
+          <a:bodyPr wrap="square" rtlCol="0">
+            <a:spAutoFit/>
+          </a:bodyPr>
+          <a:lstStyle/>
+          <a:p>
+            <a:r>
+              <a:rPr lang="zh-CN" altLang="en-US" dirty="0" smtClean="0"/>
+              <a:t>业务模块加工流程模块回执的数据，新增</a:t>
+            </a:r>
+            <a:r>
+              <a:rPr lang="en-US" altLang="zh-CN" dirty="0" err="1" smtClean="0"/>
+              <a:t>downPersonB</a:t>
+            </a:r>
+            <a:r>
+              <a:rPr lang="zh-CN" altLang="en-US" dirty="0" smtClean="0"/>
+              <a:t>的待办信息和审批记录相关信息</a:t>
+            </a:r>
+            <a:endParaRPr lang="zh-CN" altLang="en-US" dirty="0"/>
+          </a:p>
+        </p:txBody>
+      </p:sp>
+      <p:sp>
+        <p:nvSpPr>
+          <p:cNvPr id="12" name="圆角矩形 11"/>
+          <p:cNvSpPr/>
+          <p:nvPr/>
+        </p:nvSpPr>
+        <p:spPr>
+          <a:xfrm>
+            <a:off x="5292080" y="2337555"/>
+            <a:ext cx="2232248" cy="1197428"/>
+          </a:xfrm>
+          <a:prstGeom prst="roundRect">
+            <a:avLst/>
+          </a:prstGeom>
+        </p:spPr>
+        <p:style>
+          <a:lnRef idx="2">
+            <a:schemeClr val="accent1">
+              <a:shade val="50000"/>
+            </a:schemeClr>
+          </a:lnRef>
+          <a:fillRef idx="1">
+            <a:schemeClr val="accent1"/>
+          </a:fillRef>
+          <a:effectRef idx="0">
+            <a:schemeClr val="accent1"/>
+          </a:effectRef>
+          <a:fontRef idx="minor">
+            <a:schemeClr val="lt1"/>
+          </a:fontRef>
+        </p:style>
+        <p:txBody>
+          <a:bodyPr rtlCol="0" anchor="ctr"/>
+          <a:lstStyle/>
+          <a:p>
+            <a:pPr algn="ctr"/>
+            <a:r>
+              <a:rPr lang="zh-CN" altLang="en-US" dirty="0" smtClean="0"/>
+              <a:t>流程模块接口</a:t>
+            </a:r>
+            <a:endParaRPr lang="zh-CN" altLang="en-US" dirty="0"/>
+          </a:p>
+        </p:txBody>
+      </p:sp>
+      <p:sp>
+        <p:nvSpPr>
+          <p:cNvPr id="14" name="右箭头 13"/>
+          <p:cNvSpPr/>
+          <p:nvPr/>
+        </p:nvSpPr>
+        <p:spPr>
+          <a:xfrm>
+            <a:off x="3753137" y="2768180"/>
+            <a:ext cx="1093508" cy="598714"/>
+          </a:xfrm>
+          <a:prstGeom prst="rightArrow">
+            <a:avLst/>
+          </a:prstGeom>
+        </p:spPr>
+        <p:style>
+          <a:lnRef idx="2">
+            <a:schemeClr val="accent3">
+              <a:shade val="50000"/>
+            </a:schemeClr>
+          </a:lnRef>
+          <a:fillRef idx="1">
+            <a:schemeClr val="accent3"/>
+          </a:fillRef>
+          <a:effectRef idx="0">
+            <a:schemeClr val="accent3"/>
+          </a:effectRef>
+          <a:fontRef idx="minor">
+            <a:schemeClr val="lt1"/>
+          </a:fontRef>
+        </p:style>
+        <p:txBody>
+          <a:bodyPr rtlCol="0" anchor="ctr"/>
+          <a:lstStyle/>
+          <a:p>
+            <a:pPr algn="ctr"/>
+            <a:r>
+              <a:rPr lang="zh-CN" altLang="en-US" dirty="0" smtClean="0"/>
+              <a:t>调用</a:t>
+            </a:r>
+            <a:endParaRPr lang="zh-CN" altLang="en-US" dirty="0"/>
+          </a:p>
+        </p:txBody>
+      </p:sp>
+      <p:sp>
+        <p:nvSpPr>
+          <p:cNvPr id="21" name="下箭头 20"/>
+          <p:cNvSpPr/>
+          <p:nvPr/>
+        </p:nvSpPr>
+        <p:spPr>
+          <a:xfrm rot="4500000">
+            <a:off x="3978687" y="3098256"/>
+            <a:ext cx="798136" cy="1786817"/>
+          </a:xfrm>
+          <a:prstGeom prst="downArrow">
+            <a:avLst/>
+          </a:prstGeom>
+        </p:spPr>
+        <p:style>
+          <a:lnRef idx="2">
+            <a:schemeClr val="accent1">
+              <a:shade val="50000"/>
+            </a:schemeClr>
+          </a:lnRef>
+          <a:fillRef idx="1">
+            <a:schemeClr val="accent1"/>
+          </a:fillRef>
+          <a:effectRef idx="0">
+            <a:schemeClr val="accent1"/>
+          </a:effectRef>
+          <a:fontRef idx="minor">
+            <a:schemeClr val="lt1"/>
+          </a:fontRef>
+        </p:style>
+        <p:txBody>
+          <a:bodyPr rtlCol="0" anchor="ctr"/>
+          <a:lstStyle/>
+          <a:p>
+            <a:pPr algn="ctr"/>
+            <a:r>
+              <a:rPr lang="zh-CN" altLang="en-US" dirty="0" smtClean="0"/>
+              <a:t>回执数据</a:t>
+            </a:r>
+            <a:endParaRPr lang="zh-CN" altLang="en-US" dirty="0"/>
+          </a:p>
+        </p:txBody>
+      </p:sp>
+      <p:sp>
+        <p:nvSpPr>
+          <p:cNvPr id="22" name="TextBox 21"/>
+          <p:cNvSpPr txBox="1"/>
+          <p:nvPr/>
+        </p:nvSpPr>
+        <p:spPr>
+          <a:xfrm>
+            <a:off x="3545497" y="1685308"/>
+            <a:ext cx="1538944" cy="923330"/>
+          </a:xfrm>
+          <a:prstGeom prst="rect">
+            <a:avLst/>
+          </a:prstGeom>
+        </p:spPr>
+        <p:style>
+          <a:lnRef idx="2">
+            <a:schemeClr val="accent3"/>
+          </a:lnRef>
+          <a:fillRef idx="1">
+            <a:schemeClr val="lt1"/>
+          </a:fillRef>
+          <a:effectRef idx="0">
+            <a:schemeClr val="accent3"/>
+          </a:effectRef>
+          <a:fontRef idx="minor">
+            <a:schemeClr val="dk1"/>
+          </a:fontRef>
+        </p:style>
+        <p:txBody>
+          <a:bodyPr wrap="square" rtlCol="0">
+            <a:spAutoFit/>
+          </a:bodyPr>
+          <a:lstStyle/>
+          <a:p>
+            <a:r>
+              <a:rPr lang="zh-CN" altLang="en-US" dirty="0" smtClean="0"/>
+              <a:t>提交工作项方法只管调用流程接口</a:t>
+            </a:r>
+            <a:endParaRPr lang="zh-CN" altLang="en-US" dirty="0"/>
+          </a:p>
+        </p:txBody>
+      </p:sp>
+      <p:sp>
+        <p:nvSpPr>
+          <p:cNvPr id="23" name="TextBox 22"/>
+          <p:cNvSpPr txBox="1"/>
+          <p:nvPr/>
+        </p:nvSpPr>
+        <p:spPr>
+          <a:xfrm>
+            <a:off x="3203848" y="727049"/>
+            <a:ext cx="1741580" cy="369332"/>
+          </a:xfrm>
+          <a:prstGeom prst="rect">
+            <a:avLst/>
+          </a:prstGeom>
+        </p:spPr>
+        <p:style>
+          <a:lnRef idx="2">
+            <a:schemeClr val="accent3"/>
+          </a:lnRef>
+          <a:fillRef idx="1">
+            <a:schemeClr val="lt1"/>
+          </a:fillRef>
+          <a:effectRef idx="0">
+            <a:schemeClr val="accent3"/>
+          </a:effectRef>
+          <a:fontRef idx="minor">
+            <a:schemeClr val="dk1"/>
+          </a:fontRef>
+        </p:style>
+        <p:txBody>
+          <a:bodyPr wrap="square" rtlCol="0">
+            <a:spAutoFit/>
+          </a:bodyPr>
+          <a:lstStyle/>
+          <a:p>
+            <a:r>
+              <a:rPr lang="zh-CN" altLang="en-US" dirty="0" smtClean="0"/>
+              <a:t>前置切面方法</a:t>
+            </a:r>
+            <a:endParaRPr lang="zh-CN" altLang="en-US" dirty="0"/>
+          </a:p>
+        </p:txBody>
+      </p:sp>
+      <p:sp>
+        <p:nvSpPr>
+          <p:cNvPr id="24" name="TextBox 23"/>
+          <p:cNvSpPr txBox="1"/>
+          <p:nvPr/>
+        </p:nvSpPr>
+        <p:spPr>
+          <a:xfrm>
+            <a:off x="3342861" y="5072410"/>
+            <a:ext cx="1741580" cy="646331"/>
+          </a:xfrm>
+          <a:prstGeom prst="rect">
+            <a:avLst/>
+          </a:prstGeom>
+        </p:spPr>
+        <p:style>
+          <a:lnRef idx="2">
+            <a:schemeClr val="accent3"/>
+          </a:lnRef>
+          <a:fillRef idx="1">
+            <a:schemeClr val="lt1"/>
+          </a:fillRef>
+          <a:effectRef idx="0">
+            <a:schemeClr val="accent3"/>
+          </a:effectRef>
+          <a:fontRef idx="minor">
+            <a:schemeClr val="dk1"/>
+          </a:fontRef>
+        </p:style>
+        <p:txBody>
+          <a:bodyPr wrap="square" rtlCol="0">
+            <a:spAutoFit/>
+          </a:bodyPr>
+          <a:lstStyle/>
+          <a:p>
+            <a:r>
+              <a:rPr lang="zh-CN" altLang="en-US" dirty="0" smtClean="0"/>
+              <a:t>后置增强切面方法</a:t>
+            </a:r>
+            <a:endParaRPr lang="zh-CN" altLang="en-US" dirty="0"/>
+          </a:p>
+        </p:txBody>
+      </p:sp>
+    </p:spTree>
+    <p:extLst>
+      <p:ext uri="{BB962C8B-B14F-4D97-AF65-F5344CB8AC3E}">
+        <p14:creationId xmlns:p14="http://schemas.microsoft.com/office/powerpoint/2010/main" val="1842290899"/>
+      </p:ext>
+    </p:extLst>
+  </p:cSld>
+  <p:clrMapOvr>
+    <a:masterClrMapping/>
+  </p:clrMapOvr>
+</p:sld>
+</file>
+
+<file path=ppt/slides/slide16.xml><?xml version="1.0" encoding="utf-8"?>
+<p:sld xmlns:a="http://schemas.openxmlformats.org/drawingml/2006/main" xmlns:r="http://schemas.openxmlformats.org/officeDocument/2006/relationships" xmlns:p="http://schemas.openxmlformats.org/presentationml/2006/main">
+  <p:cSld>
+    <p:spTree>
+      <p:nvGrpSpPr>
+        <p:cNvPr id="1" name=""/>
+        <p:cNvGrpSpPr/>
+        <p:nvPr/>
+      </p:nvGrpSpPr>
+      <p:grpSpPr>
+        <a:xfrm>
+          <a:off x="0" y="0"/>
+          <a:ext cx="0" cy="0"/>
+          <a:chOff x="0" y="0"/>
+          <a:chExt cx="0" cy="0"/>
+        </a:xfrm>
+      </p:grpSpPr>
+      <p:sp>
+        <p:nvSpPr>
+          <p:cNvPr id="8" name="矩形 7"/>
+          <p:cNvSpPr/>
+          <p:nvPr/>
+        </p:nvSpPr>
+        <p:spPr>
+          <a:xfrm>
+            <a:off x="2051720" y="764704"/>
+            <a:ext cx="3600400" cy="3312368"/>
+          </a:xfrm>
+          <a:prstGeom prst="rect">
+            <a:avLst/>
+          </a:prstGeom>
+        </p:spPr>
+        <p:style>
+          <a:lnRef idx="2">
+            <a:schemeClr val="accent3"/>
+          </a:lnRef>
+          <a:fillRef idx="1">
+            <a:schemeClr val="lt1"/>
+          </a:fillRef>
+          <a:effectRef idx="0">
+            <a:schemeClr val="accent3"/>
+          </a:effectRef>
+          <a:fontRef idx="minor">
+            <a:schemeClr val="dk1"/>
+          </a:fontRef>
+        </p:style>
+        <p:txBody>
+          <a:bodyPr rtlCol="0" anchor="ctr"/>
+          <a:lstStyle/>
+          <a:p>
+            <a:pPr algn="ctr"/>
+            <a:endParaRPr lang="zh-CN" altLang="en-US"/>
+          </a:p>
+        </p:txBody>
+      </p:sp>
+      <p:sp>
+        <p:nvSpPr>
+          <p:cNvPr id="2" name="平行四边形 1"/>
+          <p:cNvSpPr/>
+          <p:nvPr/>
+        </p:nvSpPr>
+        <p:spPr>
+          <a:xfrm>
+            <a:off x="1907704" y="764704"/>
+            <a:ext cx="3744416" cy="648072"/>
+          </a:xfrm>
+          <a:prstGeom prst="parallelogram">
+            <a:avLst/>
+          </a:prstGeom>
+        </p:spPr>
+        <p:style>
+          <a:lnRef idx="2">
+            <a:schemeClr val="accent3">
+              <a:shade val="50000"/>
+            </a:schemeClr>
+          </a:lnRef>
+          <a:fillRef idx="1">
+            <a:schemeClr val="accent3"/>
+          </a:fillRef>
+          <a:effectRef idx="0">
+            <a:schemeClr val="accent3"/>
+          </a:effectRef>
+          <a:fontRef idx="minor">
+            <a:schemeClr val="lt1"/>
+          </a:fontRef>
+        </p:style>
+        <p:txBody>
+          <a:bodyPr rtlCol="0" anchor="ctr"/>
+          <a:lstStyle/>
+          <a:p>
+            <a:pPr algn="ctr"/>
+            <a:r>
+              <a:rPr lang="zh-CN" altLang="en-US" dirty="0" smtClean="0"/>
+              <a:t>业务端调用启动流程接口</a:t>
+            </a:r>
+            <a:endParaRPr lang="zh-CN" altLang="en-US" dirty="0"/>
+          </a:p>
+        </p:txBody>
+      </p:sp>
+      <p:sp>
+        <p:nvSpPr>
+          <p:cNvPr id="4" name="平行四边形 3"/>
+          <p:cNvSpPr/>
+          <p:nvPr/>
+        </p:nvSpPr>
+        <p:spPr>
+          <a:xfrm>
+            <a:off x="1907704" y="2198271"/>
+            <a:ext cx="3744416" cy="648072"/>
+          </a:xfrm>
+          <a:prstGeom prst="parallelogram">
+            <a:avLst/>
+          </a:prstGeom>
+        </p:spPr>
+        <p:style>
+          <a:lnRef idx="2">
+            <a:schemeClr val="accent3">
+              <a:shade val="50000"/>
+            </a:schemeClr>
+          </a:lnRef>
+          <a:fillRef idx="1">
+            <a:schemeClr val="accent3"/>
+          </a:fillRef>
+          <a:effectRef idx="0">
+            <a:schemeClr val="accent3"/>
+          </a:effectRef>
+          <a:fontRef idx="minor">
+            <a:schemeClr val="lt1"/>
+          </a:fontRef>
+        </p:style>
+        <p:txBody>
+          <a:bodyPr rtlCol="0" anchor="ctr"/>
+          <a:lstStyle/>
+          <a:p>
+            <a:pPr algn="ctr"/>
+            <a:r>
+              <a:rPr lang="zh-CN" altLang="en-US" dirty="0" smtClean="0"/>
+              <a:t>调用流程引擎的中间接口</a:t>
+            </a:r>
+            <a:endParaRPr lang="zh-CN" altLang="en-US" dirty="0"/>
+          </a:p>
+        </p:txBody>
+      </p:sp>
+      <p:sp>
+        <p:nvSpPr>
+          <p:cNvPr id="5" name="下箭头 4"/>
+          <p:cNvSpPr/>
+          <p:nvPr/>
+        </p:nvSpPr>
+        <p:spPr>
+          <a:xfrm>
+            <a:off x="3319748" y="1478191"/>
+            <a:ext cx="532172" cy="720080"/>
+          </a:xfrm>
+          <a:prstGeom prst="downArrow">
+            <a:avLst/>
+          </a:prstGeom>
+        </p:spPr>
+        <p:style>
+          <a:lnRef idx="2">
+            <a:schemeClr val="accent1">
+              <a:shade val="50000"/>
+            </a:schemeClr>
+          </a:lnRef>
+          <a:fillRef idx="1">
+            <a:schemeClr val="accent1"/>
+          </a:fillRef>
+          <a:effectRef idx="0">
+            <a:schemeClr val="accent1"/>
+          </a:effectRef>
+          <a:fontRef idx="minor">
+            <a:schemeClr val="lt1"/>
+          </a:fontRef>
+        </p:style>
+        <p:txBody>
+          <a:bodyPr rtlCol="0" anchor="ctr"/>
+          <a:lstStyle/>
+          <a:p>
+            <a:pPr algn="ctr"/>
+            <a:r>
+              <a:rPr lang="zh-CN" altLang="en-US" dirty="0" smtClean="0"/>
+              <a:t>调用</a:t>
+            </a:r>
+            <a:endParaRPr lang="zh-CN" altLang="en-US" dirty="0"/>
+          </a:p>
+        </p:txBody>
+      </p:sp>
+      <p:sp>
+        <p:nvSpPr>
+          <p:cNvPr id="6" name="平行四边形 5"/>
+          <p:cNvSpPr/>
+          <p:nvPr/>
+        </p:nvSpPr>
+        <p:spPr>
+          <a:xfrm>
+            <a:off x="1907704" y="3511746"/>
+            <a:ext cx="3744416" cy="648072"/>
+          </a:xfrm>
+          <a:prstGeom prst="parallelogram">
+            <a:avLst/>
+          </a:prstGeom>
+        </p:spPr>
+        <p:style>
+          <a:lnRef idx="2">
+            <a:schemeClr val="accent1">
+              <a:shade val="50000"/>
+            </a:schemeClr>
+          </a:lnRef>
+          <a:fillRef idx="1">
+            <a:schemeClr val="accent1"/>
+          </a:fillRef>
+          <a:effectRef idx="0">
+            <a:schemeClr val="accent1"/>
+          </a:effectRef>
+          <a:fontRef idx="minor">
+            <a:schemeClr val="lt1"/>
+          </a:fontRef>
+        </p:style>
+        <p:txBody>
+          <a:bodyPr rtlCol="0" anchor="ctr"/>
+          <a:lstStyle/>
+          <a:p>
+            <a:pPr algn="ctr"/>
+            <a:r>
+              <a:rPr lang="zh-CN" altLang="en-US" dirty="0" smtClean="0"/>
+              <a:t>流程引擎接口</a:t>
+            </a:r>
+            <a:endParaRPr lang="zh-CN" altLang="en-US" dirty="0"/>
+          </a:p>
+        </p:txBody>
+      </p:sp>
+      <p:sp>
+        <p:nvSpPr>
+          <p:cNvPr id="7" name="下箭头 6"/>
+          <p:cNvSpPr/>
+          <p:nvPr/>
+        </p:nvSpPr>
+        <p:spPr>
+          <a:xfrm>
+            <a:off x="3175732" y="2820762"/>
+            <a:ext cx="532172" cy="720080"/>
+          </a:xfrm>
+          <a:prstGeom prst="downArrow">
+            <a:avLst/>
+          </a:prstGeom>
+        </p:spPr>
+        <p:style>
+          <a:lnRef idx="2">
+            <a:schemeClr val="accent3">
+              <a:shade val="50000"/>
+            </a:schemeClr>
+          </a:lnRef>
+          <a:fillRef idx="1">
+            <a:schemeClr val="accent3"/>
+          </a:fillRef>
+          <a:effectRef idx="0">
+            <a:schemeClr val="accent3"/>
+          </a:effectRef>
+          <a:fontRef idx="minor">
+            <a:schemeClr val="lt1"/>
+          </a:fontRef>
+        </p:style>
+        <p:txBody>
+          <a:bodyPr rtlCol="0" anchor="ctr"/>
+          <a:lstStyle/>
+          <a:p>
+            <a:pPr algn="ctr"/>
+            <a:r>
+              <a:rPr lang="zh-CN" altLang="en-US" dirty="0" smtClean="0"/>
+              <a:t>调用</a:t>
+            </a:r>
+            <a:endParaRPr lang="zh-CN" altLang="en-US" dirty="0"/>
+          </a:p>
+        </p:txBody>
+      </p:sp>
+      <p:sp>
+        <p:nvSpPr>
+          <p:cNvPr id="9" name="平行四边形 8"/>
+          <p:cNvSpPr/>
+          <p:nvPr/>
+        </p:nvSpPr>
+        <p:spPr>
+          <a:xfrm>
+            <a:off x="251520" y="4089671"/>
+            <a:ext cx="7416824" cy="1718501"/>
+          </a:xfrm>
+          <a:prstGeom prst="parallelogram">
+            <a:avLst/>
+          </a:prstGeom>
+        </p:spPr>
+        <p:style>
+          <a:lnRef idx="2">
+            <a:schemeClr val="accent6"/>
+          </a:lnRef>
+          <a:fillRef idx="1">
+            <a:schemeClr val="lt1"/>
+          </a:fillRef>
+          <a:effectRef idx="0">
+            <a:schemeClr val="accent6"/>
+          </a:effectRef>
+          <a:fontRef idx="minor">
+            <a:schemeClr val="dk1"/>
+          </a:fontRef>
+        </p:style>
+        <p:txBody>
+          <a:bodyPr rtlCol="0" anchor="ctr"/>
+          <a:lstStyle/>
+          <a:p>
+            <a:pPr algn="ctr"/>
+            <a:endParaRPr lang="zh-CN" altLang="en-US" dirty="0"/>
+          </a:p>
+        </p:txBody>
+      </p:sp>
+    </p:spTree>
+    <p:extLst>
+      <p:ext uri="{BB962C8B-B14F-4D97-AF65-F5344CB8AC3E}">
+        <p14:creationId xmlns:p14="http://schemas.microsoft.com/office/powerpoint/2010/main" val="691392615"/>
+      </p:ext>
+    </p:extLst>
+  </p:cSld>
+  <p:clrMapOvr>
+    <a:masterClrMapping/>
+  </p:clrMapOvr>
+</p:sld>
+</file>
+
+<file path=ppt/slides/slide17.xml><?xml version="1.0" encoding="utf-8"?>
+<p:sld xmlns:a="http://schemas.openxmlformats.org/drawingml/2006/main" xmlns:r="http://schemas.openxmlformats.org/officeDocument/2006/relationships" xmlns:p="http://schemas.openxmlformats.org/presentationml/2006/main">
+  <p:cSld>
+    <p:spTree>
+      <p:nvGrpSpPr>
+        <p:cNvPr id="1" name=""/>
+        <p:cNvGrpSpPr/>
+        <p:nvPr/>
+      </p:nvGrpSpPr>
+      <p:grpSpPr>
+        <a:xfrm>
+          <a:off x="0" y="0"/>
+          <a:ext cx="0" cy="0"/>
+          <a:chOff x="0" y="0"/>
+          <a:chExt cx="0" cy="0"/>
+        </a:xfrm>
+      </p:grpSpPr>
+      <p:sp>
+        <p:nvSpPr>
+          <p:cNvPr id="2" name="矩形 1"/>
+          <p:cNvSpPr/>
+          <p:nvPr/>
+        </p:nvSpPr>
+        <p:spPr>
+          <a:xfrm>
+            <a:off x="983365" y="2918217"/>
+            <a:ext cx="3168352" cy="576064"/>
+          </a:xfrm>
+          <a:prstGeom prst="rect">
+            <a:avLst/>
+          </a:prstGeom>
+        </p:spPr>
+        <p:style>
+          <a:lnRef idx="2">
+            <a:schemeClr val="accent6"/>
+          </a:lnRef>
+          <a:fillRef idx="1">
+            <a:schemeClr val="lt1"/>
+          </a:fillRef>
+          <a:effectRef idx="0">
+            <a:schemeClr val="accent6"/>
+          </a:effectRef>
+          <a:fontRef idx="minor">
+            <a:schemeClr val="dk1"/>
+          </a:fontRef>
+        </p:style>
+        <p:txBody>
+          <a:bodyPr rtlCol="0" anchor="ctr"/>
+          <a:lstStyle/>
+          <a:p>
+            <a:pPr algn="ctr"/>
+            <a:r>
+              <a:rPr lang="en-US" altLang="zh-CN" dirty="0" err="1" smtClean="0"/>
+              <a:t>startProcessInstanceByKey</a:t>
+            </a:r>
+            <a:r>
+              <a:rPr lang="en-US" altLang="zh-CN" dirty="0" smtClean="0"/>
+              <a:t>(..)</a:t>
+            </a:r>
+            <a:endParaRPr lang="zh-CN" altLang="en-US" dirty="0"/>
+          </a:p>
+        </p:txBody>
+      </p:sp>
+      <p:sp>
+        <p:nvSpPr>
+          <p:cNvPr id="3" name="矩形 2"/>
+          <p:cNvSpPr/>
+          <p:nvPr/>
+        </p:nvSpPr>
+        <p:spPr>
+          <a:xfrm>
+            <a:off x="983365" y="1550065"/>
+            <a:ext cx="3168352" cy="576064"/>
+          </a:xfrm>
+          <a:prstGeom prst="rect">
+            <a:avLst/>
+          </a:prstGeom>
+        </p:spPr>
+        <p:style>
+          <a:lnRef idx="2">
+            <a:schemeClr val="accent3"/>
+          </a:lnRef>
+          <a:fillRef idx="1">
+            <a:schemeClr val="lt1"/>
+          </a:fillRef>
+          <a:effectRef idx="0">
+            <a:schemeClr val="accent3"/>
+          </a:effectRef>
+          <a:fontRef idx="minor">
+            <a:schemeClr val="dk1"/>
+          </a:fontRef>
+        </p:style>
+        <p:txBody>
+          <a:bodyPr rtlCol="0" anchor="ctr"/>
+          <a:lstStyle/>
+          <a:p>
+            <a:pPr algn="ctr"/>
+            <a:r>
+              <a:rPr lang="en-US" altLang="zh-CN" dirty="0" err="1" smtClean="0"/>
+              <a:t>startProcessInstanceByKey</a:t>
+            </a:r>
+            <a:r>
+              <a:rPr lang="en-US" altLang="zh-CN" dirty="0" smtClean="0"/>
+              <a:t>(..)</a:t>
+            </a:r>
+            <a:endParaRPr lang="zh-CN" altLang="en-US" dirty="0"/>
+          </a:p>
+        </p:txBody>
+      </p:sp>
+      <p:sp>
+        <p:nvSpPr>
+          <p:cNvPr id="4" name="矩形 3"/>
+          <p:cNvSpPr/>
+          <p:nvPr/>
+        </p:nvSpPr>
+        <p:spPr>
+          <a:xfrm>
+            <a:off x="983365" y="4286369"/>
+            <a:ext cx="3168352" cy="576064"/>
+          </a:xfrm>
+          <a:prstGeom prst="rect">
+            <a:avLst/>
+          </a:prstGeom>
+        </p:spPr>
+        <p:style>
+          <a:lnRef idx="2">
+            <a:schemeClr val="accent1"/>
+          </a:lnRef>
+          <a:fillRef idx="1">
+            <a:schemeClr val="lt1"/>
+          </a:fillRef>
+          <a:effectRef idx="0">
+            <a:schemeClr val="accent1"/>
+          </a:effectRef>
+          <a:fontRef idx="minor">
+            <a:schemeClr val="dk1"/>
+          </a:fontRef>
+        </p:style>
+        <p:txBody>
+          <a:bodyPr rtlCol="0" anchor="ctr"/>
+          <a:lstStyle/>
+          <a:p>
+            <a:pPr algn="ctr"/>
+            <a:r>
+              <a:rPr lang="en-US" altLang="zh-CN" dirty="0" err="1" smtClean="0"/>
+              <a:t>startProcessInstanceByKey</a:t>
+            </a:r>
+            <a:r>
+              <a:rPr lang="en-US" altLang="zh-CN" dirty="0" smtClean="0"/>
+              <a:t>(..)</a:t>
+            </a:r>
+            <a:endParaRPr lang="zh-CN" altLang="en-US" dirty="0"/>
+          </a:p>
+        </p:txBody>
+      </p:sp>
+      <p:cxnSp>
+        <p:nvCxnSpPr>
+          <p:cNvPr id="6" name="直接箭头连接符 5"/>
+          <p:cNvCxnSpPr>
+            <a:stCxn id="3" idx="2"/>
+            <a:endCxn id="2" idx="0"/>
+          </p:cNvCxnSpPr>
+          <p:nvPr/>
+        </p:nvCxnSpPr>
+        <p:spPr>
+          <a:xfrm>
+            <a:off x="2567541" y="2126129"/>
+            <a:ext cx="0" cy="792088"/>
+          </a:xfrm>
+          <a:prstGeom prst="straightConnector1">
+            <a:avLst/>
+          </a:prstGeom>
+          <a:ln>
+            <a:tailEnd type="arrow"/>
+          </a:ln>
+        </p:spPr>
+        <p:style>
+          <a:lnRef idx="2">
+            <a:schemeClr val="accent3"/>
+          </a:lnRef>
+          <a:fillRef idx="0">
+            <a:schemeClr val="accent3"/>
+          </a:fillRef>
+          <a:effectRef idx="1">
+            <a:schemeClr val="accent3"/>
+          </a:effectRef>
+          <a:fontRef idx="minor">
+            <a:schemeClr val="tx1"/>
+          </a:fontRef>
+        </p:style>
+      </p:cxnSp>
+      <p:cxnSp>
+        <p:nvCxnSpPr>
+          <p:cNvPr id="8" name="直接箭头连接符 7"/>
+          <p:cNvCxnSpPr>
+            <a:stCxn id="2" idx="2"/>
+            <a:endCxn id="4" idx="0"/>
+          </p:cNvCxnSpPr>
+          <p:nvPr/>
+        </p:nvCxnSpPr>
+        <p:spPr>
+          <a:xfrm>
+            <a:off x="2567541" y="3494281"/>
+            <a:ext cx="0" cy="792088"/>
+          </a:xfrm>
+          <a:prstGeom prst="straightConnector1">
+            <a:avLst/>
+          </a:prstGeom>
+          <a:ln>
+            <a:tailEnd type="arrow"/>
+          </a:ln>
+        </p:spPr>
+        <p:style>
+          <a:lnRef idx="2">
+            <a:schemeClr val="accent6"/>
+          </a:lnRef>
+          <a:fillRef idx="0">
+            <a:schemeClr val="accent6"/>
+          </a:fillRef>
+          <a:effectRef idx="1">
+            <a:schemeClr val="accent6"/>
+          </a:effectRef>
+          <a:fontRef idx="minor">
+            <a:schemeClr val="tx1"/>
+          </a:fontRef>
+        </p:style>
+      </p:cxnSp>
+      <p:sp>
+        <p:nvSpPr>
+          <p:cNvPr id="10" name="TextBox 9"/>
+          <p:cNvSpPr txBox="1"/>
+          <p:nvPr/>
+        </p:nvSpPr>
+        <p:spPr>
+          <a:xfrm>
+            <a:off x="5076056" y="2342153"/>
+            <a:ext cx="3600400" cy="1200329"/>
+          </a:xfrm>
+          <a:prstGeom prst="rect">
+            <a:avLst/>
+          </a:prstGeom>
+        </p:spPr>
+        <p:style>
+          <a:lnRef idx="2">
+            <a:schemeClr val="accent6"/>
+          </a:lnRef>
+          <a:fillRef idx="1">
+            <a:schemeClr val="lt1"/>
+          </a:fillRef>
+          <a:effectRef idx="0">
+            <a:schemeClr val="accent6"/>
+          </a:effectRef>
+          <a:fontRef idx="minor">
+            <a:schemeClr val="dk1"/>
+          </a:fontRef>
+        </p:style>
+        <p:txBody>
+          <a:bodyPr wrap="square" rtlCol="0">
+            <a:spAutoFit/>
+          </a:bodyPr>
+          <a:lstStyle/>
+          <a:p>
+            <a:r>
+              <a:rPr lang="zh-CN" altLang="en-US" dirty="0" smtClean="0"/>
+              <a:t>中间接口实现后的方法中，仅存在一行调用流程引擎接口方法的代码，其余后续处理交给该方法切面类的环绕通知方法处理</a:t>
+            </a:r>
+            <a:endParaRPr lang="zh-CN" altLang="en-US" dirty="0"/>
+          </a:p>
+        </p:txBody>
+      </p:sp>
+      <p:cxnSp>
+        <p:nvCxnSpPr>
+          <p:cNvPr id="12" name="直接连接符 11"/>
+          <p:cNvCxnSpPr>
+            <a:stCxn id="2" idx="3"/>
+            <a:endCxn id="10" idx="1"/>
+          </p:cNvCxnSpPr>
+          <p:nvPr/>
+        </p:nvCxnSpPr>
+        <p:spPr>
+          <a:xfrm flipV="1">
+            <a:off x="4151717" y="2942318"/>
+            <a:ext cx="924339" cy="263931"/>
+          </a:xfrm>
+          <a:prstGeom prst="line">
+            <a:avLst/>
+          </a:prstGeom>
+        </p:spPr>
+        <p:style>
+          <a:lnRef idx="1">
+            <a:schemeClr val="accent6"/>
+          </a:lnRef>
+          <a:fillRef idx="0">
+            <a:schemeClr val="accent6"/>
+          </a:fillRef>
+          <a:effectRef idx="0">
+            <a:schemeClr val="accent6"/>
+          </a:effectRef>
+          <a:fontRef idx="minor">
+            <a:schemeClr val="tx1"/>
+          </a:fontRef>
+        </p:style>
+      </p:cxnSp>
+    </p:spTree>
+    <p:extLst>
+      <p:ext uri="{BB962C8B-B14F-4D97-AF65-F5344CB8AC3E}">
+        <p14:creationId xmlns:p14="http://schemas.microsoft.com/office/powerpoint/2010/main" val="2320672386"/>
+      </p:ext>
+    </p:extLst>
+  </p:cSld>
+  <p:clrMapOvr>
+    <a:masterClrMapping/>
+  </p:clrMapOvr>
+</p:sld>
+</file>
+
+<file path=ppt/slides/slide18.xml><?xml version="1.0" encoding="utf-8"?>
+<p:sld xmlns:a="http://schemas.openxmlformats.org/drawingml/2006/main" xmlns:r="http://schemas.openxmlformats.org/officeDocument/2006/relationships" xmlns:p="http://schemas.openxmlformats.org/presentationml/2006/main">
+  <p:cSld>
+    <p:spTree>
+      <p:nvGrpSpPr>
+        <p:cNvPr id="1" name=""/>
+        <p:cNvGrpSpPr/>
+        <p:nvPr/>
+      </p:nvGrpSpPr>
+      <p:grpSpPr>
+        <a:xfrm>
+          <a:off x="0" y="0"/>
+          <a:ext cx="0" cy="0"/>
+          <a:chOff x="0" y="0"/>
+          <a:chExt cx="0" cy="0"/>
+        </a:xfrm>
+      </p:grpSpPr>
+      <p:sp>
+        <p:nvSpPr>
+          <p:cNvPr id="2" name="标题 1"/>
+          <p:cNvSpPr>
+            <a:spLocks noGrp="1"/>
+          </p:cNvSpPr>
+          <p:nvPr>
+            <p:ph type="title"/>
+          </p:nvPr>
+        </p:nvSpPr>
+        <p:spPr/>
+        <p:txBody>
+          <a:bodyPr/>
+          <a:lstStyle/>
+          <a:p>
+            <a:r>
+              <a:rPr lang="zh-CN" altLang="en-US" dirty="0"/>
+              <a:t>刷</a:t>
+            </a:r>
+            <a:r>
+              <a:rPr lang="zh-CN" altLang="en-US" dirty="0" smtClean="0"/>
+              <a:t>碗理论</a:t>
+            </a:r>
+            <a:endParaRPr lang="zh-CN" altLang="en-US" dirty="0"/>
+          </a:p>
+        </p:txBody>
+      </p:sp>
+      <p:sp>
+        <p:nvSpPr>
+          <p:cNvPr id="3" name="内容占位符 2"/>
+          <p:cNvSpPr>
+            <a:spLocks noGrp="1"/>
+          </p:cNvSpPr>
+          <p:nvPr>
+            <p:ph idx="1"/>
+          </p:nvPr>
+        </p:nvSpPr>
+        <p:spPr/>
+        <p:txBody>
+          <a:bodyPr/>
+          <a:lstStyle/>
+          <a:p>
+            <a:pPr>
+              <a:buFont typeface="Wingdings" panose="05000000000000000000" pitchFamily="2" charset="2"/>
+              <a:buChar char="Ø"/>
+            </a:pPr>
+            <a:r>
+              <a:rPr lang="zh-CN" altLang="en-US" dirty="0" smtClean="0"/>
+              <a:t>刷碗理论</a:t>
+            </a:r>
+            <a:endParaRPr lang="en-US" altLang="zh-CN" dirty="0" smtClean="0"/>
+          </a:p>
+          <a:p>
+            <a:pPr marL="0" indent="0">
+              <a:buNone/>
+            </a:pPr>
+            <a:r>
+              <a:rPr lang="en-US" altLang="zh-CN" dirty="0" smtClean="0">
+                <a:latin typeface="+mn-ea"/>
+              </a:rPr>
+              <a:t>1</a:t>
+            </a:r>
+            <a:endParaRPr lang="zh-CN" altLang="en-US" dirty="0">
+              <a:latin typeface="+mn-ea"/>
+            </a:endParaRPr>
+          </a:p>
+        </p:txBody>
+      </p:sp>
+    </p:spTree>
+    <p:extLst>
+      <p:ext uri="{BB962C8B-B14F-4D97-AF65-F5344CB8AC3E}">
+        <p14:creationId xmlns:p14="http://schemas.microsoft.com/office/powerpoint/2010/main" val="4160876659"/>
+      </p:ext>
+    </p:extLst>
+  </p:cSld>
+  <p:clrMapOvr>
+    <a:masterClrMapping/>
+  </p:clrMapOvr>
+</p:sld>
+</file>
+
+<file path=ppt/slides/slide19.xml><?xml version="1.0" encoding="utf-8"?>
+<p:sld xmlns:a="http://schemas.openxmlformats.org/drawingml/2006/main" xmlns:r="http://schemas.openxmlformats.org/officeDocument/2006/relationships" xmlns:p="http://schemas.openxmlformats.org/presentationml/2006/main">
+  <p:cSld>
+    <p:spTree>
+      <p:nvGrpSpPr>
+        <p:cNvPr id="1" name=""/>
+        <p:cNvGrpSpPr/>
+        <p:nvPr/>
+      </p:nvGrpSpPr>
+      <p:grpSpPr>
+        <a:xfrm>
+          <a:off x="0" y="0"/>
+          <a:ext cx="0" cy="0"/>
+          <a:chOff x="0" y="0"/>
+          <a:chExt cx="0" cy="0"/>
+        </a:xfrm>
+      </p:grpSpPr>
+      <p:sp>
+        <p:nvSpPr>
+          <p:cNvPr id="3" name="矩形 2"/>
+          <p:cNvSpPr/>
+          <p:nvPr/>
+        </p:nvSpPr>
+        <p:spPr>
+          <a:xfrm>
+            <a:off x="899592" y="1160748"/>
+            <a:ext cx="3024336" cy="1080120"/>
+          </a:xfrm>
+          <a:prstGeom prst="rect">
+            <a:avLst/>
+          </a:prstGeom>
+        </p:spPr>
+        <p:style>
+          <a:lnRef idx="3">
+            <a:schemeClr val="lt1"/>
+          </a:lnRef>
+          <a:fillRef idx="1">
+            <a:schemeClr val="accent6"/>
+          </a:fillRef>
+          <a:effectRef idx="1">
+            <a:schemeClr val="accent6"/>
+          </a:effectRef>
+          <a:fontRef idx="minor">
+            <a:schemeClr val="lt1"/>
+          </a:fontRef>
+        </p:style>
+        <p:txBody>
+          <a:bodyPr rtlCol="0" anchor="ctr"/>
+          <a:lstStyle/>
+          <a:p>
+            <a:pPr algn="ctr"/>
+            <a:r>
+              <a:rPr lang="zh-CN" altLang="en-US" dirty="0" smtClean="0"/>
+              <a:t>切面类的环绕通知方法</a:t>
+            </a:r>
+            <a:endParaRPr lang="zh-CN" altLang="en-US" dirty="0"/>
+          </a:p>
+        </p:txBody>
+      </p:sp>
+      <p:sp>
+        <p:nvSpPr>
+          <p:cNvPr id="4" name="平行四边形 3"/>
+          <p:cNvSpPr/>
+          <p:nvPr/>
+        </p:nvSpPr>
+        <p:spPr>
+          <a:xfrm>
+            <a:off x="4932040" y="764704"/>
+            <a:ext cx="3744416" cy="1872208"/>
+          </a:xfrm>
+          <a:prstGeom prst="parallelogram">
+            <a:avLst/>
+          </a:prstGeom>
+        </p:spPr>
+        <p:style>
+          <a:lnRef idx="2">
+            <a:schemeClr val="accent6"/>
+          </a:lnRef>
+          <a:fillRef idx="1">
+            <a:schemeClr val="lt1"/>
+          </a:fillRef>
+          <a:effectRef idx="0">
+            <a:schemeClr val="accent6"/>
+          </a:effectRef>
+          <a:fontRef idx="minor">
+            <a:schemeClr val="dk1"/>
+          </a:fontRef>
+        </p:style>
+        <p:txBody>
+          <a:bodyPr rtlCol="0" anchor="ctr"/>
+          <a:lstStyle/>
+          <a:p>
+            <a:pPr algn="ctr"/>
+            <a:r>
+              <a:rPr lang="zh-CN" altLang="en-US" dirty="0" smtClean="0"/>
+              <a:t>中间接口实现类中对流程引擎服务接口做了封装，代理类可以可通过获取目标对象的</a:t>
+            </a:r>
+            <a:r>
+              <a:rPr lang="en-US" altLang="zh-CN" dirty="0" smtClean="0"/>
+              <a:t>getter</a:t>
+            </a:r>
+            <a:r>
+              <a:rPr lang="zh-CN" altLang="en-US" dirty="0" smtClean="0"/>
+              <a:t>和</a:t>
+            </a:r>
+            <a:r>
+              <a:rPr lang="en-US" altLang="zh-CN" dirty="0" smtClean="0"/>
+              <a:t>setter</a:t>
+            </a:r>
+            <a:r>
+              <a:rPr lang="zh-CN" altLang="en-US" dirty="0" smtClean="0"/>
+              <a:t>方法取得流程引擎服务接口，执行相关操作</a:t>
+            </a:r>
+            <a:endParaRPr lang="zh-CN" altLang="en-US" dirty="0"/>
+          </a:p>
+        </p:txBody>
+      </p:sp>
+      <p:sp>
+        <p:nvSpPr>
+          <p:cNvPr id="5" name="TextBox 4"/>
+          <p:cNvSpPr txBox="1"/>
+          <p:nvPr/>
+        </p:nvSpPr>
+        <p:spPr>
+          <a:xfrm>
+            <a:off x="899592" y="2780929"/>
+            <a:ext cx="7488832" cy="3139321"/>
+          </a:xfrm>
+          <a:prstGeom prst="rect">
+            <a:avLst/>
+          </a:prstGeom>
+        </p:spPr>
+        <p:style>
+          <a:lnRef idx="2">
+            <a:schemeClr val="accent4"/>
+          </a:lnRef>
+          <a:fillRef idx="1">
+            <a:schemeClr val="lt1"/>
+          </a:fillRef>
+          <a:effectRef idx="0">
+            <a:schemeClr val="accent4"/>
+          </a:effectRef>
+          <a:fontRef idx="minor">
+            <a:schemeClr val="dk1"/>
+          </a:fontRef>
+        </p:style>
+        <p:txBody>
+          <a:bodyPr wrap="square" rtlCol="0">
+            <a:spAutoFit/>
+          </a:bodyPr>
+          <a:lstStyle/>
+          <a:p>
+            <a:pPr marL="285750" indent="-285750">
+              <a:buFont typeface="Wingdings" panose="05000000000000000000" pitchFamily="2" charset="2"/>
+              <a:buChar char="Ø"/>
+            </a:pPr>
+            <a:r>
+              <a:rPr lang="zh-CN" altLang="en-US" dirty="0" smtClean="0"/>
+              <a:t>这种设计方式的好处：</a:t>
+            </a:r>
+            <a:endParaRPr lang="en-US" altLang="zh-CN" dirty="0" smtClean="0"/>
+          </a:p>
+          <a:p>
+            <a:pPr marL="800100" lvl="1" indent="-342900">
+              <a:buFont typeface="+mj-lt"/>
+              <a:buAutoNum type="arabicPeriod"/>
+            </a:pPr>
+            <a:r>
+              <a:rPr lang="zh-CN" altLang="en-US" dirty="0" smtClean="0"/>
+              <a:t>中间接口只关注调用流程引擎，不关注业务模块所需的预处理数据，这些预处理数据的加工交由切面类进行处理</a:t>
+            </a:r>
+            <a:endParaRPr lang="en-US" altLang="zh-CN" dirty="0" smtClean="0"/>
+          </a:p>
+          <a:p>
+            <a:pPr marL="800100" lvl="1" indent="-342900">
+              <a:buFont typeface="+mj-lt"/>
+              <a:buAutoNum type="arabicPeriod"/>
+            </a:pPr>
+            <a:r>
+              <a:rPr lang="zh-CN" altLang="en-US" dirty="0" smtClean="0"/>
+              <a:t>如果预处理数据逻辑发生变化，仅需维护对应的环绕通知方法即可，接口方法代码无需修改</a:t>
+            </a:r>
+            <a:endParaRPr lang="en-US" altLang="zh-CN" dirty="0" smtClean="0"/>
+          </a:p>
+          <a:p>
+            <a:pPr marL="342900" indent="-342900">
+              <a:buFont typeface="Wingdings" panose="05000000000000000000" pitchFamily="2" charset="2"/>
+              <a:buChar char="Ø"/>
+            </a:pPr>
+            <a:r>
+              <a:rPr lang="zh-CN" altLang="en-US" dirty="0" smtClean="0"/>
+              <a:t>理论依据：</a:t>
+            </a:r>
+            <a:endParaRPr lang="en-US" altLang="zh-CN" dirty="0" smtClean="0"/>
+          </a:p>
+          <a:p>
+            <a:pPr marL="800100" lvl="1" indent="-342900">
+              <a:buFont typeface="+mj-lt"/>
+              <a:buAutoNum type="arabicPeriod"/>
+            </a:pPr>
+            <a:r>
+              <a:rPr lang="zh-CN" altLang="en-US" dirty="0" smtClean="0"/>
+              <a:t>需求是在时刻发生变化的，需求的变化会牵引着代码逻辑随之发生变化，故代码设计要适应这种环境</a:t>
+            </a:r>
+            <a:endParaRPr lang="en-US" altLang="zh-CN" dirty="0" smtClean="0"/>
+          </a:p>
+          <a:p>
+            <a:pPr marL="800100" lvl="1" indent="-342900">
+              <a:buFont typeface="+mj-lt"/>
+              <a:buAutoNum type="arabicPeriod"/>
+            </a:pPr>
+            <a:r>
+              <a:rPr lang="zh-CN" altLang="en-US" dirty="0" smtClean="0"/>
+              <a:t>如果不在切面类相应的环绕通知方法中写成堆的加工预处理数据的代码，则就得在具体的实现方法中写，降低了代码的可读性同时增加了维护难度</a:t>
+            </a:r>
+            <a:endParaRPr lang="en-US" altLang="zh-CN" dirty="0" smtClean="0"/>
+          </a:p>
+        </p:txBody>
+      </p:sp>
+    </p:spTree>
+    <p:extLst>
+      <p:ext uri="{BB962C8B-B14F-4D97-AF65-F5344CB8AC3E}">
+        <p14:creationId xmlns:p14="http://schemas.microsoft.com/office/powerpoint/2010/main" val="271905438"/>
+      </p:ext>
+    </p:extLst>
+  </p:cSld>
+  <p:clrMapOvr>
+    <a:masterClrMapping/>
+  </p:clrMapOvr>
+</p:sld>
+</file>
+
 <file path=ppt/slides/slide2.xml><?xml version="1.0" encoding="utf-8"?>
 <p:sld xmlns:a="http://schemas.openxmlformats.org/drawingml/2006/main" xmlns:r="http://schemas.openxmlformats.org/officeDocument/2006/relationships" xmlns:p="http://schemas.openxmlformats.org/presentationml/2006/main">
   <p:cSld>
@@ -6631,6 +9256,189 @@
     <p:extLst>
       <p:ext uri="{BB962C8B-B14F-4D97-AF65-F5344CB8AC3E}">
         <p14:creationId xmlns:p14="http://schemas.microsoft.com/office/powerpoint/2010/main" val="2587212972"/>
+      </p:ext>
+    </p:extLst>
+  </p:cSld>
+  <p:clrMapOvr>
+    <a:masterClrMapping/>
+  </p:clrMapOvr>
+</p:sld>
+</file>
+
+<file path=ppt/slides/slide20.xml><?xml version="1.0" encoding="utf-8"?>
+<p:sld xmlns:a="http://schemas.openxmlformats.org/drawingml/2006/main" xmlns:r="http://schemas.openxmlformats.org/officeDocument/2006/relationships" xmlns:p="http://schemas.openxmlformats.org/presentationml/2006/main">
+  <p:cSld>
+    <p:spTree>
+      <p:nvGrpSpPr>
+        <p:cNvPr id="1" name=""/>
+        <p:cNvGrpSpPr/>
+        <p:nvPr/>
+      </p:nvGrpSpPr>
+      <p:grpSpPr>
+        <a:xfrm>
+          <a:off x="0" y="0"/>
+          <a:ext cx="0" cy="0"/>
+          <a:chOff x="0" y="0"/>
+          <a:chExt cx="0" cy="0"/>
+        </a:xfrm>
+      </p:grpSpPr>
+      <p:sp>
+        <p:nvSpPr>
+          <p:cNvPr id="2" name="TextBox 1"/>
+          <p:cNvSpPr txBox="1"/>
+          <p:nvPr/>
+        </p:nvSpPr>
+        <p:spPr>
+          <a:xfrm>
+            <a:off x="539552" y="764704"/>
+            <a:ext cx="8208912" cy="5078313"/>
+          </a:xfrm>
+          <a:prstGeom prst="rect">
+            <a:avLst/>
+          </a:prstGeom>
+        </p:spPr>
+        <p:style>
+          <a:lnRef idx="2">
+            <a:schemeClr val="accent3"/>
+          </a:lnRef>
+          <a:fillRef idx="1">
+            <a:schemeClr val="lt1"/>
+          </a:fillRef>
+          <a:effectRef idx="0">
+            <a:schemeClr val="accent3"/>
+          </a:effectRef>
+          <a:fontRef idx="minor">
+            <a:schemeClr val="dk1"/>
+          </a:fontRef>
+        </p:style>
+        <p:txBody>
+          <a:bodyPr wrap="square" rtlCol="0">
+            <a:spAutoFit/>
+          </a:bodyPr>
+          <a:lstStyle/>
+          <a:p>
+            <a:pPr marL="285750" indent="-285750">
+              <a:buFont typeface="Wingdings" panose="05000000000000000000" pitchFamily="2" charset="2"/>
+              <a:buChar char="p"/>
+            </a:pPr>
+            <a:r>
+              <a:rPr lang="zh-CN" altLang="en-US" dirty="0" smtClean="0"/>
+              <a:t>刷碗理论：</a:t>
+            </a:r>
+            <a:endParaRPr lang="en-US" altLang="zh-CN" dirty="0" smtClean="0"/>
+          </a:p>
+          <a:p>
+            <a:pPr marL="800100" lvl="1" indent="-342900">
+              <a:buFont typeface="+mj-lt"/>
+              <a:buAutoNum type="arabicPeriod"/>
+            </a:pPr>
+            <a:r>
+              <a:rPr lang="zh-CN" altLang="en-US" dirty="0" smtClean="0"/>
+              <a:t>成堆的加工业务模块流程实例数据对象就好像一堆需处理的餐后的油污餐具，如果我们去餐具所处位置去逐一清理，则耗时耗费资源，因为餐桌可能因为清理餐具无法被用作其他事情。</a:t>
+            </a:r>
+            <a:endParaRPr lang="en-US" altLang="zh-CN" dirty="0" smtClean="0"/>
+          </a:p>
+          <a:p>
+            <a:pPr marL="800100" lvl="1" indent="-342900">
+              <a:buFont typeface="+mj-lt"/>
+              <a:buAutoNum type="arabicPeriod"/>
+            </a:pPr>
+            <a:r>
+              <a:rPr lang="zh-CN" altLang="en-US" dirty="0" smtClean="0"/>
+              <a:t>故我们需要先收集所有待清理的餐具，将他们统一回收至指定清理地点，在指定清理地点进行统一清理。</a:t>
+            </a:r>
+            <a:endParaRPr lang="en-US" altLang="zh-CN" dirty="0" smtClean="0"/>
+          </a:p>
+          <a:p>
+            <a:pPr marL="800100" lvl="1" indent="-342900">
+              <a:buFont typeface="+mj-lt"/>
+              <a:buAutoNum type="arabicPeriod"/>
+            </a:pPr>
+            <a:r>
+              <a:rPr lang="zh-CN" altLang="en-US" dirty="0" smtClean="0"/>
+              <a:t>加工业务模块流程实例预处理数据总共分为三个方向：</a:t>
+            </a:r>
+            <a:endParaRPr lang="en-US" altLang="zh-CN" dirty="0" smtClean="0"/>
+          </a:p>
+          <a:p>
+            <a:pPr marL="1257300" lvl="2" indent="-342900">
+              <a:buFont typeface="+mj-ea"/>
+              <a:buAutoNum type="circleNumDbPlain"/>
+            </a:pPr>
+            <a:r>
+              <a:rPr lang="zh-CN" altLang="en-US" dirty="0" smtClean="0"/>
+              <a:t>根据流程引擎流程实例信息加工业务流程关联数据</a:t>
+            </a:r>
+            <a:endParaRPr lang="en-US" altLang="zh-CN" dirty="0" smtClean="0"/>
+          </a:p>
+          <a:p>
+            <a:pPr marL="1257300" lvl="2" indent="-342900">
+              <a:buFont typeface="+mj-ea"/>
+              <a:buAutoNum type="circleNumDbPlain"/>
+            </a:pPr>
+            <a:r>
+              <a:rPr lang="zh-CN" altLang="en-US" dirty="0" smtClean="0"/>
+              <a:t>根据流程引擎环节执行信息加工业务流程工作项数据</a:t>
+            </a:r>
+            <a:endParaRPr lang="en-US" altLang="zh-CN" dirty="0" smtClean="0"/>
+          </a:p>
+          <a:p>
+            <a:pPr marL="1257300" lvl="2" indent="-342900">
+              <a:buFont typeface="+mj-ea"/>
+              <a:buAutoNum type="circleNumDbPlain"/>
+            </a:pPr>
+            <a:r>
+              <a:rPr lang="zh-CN" altLang="en-US" dirty="0" smtClean="0"/>
+              <a:t>根据流程引擎环节执行历史记录表加工业务流程审批记录数据</a:t>
+            </a:r>
+            <a:endParaRPr lang="en-US" altLang="zh-CN" dirty="0" smtClean="0"/>
+          </a:p>
+          <a:p>
+            <a:pPr marL="800100" lvl="1" indent="-342900">
+              <a:buFont typeface="+mj-ea"/>
+              <a:buAutoNum type="arabicPeriod"/>
+            </a:pPr>
+            <a:r>
+              <a:rPr lang="zh-CN" altLang="en-US" dirty="0"/>
+              <a:t>这三</a:t>
+            </a:r>
+            <a:r>
+              <a:rPr lang="zh-CN" altLang="en-US" dirty="0" smtClean="0"/>
+              <a:t>个方向是在调用启动流程接口后需要执行的处理逻辑</a:t>
+            </a:r>
+            <a:endParaRPr lang="en-US" altLang="zh-CN" dirty="0" smtClean="0"/>
+          </a:p>
+          <a:p>
+            <a:pPr marL="800100" lvl="1" indent="-342900">
+              <a:buFont typeface="+mj-ea"/>
+              <a:buAutoNum type="arabicPeriod"/>
+            </a:pPr>
+            <a:r>
+              <a:rPr lang="zh-CN" altLang="en-US" dirty="0" smtClean="0"/>
+              <a:t>中间接口中只负责调用接口不负责处理数据，处理这些数据交由环绕通知去处理，相当于是服务员只管接单，厨师负责做饭，刷碗工负责处理餐后餐具的处理，分工明确，耦合度低。</a:t>
+            </a:r>
+            <a:endParaRPr lang="en-US" altLang="zh-CN" dirty="0" smtClean="0"/>
+          </a:p>
+          <a:p>
+            <a:pPr marL="800100" lvl="1" indent="-342900">
+              <a:buFont typeface="+mj-ea"/>
+              <a:buAutoNum type="arabicPeriod"/>
+            </a:pPr>
+            <a:r>
+              <a:rPr lang="zh-CN" altLang="en-US" dirty="0" smtClean="0"/>
+              <a:t>如果需要清理的餐具种类增加了，只需要刷碗工去处理和厨师无关，预处理数据的执行逻辑发生变化，只需维护环绕通知方法，而中间接口的实现方法不需要或者需要微调整</a:t>
+            </a:r>
+            <a:endParaRPr lang="en-US" altLang="zh-CN" dirty="0" smtClean="0"/>
+          </a:p>
+          <a:p>
+            <a:endParaRPr lang="zh-CN" altLang="en-US" dirty="0"/>
+          </a:p>
+        </p:txBody>
+      </p:sp>
+    </p:spTree>
+    <p:extLst>
+      <p:ext uri="{BB962C8B-B14F-4D97-AF65-F5344CB8AC3E}">
+        <p14:creationId xmlns:p14="http://schemas.microsoft.com/office/powerpoint/2010/main" val="150455296"/>
       </p:ext>
     </p:extLst>
   </p:cSld>
@@ -7892,6 +10700,843 @@
     <p:extLst>
       <p:ext uri="{BB962C8B-B14F-4D97-AF65-F5344CB8AC3E}">
         <p14:creationId xmlns:p14="http://schemas.microsoft.com/office/powerpoint/2010/main" val="975115700"/>
+      </p:ext>
+    </p:extLst>
+  </p:cSld>
+  <p:clrMapOvr>
+    <a:masterClrMapping/>
+  </p:clrMapOvr>
+</p:sld>
+</file>
+
+<file path=ppt/slides/slide7.xml><?xml version="1.0" encoding="utf-8"?>
+<p:sld xmlns:a="http://schemas.openxmlformats.org/drawingml/2006/main" xmlns:r="http://schemas.openxmlformats.org/officeDocument/2006/relationships" xmlns:p="http://schemas.openxmlformats.org/presentationml/2006/main">
+  <p:cSld>
+    <p:spTree>
+      <p:nvGrpSpPr>
+        <p:cNvPr id="1" name=""/>
+        <p:cNvGrpSpPr/>
+        <p:nvPr/>
+      </p:nvGrpSpPr>
+      <p:grpSpPr>
+        <a:xfrm>
+          <a:off x="0" y="0"/>
+          <a:ext cx="0" cy="0"/>
+          <a:chOff x="0" y="0"/>
+          <a:chExt cx="0" cy="0"/>
+        </a:xfrm>
+      </p:grpSpPr>
+      <p:sp>
+        <p:nvSpPr>
+          <p:cNvPr id="2" name="标题 1"/>
+          <p:cNvSpPr>
+            <a:spLocks noGrp="1"/>
+          </p:cNvSpPr>
+          <p:nvPr>
+            <p:ph type="title"/>
+          </p:nvPr>
+        </p:nvSpPr>
+        <p:spPr/>
+        <p:txBody>
+          <a:bodyPr/>
+          <a:lstStyle/>
+          <a:p>
+            <a:r>
+              <a:rPr lang="en-US" altLang="zh-CN" dirty="0" smtClean="0"/>
+              <a:t>Spring AOP</a:t>
+            </a:r>
+            <a:r>
+              <a:rPr lang="zh-CN" altLang="en-US" dirty="0" smtClean="0"/>
+              <a:t>线程安全解决</a:t>
+            </a:r>
+            <a:endParaRPr lang="zh-CN" altLang="en-US" dirty="0"/>
+          </a:p>
+        </p:txBody>
+      </p:sp>
+      <p:sp>
+        <p:nvSpPr>
+          <p:cNvPr id="3" name="TextBox 2"/>
+          <p:cNvSpPr txBox="1"/>
+          <p:nvPr/>
+        </p:nvSpPr>
+        <p:spPr>
+          <a:xfrm>
+            <a:off x="755576" y="1700808"/>
+            <a:ext cx="7920880" cy="646331"/>
+          </a:xfrm>
+          <a:prstGeom prst="rect">
+            <a:avLst/>
+          </a:prstGeom>
+          <a:noFill/>
+        </p:spPr>
+        <p:txBody>
+          <a:bodyPr wrap="square" rtlCol="0">
+            <a:spAutoFit/>
+          </a:bodyPr>
+          <a:lstStyle/>
+          <a:p>
+            <a:r>
+              <a:rPr lang="en-US" altLang="zh-CN" dirty="0" smtClean="0"/>
+              <a:t>@Around</a:t>
+            </a:r>
+            <a:r>
+              <a:rPr lang="zh-CN" altLang="en-US" dirty="0" smtClean="0"/>
+              <a:t>通知是线程安全的吗？</a:t>
+            </a:r>
+            <a:endParaRPr lang="en-US" altLang="zh-CN" dirty="0" smtClean="0"/>
+          </a:p>
+          <a:p>
+            <a:r>
+              <a:rPr lang="zh-CN" altLang="en-US" dirty="0" smtClean="0"/>
+              <a:t>测试结果：</a:t>
+            </a:r>
+            <a:endParaRPr lang="zh-CN" altLang="en-US" dirty="0"/>
+          </a:p>
+        </p:txBody>
+      </p:sp>
+    </p:spTree>
+    <p:extLst>
+      <p:ext uri="{BB962C8B-B14F-4D97-AF65-F5344CB8AC3E}">
+        <p14:creationId xmlns:p14="http://schemas.microsoft.com/office/powerpoint/2010/main" val="3016063757"/>
+      </p:ext>
+    </p:extLst>
+  </p:cSld>
+  <p:clrMapOvr>
+    <a:masterClrMapping/>
+  </p:clrMapOvr>
+</p:sld>
+</file>
+
+<file path=ppt/slides/slide8.xml><?xml version="1.0" encoding="utf-8"?>
+<p:sld xmlns:a="http://schemas.openxmlformats.org/drawingml/2006/main" xmlns:r="http://schemas.openxmlformats.org/officeDocument/2006/relationships" xmlns:p="http://schemas.openxmlformats.org/presentationml/2006/main">
+  <p:cSld>
+    <p:spTree>
+      <p:nvGrpSpPr>
+        <p:cNvPr id="1" name=""/>
+        <p:cNvGrpSpPr/>
+        <p:nvPr/>
+      </p:nvGrpSpPr>
+      <p:grpSpPr>
+        <a:xfrm>
+          <a:off x="0" y="0"/>
+          <a:ext cx="0" cy="0"/>
+          <a:chOff x="0" y="0"/>
+          <a:chExt cx="0" cy="0"/>
+        </a:xfrm>
+      </p:grpSpPr>
+      <p:sp>
+        <p:nvSpPr>
+          <p:cNvPr id="2" name="标题 1"/>
+          <p:cNvSpPr>
+            <a:spLocks noGrp="1"/>
+          </p:cNvSpPr>
+          <p:nvPr>
+            <p:ph type="title"/>
+          </p:nvPr>
+        </p:nvSpPr>
+        <p:spPr/>
+        <p:txBody>
+          <a:bodyPr/>
+          <a:lstStyle/>
+          <a:p>
+            <a:r>
+              <a:rPr lang="zh-CN" altLang="en-US" dirty="0" smtClean="0"/>
+              <a:t>业务端流程数据生成策略</a:t>
+            </a:r>
+            <a:endParaRPr lang="zh-CN" altLang="en-US" dirty="0"/>
+          </a:p>
+        </p:txBody>
+      </p:sp>
+      <p:sp>
+        <p:nvSpPr>
+          <p:cNvPr id="3" name="TextBox 2"/>
+          <p:cNvSpPr txBox="1"/>
+          <p:nvPr/>
+        </p:nvSpPr>
+        <p:spPr>
+          <a:xfrm>
+            <a:off x="755576" y="1628800"/>
+            <a:ext cx="7992888" cy="2031325"/>
+          </a:xfrm>
+          <a:prstGeom prst="rect">
+            <a:avLst/>
+          </a:prstGeom>
+          <a:noFill/>
+        </p:spPr>
+        <p:txBody>
+          <a:bodyPr wrap="square" rtlCol="0">
+            <a:spAutoFit/>
+          </a:bodyPr>
+          <a:lstStyle/>
+          <a:p>
+            <a:pPr marL="285750" indent="-285750">
+              <a:buFont typeface="Wingdings" panose="05000000000000000000" pitchFamily="2" charset="2"/>
+              <a:buChar char="p"/>
+            </a:pPr>
+            <a:r>
+              <a:rPr lang="zh-CN" altLang="en-US" dirty="0" smtClean="0"/>
+              <a:t>第一种方式：</a:t>
+            </a:r>
+            <a:endParaRPr lang="en-US" altLang="zh-CN" dirty="0" smtClean="0"/>
+          </a:p>
+          <a:p>
+            <a:pPr marL="742950" lvl="1" indent="-285750">
+              <a:buFont typeface="Wingdings" panose="05000000000000000000" pitchFamily="2" charset="2"/>
+              <a:buChar char="p"/>
+            </a:pPr>
+            <a:r>
+              <a:rPr lang="zh-CN" altLang="en-US" dirty="0" smtClean="0"/>
+              <a:t>通过</a:t>
+            </a:r>
+            <a:r>
+              <a:rPr lang="en-US" altLang="zh-CN" dirty="0"/>
+              <a:t>S</a:t>
+            </a:r>
+            <a:r>
+              <a:rPr lang="en-US" altLang="zh-CN" dirty="0" smtClean="0"/>
+              <a:t>pring AOP</a:t>
+            </a:r>
+            <a:r>
+              <a:rPr lang="zh-CN" altLang="en-US" dirty="0" smtClean="0"/>
+              <a:t>面向切面编程方式实现，在调用相关方法后，在下游系统操作成功后，调用下游系统的接口取得预处理数据，加工预处理数据并调用业务端相关表的持久层接口插入数据。</a:t>
+            </a:r>
+            <a:endParaRPr lang="en-US" altLang="zh-CN" dirty="0" smtClean="0"/>
+          </a:p>
+          <a:p>
+            <a:pPr marL="285750" indent="-285750">
+              <a:buFont typeface="Wingdings" panose="05000000000000000000" pitchFamily="2" charset="2"/>
+              <a:buChar char="p"/>
+            </a:pPr>
+            <a:r>
+              <a:rPr lang="zh-CN" altLang="en-US" dirty="0"/>
+              <a:t>第二</a:t>
+            </a:r>
+            <a:r>
+              <a:rPr lang="zh-CN" altLang="en-US" dirty="0" smtClean="0"/>
+              <a:t>种方式：</a:t>
+            </a:r>
+            <a:endParaRPr lang="en-US" altLang="zh-CN" dirty="0" smtClean="0"/>
+          </a:p>
+          <a:p>
+            <a:pPr marL="742950" lvl="1" indent="-285750">
+              <a:buFont typeface="Wingdings" panose="05000000000000000000" pitchFamily="2" charset="2"/>
+              <a:buChar char="p"/>
+            </a:pPr>
+            <a:r>
+              <a:rPr lang="zh-CN" altLang="en-US" dirty="0" smtClean="0"/>
+              <a:t>交给相关流程引擎去处理，即实现流程引擎提供的相关事件监听接口，由监听实现类去加工数据调用业务端接口回写到业务表中。</a:t>
+            </a:r>
+            <a:endParaRPr lang="en-US" altLang="zh-CN" dirty="0" smtClean="0"/>
+          </a:p>
+        </p:txBody>
+      </p:sp>
+      <p:sp>
+        <p:nvSpPr>
+          <p:cNvPr id="4" name="TextBox 3"/>
+          <p:cNvSpPr txBox="1"/>
+          <p:nvPr/>
+        </p:nvSpPr>
+        <p:spPr>
+          <a:xfrm>
+            <a:off x="755576" y="4005064"/>
+            <a:ext cx="7992888" cy="2585323"/>
+          </a:xfrm>
+          <a:prstGeom prst="rect">
+            <a:avLst/>
+          </a:prstGeom>
+          <a:noFill/>
+        </p:spPr>
+        <p:txBody>
+          <a:bodyPr wrap="square" rtlCol="0">
+            <a:spAutoFit/>
+          </a:bodyPr>
+          <a:lstStyle/>
+          <a:p>
+            <a:pPr marL="285750" indent="-285750">
+              <a:buFont typeface="Wingdings" panose="05000000000000000000" pitchFamily="2" charset="2"/>
+              <a:buChar char="l"/>
+            </a:pPr>
+            <a:r>
+              <a:rPr lang="zh-CN" altLang="en-US" dirty="0" smtClean="0"/>
+              <a:t>选择</a:t>
+            </a:r>
+            <a:endParaRPr lang="en-US" altLang="zh-CN" dirty="0" smtClean="0"/>
+          </a:p>
+          <a:p>
+            <a:pPr marL="742950" lvl="1" indent="-285750">
+              <a:buFont typeface="Wingdings" panose="05000000000000000000" pitchFamily="2" charset="2"/>
+              <a:buChar char="l"/>
+            </a:pPr>
+            <a:r>
+              <a:rPr lang="zh-CN" altLang="en-US" dirty="0" smtClean="0"/>
+              <a:t>选择通过第一种方式实现，下游模块成功后，将数据返回，切面类接收返回数据加工处理，可以保证数据一致性的问题</a:t>
+            </a:r>
+            <a:endParaRPr lang="en-US" altLang="zh-CN" dirty="0" smtClean="0"/>
+          </a:p>
+          <a:p>
+            <a:pPr marL="742950" lvl="1" indent="-285750">
+              <a:buFont typeface="Wingdings" panose="05000000000000000000" pitchFamily="2" charset="2"/>
+              <a:buChar char="l"/>
+            </a:pPr>
+            <a:r>
+              <a:rPr lang="zh-CN" altLang="en-US" dirty="0"/>
+              <a:t>第二</a:t>
+            </a:r>
+            <a:r>
+              <a:rPr lang="zh-CN" altLang="en-US" dirty="0" smtClean="0"/>
+              <a:t>种方式是流程引擎端调用业务端接口，即下游模块调用上游模块这种模式不如第一种方式好，上游系统只关注所需数据，数据由下游系统提供，怎么实现不用去关注</a:t>
+            </a:r>
+            <a:endParaRPr lang="en-US" altLang="zh-CN" dirty="0" smtClean="0"/>
+          </a:p>
+          <a:p>
+            <a:pPr marL="742950" lvl="1" indent="-285750">
+              <a:buFont typeface="Wingdings" panose="05000000000000000000" pitchFamily="2" charset="2"/>
+              <a:buChar char="l"/>
+            </a:pPr>
+            <a:r>
+              <a:rPr lang="zh-CN" altLang="en-US" dirty="0"/>
+              <a:t>本</a:t>
+            </a:r>
+            <a:r>
+              <a:rPr lang="zh-CN" altLang="en-US" dirty="0" smtClean="0"/>
+              <a:t>次主实现方式为第一种，第二种也要微实现</a:t>
+            </a:r>
+            <a:endParaRPr lang="en-US" altLang="zh-CN" dirty="0" smtClean="0"/>
+          </a:p>
+          <a:p>
+            <a:pPr marL="742950" lvl="1" indent="-285750">
+              <a:buFont typeface="Wingdings" panose="05000000000000000000" pitchFamily="2" charset="2"/>
+              <a:buChar char="l"/>
+            </a:pPr>
+            <a:r>
+              <a:rPr lang="zh-CN" altLang="en-US" dirty="0" smtClean="0"/>
+              <a:t>理论支持：下游系统为上游系统服务的原则</a:t>
+            </a:r>
+            <a:endParaRPr lang="en-US" altLang="zh-CN" dirty="0" smtClean="0"/>
+          </a:p>
+          <a:p>
+            <a:endParaRPr lang="zh-CN" altLang="en-US" dirty="0"/>
+          </a:p>
+        </p:txBody>
+      </p:sp>
+    </p:spTree>
+    <p:extLst>
+      <p:ext uri="{BB962C8B-B14F-4D97-AF65-F5344CB8AC3E}">
+        <p14:creationId xmlns:p14="http://schemas.microsoft.com/office/powerpoint/2010/main" val="862935393"/>
+      </p:ext>
+    </p:extLst>
+  </p:cSld>
+  <p:clrMapOvr>
+    <a:masterClrMapping/>
+  </p:clrMapOvr>
+</p:sld>
+</file>
+
+<file path=ppt/slides/slide9.xml><?xml version="1.0" encoding="utf-8"?>
+<p:sld xmlns:a="http://schemas.openxmlformats.org/drawingml/2006/main" xmlns:r="http://schemas.openxmlformats.org/officeDocument/2006/relationships" xmlns:p="http://schemas.openxmlformats.org/presentationml/2006/main">
+  <p:cSld>
+    <p:spTree>
+      <p:nvGrpSpPr>
+        <p:cNvPr id="1" name=""/>
+        <p:cNvGrpSpPr/>
+        <p:nvPr/>
+      </p:nvGrpSpPr>
+      <p:grpSpPr>
+        <a:xfrm>
+          <a:off x="0" y="0"/>
+          <a:ext cx="0" cy="0"/>
+          <a:chOff x="0" y="0"/>
+          <a:chExt cx="0" cy="0"/>
+        </a:xfrm>
+      </p:grpSpPr>
+      <p:sp>
+        <p:nvSpPr>
+          <p:cNvPr id="2" name="流程图: 可选过程 1"/>
+          <p:cNvSpPr/>
+          <p:nvPr/>
+        </p:nvSpPr>
+        <p:spPr>
+          <a:xfrm>
+            <a:off x="899592" y="1772816"/>
+            <a:ext cx="1728192" cy="792088"/>
+          </a:xfrm>
+          <a:prstGeom prst="flowChartAlternateProcess">
+            <a:avLst/>
+          </a:prstGeom>
+        </p:spPr>
+        <p:style>
+          <a:lnRef idx="2">
+            <a:schemeClr val="accent1">
+              <a:shade val="50000"/>
+            </a:schemeClr>
+          </a:lnRef>
+          <a:fillRef idx="1">
+            <a:schemeClr val="accent1"/>
+          </a:fillRef>
+          <a:effectRef idx="0">
+            <a:schemeClr val="accent1"/>
+          </a:effectRef>
+          <a:fontRef idx="minor">
+            <a:schemeClr val="lt1"/>
+          </a:fontRef>
+        </p:style>
+        <p:txBody>
+          <a:bodyPr rtlCol="0" anchor="ctr"/>
+          <a:lstStyle/>
+          <a:p>
+            <a:pPr algn="ctr"/>
+            <a:r>
+              <a:rPr lang="zh-CN" altLang="en-US" dirty="0" smtClean="0"/>
+              <a:t>启动流程</a:t>
+            </a:r>
+            <a:endParaRPr lang="en-US" altLang="zh-CN" dirty="0" smtClean="0"/>
+          </a:p>
+          <a:p>
+            <a:pPr algn="ctr"/>
+            <a:r>
+              <a:rPr lang="en-US" altLang="zh-CN" dirty="0" err="1" smtClean="0"/>
+              <a:t>startMethod</a:t>
+            </a:r>
+            <a:r>
+              <a:rPr lang="en-US" altLang="zh-CN" dirty="0" smtClean="0"/>
+              <a:t>(..)</a:t>
+            </a:r>
+            <a:endParaRPr lang="zh-CN" altLang="en-US" dirty="0"/>
+          </a:p>
+        </p:txBody>
+      </p:sp>
+      <p:sp>
+        <p:nvSpPr>
+          <p:cNvPr id="3" name="右箭头 2"/>
+          <p:cNvSpPr/>
+          <p:nvPr/>
+        </p:nvSpPr>
+        <p:spPr>
+          <a:xfrm>
+            <a:off x="2892422" y="1828439"/>
+            <a:ext cx="1440160" cy="504056"/>
+          </a:xfrm>
+          <a:prstGeom prst="rightArrow">
+            <a:avLst/>
+          </a:prstGeom>
+        </p:spPr>
+        <p:style>
+          <a:lnRef idx="2">
+            <a:schemeClr val="accent1">
+              <a:shade val="50000"/>
+            </a:schemeClr>
+          </a:lnRef>
+          <a:fillRef idx="1">
+            <a:schemeClr val="accent1"/>
+          </a:fillRef>
+          <a:effectRef idx="0">
+            <a:schemeClr val="accent1"/>
+          </a:effectRef>
+          <a:fontRef idx="minor">
+            <a:schemeClr val="lt1"/>
+          </a:fontRef>
+        </p:style>
+        <p:txBody>
+          <a:bodyPr rtlCol="0" anchor="ctr"/>
+          <a:lstStyle/>
+          <a:p>
+            <a:pPr algn="ctr"/>
+            <a:r>
+              <a:rPr lang="en-US" altLang="zh-CN" dirty="0" smtClean="0"/>
+              <a:t>After to do..</a:t>
+            </a:r>
+            <a:endParaRPr lang="zh-CN" altLang="en-US" dirty="0"/>
+          </a:p>
+        </p:txBody>
+      </p:sp>
+      <p:sp>
+        <p:nvSpPr>
+          <p:cNvPr id="4" name="流程图: 可选过程 3"/>
+          <p:cNvSpPr/>
+          <p:nvPr/>
+        </p:nvSpPr>
+        <p:spPr>
+          <a:xfrm>
+            <a:off x="4788024" y="692696"/>
+            <a:ext cx="2664296" cy="936104"/>
+          </a:xfrm>
+          <a:prstGeom prst="flowChartAlternateProcess">
+            <a:avLst/>
+          </a:prstGeom>
+        </p:spPr>
+        <p:style>
+          <a:lnRef idx="2">
+            <a:schemeClr val="accent1">
+              <a:shade val="50000"/>
+            </a:schemeClr>
+          </a:lnRef>
+          <a:fillRef idx="1">
+            <a:schemeClr val="accent1"/>
+          </a:fillRef>
+          <a:effectRef idx="0">
+            <a:schemeClr val="accent1"/>
+          </a:effectRef>
+          <a:fontRef idx="minor">
+            <a:schemeClr val="lt1"/>
+          </a:fontRef>
+        </p:style>
+        <p:txBody>
+          <a:bodyPr rtlCol="0" anchor="ctr"/>
+          <a:lstStyle/>
+          <a:p>
+            <a:pPr algn="ctr"/>
+            <a:r>
+              <a:rPr lang="en-US" altLang="zh-CN" dirty="0" err="1" smtClean="0"/>
+              <a:t>addAuditRecord</a:t>
+            </a:r>
+            <a:r>
+              <a:rPr lang="en-US" altLang="zh-CN" dirty="0" smtClean="0"/>
+              <a:t>(..)</a:t>
+            </a:r>
+            <a:endParaRPr lang="zh-CN" altLang="en-US" dirty="0"/>
+          </a:p>
+        </p:txBody>
+      </p:sp>
+      <p:sp>
+        <p:nvSpPr>
+          <p:cNvPr id="5" name="流程图: 可选过程 4"/>
+          <p:cNvSpPr/>
+          <p:nvPr/>
+        </p:nvSpPr>
+        <p:spPr>
+          <a:xfrm>
+            <a:off x="4798459" y="2332495"/>
+            <a:ext cx="2664296" cy="936104"/>
+          </a:xfrm>
+          <a:prstGeom prst="flowChartAlternateProcess">
+            <a:avLst/>
+          </a:prstGeom>
+        </p:spPr>
+        <p:style>
+          <a:lnRef idx="2">
+            <a:schemeClr val="accent1">
+              <a:shade val="50000"/>
+            </a:schemeClr>
+          </a:lnRef>
+          <a:fillRef idx="1">
+            <a:schemeClr val="accent1"/>
+          </a:fillRef>
+          <a:effectRef idx="0">
+            <a:schemeClr val="accent1"/>
+          </a:effectRef>
+          <a:fontRef idx="minor">
+            <a:schemeClr val="lt1"/>
+          </a:fontRef>
+        </p:style>
+        <p:txBody>
+          <a:bodyPr rtlCol="0" anchor="ctr"/>
+          <a:lstStyle/>
+          <a:p>
+            <a:pPr algn="ctr"/>
+            <a:r>
+              <a:rPr lang="en-US" altLang="zh-CN" dirty="0" err="1" smtClean="0"/>
+              <a:t>addWorkitem</a:t>
+            </a:r>
+            <a:r>
+              <a:rPr lang="en-US" altLang="zh-CN" dirty="0" smtClean="0"/>
+              <a:t>(..)</a:t>
+            </a:r>
+            <a:endParaRPr lang="zh-CN" altLang="en-US" dirty="0"/>
+          </a:p>
+        </p:txBody>
+      </p:sp>
+      <p:cxnSp>
+        <p:nvCxnSpPr>
+          <p:cNvPr id="7" name="直接箭头连接符 6"/>
+          <p:cNvCxnSpPr>
+            <a:stCxn id="3" idx="0"/>
+            <a:endCxn id="4" idx="1"/>
+          </p:cNvCxnSpPr>
+          <p:nvPr/>
+        </p:nvCxnSpPr>
+        <p:spPr>
+          <a:xfrm flipV="1">
+            <a:off x="4080554" y="1160748"/>
+            <a:ext cx="707470" cy="667691"/>
+          </a:xfrm>
+          <a:prstGeom prst="straightConnector1">
+            <a:avLst/>
+          </a:prstGeom>
+          <a:ln>
+            <a:tailEnd type="arrow"/>
+          </a:ln>
+        </p:spPr>
+        <p:style>
+          <a:lnRef idx="1">
+            <a:schemeClr val="accent1"/>
+          </a:lnRef>
+          <a:fillRef idx="0">
+            <a:schemeClr val="accent1"/>
+          </a:fillRef>
+          <a:effectRef idx="0">
+            <a:schemeClr val="accent1"/>
+          </a:effectRef>
+          <a:fontRef idx="minor">
+            <a:schemeClr val="tx1"/>
+          </a:fontRef>
+        </p:style>
+      </p:cxnSp>
+      <p:cxnSp>
+        <p:nvCxnSpPr>
+          <p:cNvPr id="9" name="直接箭头连接符 8"/>
+          <p:cNvCxnSpPr>
+            <a:stCxn id="3" idx="2"/>
+            <a:endCxn id="5" idx="1"/>
+          </p:cNvCxnSpPr>
+          <p:nvPr/>
+        </p:nvCxnSpPr>
+        <p:spPr>
+          <a:xfrm>
+            <a:off x="4080554" y="2332495"/>
+            <a:ext cx="717905" cy="468052"/>
+          </a:xfrm>
+          <a:prstGeom prst="straightConnector1">
+            <a:avLst/>
+          </a:prstGeom>
+          <a:ln>
+            <a:tailEnd type="arrow"/>
+          </a:ln>
+        </p:spPr>
+        <p:style>
+          <a:lnRef idx="1">
+            <a:schemeClr val="accent1"/>
+          </a:lnRef>
+          <a:fillRef idx="0">
+            <a:schemeClr val="accent1"/>
+          </a:fillRef>
+          <a:effectRef idx="0">
+            <a:schemeClr val="accent1"/>
+          </a:effectRef>
+          <a:fontRef idx="minor">
+            <a:schemeClr val="tx1"/>
+          </a:fontRef>
+        </p:style>
+      </p:cxnSp>
+      <p:sp>
+        <p:nvSpPr>
+          <p:cNvPr id="11" name="流程图: 过程 10"/>
+          <p:cNvSpPr/>
+          <p:nvPr/>
+        </p:nvSpPr>
+        <p:spPr>
+          <a:xfrm>
+            <a:off x="924946" y="3727713"/>
+            <a:ext cx="2584445" cy="1152128"/>
+          </a:xfrm>
+          <a:prstGeom prst="flowChartProcess">
+            <a:avLst/>
+          </a:prstGeom>
+        </p:spPr>
+        <p:style>
+          <a:lnRef idx="2">
+            <a:schemeClr val="accent3">
+              <a:shade val="50000"/>
+            </a:schemeClr>
+          </a:lnRef>
+          <a:fillRef idx="1">
+            <a:schemeClr val="accent3"/>
+          </a:fillRef>
+          <a:effectRef idx="0">
+            <a:schemeClr val="accent3"/>
+          </a:effectRef>
+          <a:fontRef idx="minor">
+            <a:schemeClr val="lt1"/>
+          </a:fontRef>
+        </p:style>
+        <p:txBody>
+          <a:bodyPr rtlCol="0" anchor="ctr"/>
+          <a:lstStyle/>
+          <a:p>
+            <a:pPr algn="ctr"/>
+            <a:r>
+              <a:rPr lang="en-US" altLang="zh-CN" dirty="0" smtClean="0"/>
+              <a:t>Spring AOP</a:t>
+            </a:r>
+            <a:r>
+              <a:rPr lang="zh-CN" altLang="en-US" dirty="0" smtClean="0"/>
+              <a:t>切面方式实现</a:t>
+            </a:r>
+            <a:endParaRPr lang="zh-CN" altLang="en-US" dirty="0"/>
+          </a:p>
+        </p:txBody>
+      </p:sp>
+      <p:sp>
+        <p:nvSpPr>
+          <p:cNvPr id="12" name="流程图: 过程 11"/>
+          <p:cNvSpPr/>
+          <p:nvPr/>
+        </p:nvSpPr>
+        <p:spPr>
+          <a:xfrm>
+            <a:off x="1115616" y="5445224"/>
+            <a:ext cx="1776806" cy="1080120"/>
+          </a:xfrm>
+          <a:prstGeom prst="flowChartProcess">
+            <a:avLst/>
+          </a:prstGeom>
+        </p:spPr>
+        <p:style>
+          <a:lnRef idx="2">
+            <a:schemeClr val="accent3">
+              <a:shade val="50000"/>
+            </a:schemeClr>
+          </a:lnRef>
+          <a:fillRef idx="1">
+            <a:schemeClr val="accent3"/>
+          </a:fillRef>
+          <a:effectRef idx="0">
+            <a:schemeClr val="accent3"/>
+          </a:effectRef>
+          <a:fontRef idx="minor">
+            <a:schemeClr val="lt1"/>
+          </a:fontRef>
+        </p:style>
+        <p:txBody>
+          <a:bodyPr rtlCol="0" anchor="ctr"/>
+          <a:lstStyle/>
+          <a:p>
+            <a:pPr algn="ctr"/>
+            <a:r>
+              <a:rPr lang="zh-CN" altLang="en-US" dirty="0" smtClean="0"/>
+              <a:t>流程引擎提供的事件触发事件接口实现</a:t>
+            </a:r>
+            <a:endParaRPr lang="zh-CN" altLang="en-US" dirty="0"/>
+          </a:p>
+        </p:txBody>
+      </p:sp>
+      <p:sp>
+        <p:nvSpPr>
+          <p:cNvPr id="13" name="流程图: 可选过程 12"/>
+          <p:cNvSpPr/>
+          <p:nvPr/>
+        </p:nvSpPr>
+        <p:spPr>
+          <a:xfrm>
+            <a:off x="5292080" y="3937499"/>
+            <a:ext cx="2435662" cy="844252"/>
+          </a:xfrm>
+          <a:prstGeom prst="flowChartAlternateProcess">
+            <a:avLst/>
+          </a:prstGeom>
+        </p:spPr>
+        <p:style>
+          <a:lnRef idx="2">
+            <a:schemeClr val="accent1">
+              <a:shade val="50000"/>
+            </a:schemeClr>
+          </a:lnRef>
+          <a:fillRef idx="1">
+            <a:schemeClr val="accent1"/>
+          </a:fillRef>
+          <a:effectRef idx="0">
+            <a:schemeClr val="accent1"/>
+          </a:effectRef>
+          <a:fontRef idx="minor">
+            <a:schemeClr val="lt1"/>
+          </a:fontRef>
+        </p:style>
+        <p:txBody>
+          <a:bodyPr rtlCol="0" anchor="ctr"/>
+          <a:lstStyle/>
+          <a:p>
+            <a:pPr algn="ctr"/>
+            <a:r>
+              <a:rPr lang="zh-CN" altLang="en-US" dirty="0" smtClean="0"/>
+              <a:t>实现上面步骤</a:t>
+            </a:r>
+            <a:endParaRPr lang="zh-CN" altLang="en-US" dirty="0"/>
+          </a:p>
+        </p:txBody>
+      </p:sp>
+      <p:sp>
+        <p:nvSpPr>
+          <p:cNvPr id="14" name="右箭头 13"/>
+          <p:cNvSpPr/>
+          <p:nvPr/>
+        </p:nvSpPr>
+        <p:spPr>
+          <a:xfrm>
+            <a:off x="3563190" y="3880892"/>
+            <a:ext cx="1668416" cy="957467"/>
+          </a:xfrm>
+          <a:prstGeom prst="rightArrow">
+            <a:avLst/>
+          </a:prstGeom>
+        </p:spPr>
+        <p:style>
+          <a:lnRef idx="2">
+            <a:schemeClr val="accent3">
+              <a:shade val="50000"/>
+            </a:schemeClr>
+          </a:lnRef>
+          <a:fillRef idx="1">
+            <a:schemeClr val="accent3"/>
+          </a:fillRef>
+          <a:effectRef idx="0">
+            <a:schemeClr val="accent3"/>
+          </a:effectRef>
+          <a:fontRef idx="minor">
+            <a:schemeClr val="lt1"/>
+          </a:fontRef>
+        </p:style>
+        <p:txBody>
+          <a:bodyPr rtlCol="0" anchor="ctr"/>
+          <a:lstStyle/>
+          <a:p>
+            <a:pPr algn="ctr"/>
+            <a:r>
+              <a:rPr lang="zh-CN" altLang="en-US" dirty="0" smtClean="0"/>
+              <a:t>调用流程引擎接口</a:t>
+            </a:r>
+            <a:endParaRPr lang="zh-CN" altLang="en-US" dirty="0"/>
+          </a:p>
+        </p:txBody>
+      </p:sp>
+      <p:cxnSp>
+        <p:nvCxnSpPr>
+          <p:cNvPr id="16" name="直接箭头连接符 15"/>
+          <p:cNvCxnSpPr>
+            <a:stCxn id="12" idx="3"/>
+            <a:endCxn id="13" idx="2"/>
+          </p:cNvCxnSpPr>
+          <p:nvPr/>
+        </p:nvCxnSpPr>
+        <p:spPr>
+          <a:xfrm flipV="1">
+            <a:off x="2892422" y="4781751"/>
+            <a:ext cx="3617489" cy="1203533"/>
+          </a:xfrm>
+          <a:prstGeom prst="straightConnector1">
+            <a:avLst/>
+          </a:prstGeom>
+          <a:ln>
+            <a:tailEnd type="arrow"/>
+          </a:ln>
+        </p:spPr>
+        <p:style>
+          <a:lnRef idx="3">
+            <a:schemeClr val="accent3"/>
+          </a:lnRef>
+          <a:fillRef idx="0">
+            <a:schemeClr val="accent3"/>
+          </a:fillRef>
+          <a:effectRef idx="2">
+            <a:schemeClr val="accent3"/>
+          </a:effectRef>
+          <a:fontRef idx="minor">
+            <a:schemeClr val="tx1"/>
+          </a:fontRef>
+        </p:style>
+      </p:cxnSp>
+    </p:spTree>
+    <p:extLst>
+      <p:ext uri="{BB962C8B-B14F-4D97-AF65-F5344CB8AC3E}">
+        <p14:creationId xmlns:p14="http://schemas.microsoft.com/office/powerpoint/2010/main" val="1562870624"/>
       </p:ext>
     </p:extLst>
   </p:cSld>

--- a/WebContent/docs/BPM前期项目准备_20171026.pptx
+++ b/WebContent/docs/BPM前期项目准备_20171026.pptx
@@ -25,6 +25,9 @@
     <p:sldId id="273" r:id="rId19"/>
     <p:sldId id="274" r:id="rId20"/>
     <p:sldId id="275" r:id="rId21"/>
+    <p:sldId id="276" r:id="rId22"/>
+    <p:sldId id="277" r:id="rId23"/>
+    <p:sldId id="278" r:id="rId24"/>
   </p:sldIdLst>
   <p:sldSz cx="9144000" cy="6858000" type="screen4x3"/>
   <p:notesSz cx="6858000" cy="9144000"/>
@@ -3781,7 +3784,7 @@
           <a:p>
             <a:fld id="{530820CF-B880-4189-942D-D702A7CBA730}" type="datetimeFigureOut">
               <a:rPr lang="zh-CN" altLang="en-US" smtClean="0"/>
-              <a:t>2017/11/1</a:t>
+              <a:t>2017/11/2</a:t>
             </a:fld>
             <a:endParaRPr lang="zh-CN" altLang="en-US"/>
           </a:p>
@@ -3946,7 +3949,7 @@
           <a:p>
             <a:fld id="{530820CF-B880-4189-942D-D702A7CBA730}" type="datetimeFigureOut">
               <a:rPr lang="zh-CN" altLang="en-US" smtClean="0"/>
-              <a:t>2017/11/1</a:t>
+              <a:t>2017/11/2</a:t>
             </a:fld>
             <a:endParaRPr lang="zh-CN" altLang="en-US"/>
           </a:p>
@@ -4121,7 +4124,7 @@
           <a:p>
             <a:fld id="{530820CF-B880-4189-942D-D702A7CBA730}" type="datetimeFigureOut">
               <a:rPr lang="zh-CN" altLang="en-US" smtClean="0"/>
-              <a:t>2017/11/1</a:t>
+              <a:t>2017/11/2</a:t>
             </a:fld>
             <a:endParaRPr lang="zh-CN" altLang="en-US"/>
           </a:p>
@@ -4286,7 +4289,7 @@
           <a:p>
             <a:fld id="{530820CF-B880-4189-942D-D702A7CBA730}" type="datetimeFigureOut">
               <a:rPr lang="zh-CN" altLang="en-US" smtClean="0"/>
-              <a:t>2017/11/1</a:t>
+              <a:t>2017/11/2</a:t>
             </a:fld>
             <a:endParaRPr lang="zh-CN" altLang="en-US"/>
           </a:p>
@@ -4527,7 +4530,7 @@
           <a:p>
             <a:fld id="{530820CF-B880-4189-942D-D702A7CBA730}" type="datetimeFigureOut">
               <a:rPr lang="zh-CN" altLang="en-US" smtClean="0"/>
-              <a:t>2017/11/1</a:t>
+              <a:t>2017/11/2</a:t>
             </a:fld>
             <a:endParaRPr lang="zh-CN" altLang="en-US"/>
           </a:p>
@@ -4810,7 +4813,7 @@
           <a:p>
             <a:fld id="{530820CF-B880-4189-942D-D702A7CBA730}" type="datetimeFigureOut">
               <a:rPr lang="zh-CN" altLang="en-US" smtClean="0"/>
-              <a:t>2017/11/1</a:t>
+              <a:t>2017/11/2</a:t>
             </a:fld>
             <a:endParaRPr lang="zh-CN" altLang="en-US"/>
           </a:p>
@@ -5227,7 +5230,7 @@
           <a:p>
             <a:fld id="{530820CF-B880-4189-942D-D702A7CBA730}" type="datetimeFigureOut">
               <a:rPr lang="zh-CN" altLang="en-US" smtClean="0"/>
-              <a:t>2017/11/1</a:t>
+              <a:t>2017/11/2</a:t>
             </a:fld>
             <a:endParaRPr lang="zh-CN" altLang="en-US"/>
           </a:p>
@@ -5340,7 +5343,7 @@
           <a:p>
             <a:fld id="{530820CF-B880-4189-942D-D702A7CBA730}" type="datetimeFigureOut">
               <a:rPr lang="zh-CN" altLang="en-US" smtClean="0"/>
-              <a:t>2017/11/1</a:t>
+              <a:t>2017/11/2</a:t>
             </a:fld>
             <a:endParaRPr lang="zh-CN" altLang="en-US"/>
           </a:p>
@@ -5430,7 +5433,7 @@
           <a:p>
             <a:fld id="{530820CF-B880-4189-942D-D702A7CBA730}" type="datetimeFigureOut">
               <a:rPr lang="zh-CN" altLang="en-US" smtClean="0"/>
-              <a:t>2017/11/1</a:t>
+              <a:t>2017/11/2</a:t>
             </a:fld>
             <a:endParaRPr lang="zh-CN" altLang="en-US"/>
           </a:p>
@@ -5702,7 +5705,7 @@
           <a:p>
             <a:fld id="{530820CF-B880-4189-942D-D702A7CBA730}" type="datetimeFigureOut">
               <a:rPr lang="zh-CN" altLang="en-US" smtClean="0"/>
-              <a:t>2017/11/1</a:t>
+              <a:t>2017/11/2</a:t>
             </a:fld>
             <a:endParaRPr lang="zh-CN" altLang="en-US"/>
           </a:p>
@@ -5950,7 +5953,7 @@
           <a:p>
             <a:fld id="{530820CF-B880-4189-942D-D702A7CBA730}" type="datetimeFigureOut">
               <a:rPr lang="zh-CN" altLang="en-US" smtClean="0"/>
-              <a:t>2017/11/1</a:t>
+              <a:t>2017/11/2</a:t>
             </a:fld>
             <a:endParaRPr lang="zh-CN" altLang="en-US"/>
           </a:p>
@@ -6158,7 +6161,7 @@
           <a:p>
             <a:fld id="{530820CF-B880-4189-942D-D702A7CBA730}" type="datetimeFigureOut">
               <a:rPr lang="zh-CN" altLang="en-US" smtClean="0"/>
-              <a:t>2017/11/1</a:t>
+              <a:t>2017/11/2</a:t>
             </a:fld>
             <a:endParaRPr lang="zh-CN" altLang="en-US"/>
           </a:p>
@@ -6543,7 +6546,15 @@
           <a:bodyPr/>
           <a:lstStyle/>
           <a:p>
-            <a:endParaRPr lang="zh-CN" altLang="en-US"/>
+            <a:r>
+              <a:rPr lang="en-US" altLang="zh-CN" dirty="0" smtClean="0"/>
+              <a:t>Activiti518</a:t>
+            </a:r>
+            <a:r>
+              <a:rPr lang="zh-CN" altLang="en-US" dirty="0" smtClean="0"/>
+              <a:t>流程开发</a:t>
+            </a:r>
+            <a:endParaRPr lang="zh-CN" altLang="en-US" dirty="0"/>
           </a:p>
         </p:txBody>
       </p:sp>
@@ -6562,7 +6573,11 @@
           <a:bodyPr/>
           <a:lstStyle/>
           <a:p>
-            <a:endParaRPr lang="zh-CN" altLang="en-US"/>
+            <a:r>
+              <a:rPr lang="zh-CN" altLang="en-US" dirty="0" smtClean="0"/>
+              <a:t>前期设计文稿</a:t>
+            </a:r>
+            <a:endParaRPr lang="zh-CN" altLang="en-US" dirty="0"/>
           </a:p>
         </p:txBody>
       </p:sp>
@@ -9439,6 +9454,548 @@
     <p:extLst>
       <p:ext uri="{BB962C8B-B14F-4D97-AF65-F5344CB8AC3E}">
         <p14:creationId xmlns:p14="http://schemas.microsoft.com/office/powerpoint/2010/main" val="150455296"/>
+      </p:ext>
+    </p:extLst>
+  </p:cSld>
+  <p:clrMapOvr>
+    <a:masterClrMapping/>
+  </p:clrMapOvr>
+</p:sld>
+</file>
+
+<file path=ppt/slides/slide21.xml><?xml version="1.0" encoding="utf-8"?>
+<p:sld xmlns:a="http://schemas.openxmlformats.org/drawingml/2006/main" xmlns:r="http://schemas.openxmlformats.org/officeDocument/2006/relationships" xmlns:p="http://schemas.openxmlformats.org/presentationml/2006/main">
+  <p:cSld>
+    <p:spTree>
+      <p:nvGrpSpPr>
+        <p:cNvPr id="1" name=""/>
+        <p:cNvGrpSpPr/>
+        <p:nvPr/>
+      </p:nvGrpSpPr>
+      <p:grpSpPr>
+        <a:xfrm>
+          <a:off x="0" y="0"/>
+          <a:ext cx="0" cy="0"/>
+          <a:chOff x="0" y="0"/>
+          <a:chExt cx="0" cy="0"/>
+        </a:xfrm>
+      </p:grpSpPr>
+      <p:sp>
+        <p:nvSpPr>
+          <p:cNvPr id="2" name="矩形 1"/>
+          <p:cNvSpPr/>
+          <p:nvPr/>
+        </p:nvSpPr>
+        <p:spPr>
+          <a:xfrm>
+            <a:off x="1691680" y="908720"/>
+            <a:ext cx="2664296" cy="720080"/>
+          </a:xfrm>
+          <a:prstGeom prst="rect">
+            <a:avLst/>
+          </a:prstGeom>
+        </p:spPr>
+        <p:style>
+          <a:lnRef idx="2">
+            <a:schemeClr val="accent1">
+              <a:shade val="50000"/>
+            </a:schemeClr>
+          </a:lnRef>
+          <a:fillRef idx="1">
+            <a:schemeClr val="accent1"/>
+          </a:fillRef>
+          <a:effectRef idx="0">
+            <a:schemeClr val="accent1"/>
+          </a:effectRef>
+          <a:fontRef idx="minor">
+            <a:schemeClr val="lt1"/>
+          </a:fontRef>
+        </p:style>
+        <p:txBody>
+          <a:bodyPr rtlCol="0" anchor="ctr"/>
+          <a:lstStyle/>
+          <a:p>
+            <a:pPr algn="ctr"/>
+            <a:r>
+              <a:rPr lang="zh-CN" altLang="en-US" dirty="0" smtClean="0"/>
+              <a:t>启动流程</a:t>
+            </a:r>
+            <a:endParaRPr lang="zh-CN" altLang="en-US" dirty="0"/>
+          </a:p>
+        </p:txBody>
+      </p:sp>
+      <p:sp>
+        <p:nvSpPr>
+          <p:cNvPr id="3" name="矩形 2"/>
+          <p:cNvSpPr/>
+          <p:nvPr/>
+        </p:nvSpPr>
+        <p:spPr>
+          <a:xfrm>
+            <a:off x="1691680" y="2348880"/>
+            <a:ext cx="2664296" cy="720080"/>
+          </a:xfrm>
+          <a:prstGeom prst="rect">
+            <a:avLst/>
+          </a:prstGeom>
+        </p:spPr>
+        <p:style>
+          <a:lnRef idx="2">
+            <a:schemeClr val="accent1">
+              <a:shade val="50000"/>
+            </a:schemeClr>
+          </a:lnRef>
+          <a:fillRef idx="1">
+            <a:schemeClr val="accent1"/>
+          </a:fillRef>
+          <a:effectRef idx="0">
+            <a:schemeClr val="accent1"/>
+          </a:effectRef>
+          <a:fontRef idx="minor">
+            <a:schemeClr val="lt1"/>
+          </a:fontRef>
+        </p:style>
+        <p:txBody>
+          <a:bodyPr rtlCol="0" anchor="ctr"/>
+          <a:lstStyle/>
+          <a:p>
+            <a:pPr algn="ctr"/>
+            <a:r>
+              <a:rPr lang="zh-CN" altLang="en-US" dirty="0" smtClean="0"/>
+              <a:t>提交工作项</a:t>
+            </a:r>
+            <a:endParaRPr lang="zh-CN" altLang="en-US" dirty="0"/>
+          </a:p>
+        </p:txBody>
+      </p:sp>
+      <p:sp>
+        <p:nvSpPr>
+          <p:cNvPr id="4" name="矩形 3"/>
+          <p:cNvSpPr/>
+          <p:nvPr/>
+        </p:nvSpPr>
+        <p:spPr>
+          <a:xfrm>
+            <a:off x="1691680" y="3789040"/>
+            <a:ext cx="2664296" cy="720080"/>
+          </a:xfrm>
+          <a:prstGeom prst="rect">
+            <a:avLst/>
+          </a:prstGeom>
+        </p:spPr>
+        <p:style>
+          <a:lnRef idx="2">
+            <a:schemeClr val="accent1">
+              <a:shade val="50000"/>
+            </a:schemeClr>
+          </a:lnRef>
+          <a:fillRef idx="1">
+            <a:schemeClr val="accent1"/>
+          </a:fillRef>
+          <a:effectRef idx="0">
+            <a:schemeClr val="accent1"/>
+          </a:effectRef>
+          <a:fontRef idx="minor">
+            <a:schemeClr val="lt1"/>
+          </a:fontRef>
+        </p:style>
+        <p:txBody>
+          <a:bodyPr rtlCol="0" anchor="ctr"/>
+          <a:lstStyle/>
+          <a:p>
+            <a:pPr algn="ctr"/>
+            <a:r>
+              <a:rPr lang="zh-CN" altLang="en-US" dirty="0" smtClean="0"/>
+              <a:t>结束流程</a:t>
+            </a:r>
+            <a:endParaRPr lang="zh-CN" altLang="en-US" dirty="0"/>
+          </a:p>
+        </p:txBody>
+      </p:sp>
+    </p:spTree>
+    <p:extLst>
+      <p:ext uri="{BB962C8B-B14F-4D97-AF65-F5344CB8AC3E}">
+        <p14:creationId xmlns:p14="http://schemas.microsoft.com/office/powerpoint/2010/main" val="2197274784"/>
+      </p:ext>
+    </p:extLst>
+  </p:cSld>
+  <p:clrMapOvr>
+    <a:masterClrMapping/>
+  </p:clrMapOvr>
+</p:sld>
+</file>
+
+<file path=ppt/slides/slide22.xml><?xml version="1.0" encoding="utf-8"?>
+<p:sld xmlns:a="http://schemas.openxmlformats.org/drawingml/2006/main" xmlns:r="http://schemas.openxmlformats.org/officeDocument/2006/relationships" xmlns:p="http://schemas.openxmlformats.org/presentationml/2006/main">
+  <p:cSld>
+    <p:spTree>
+      <p:nvGrpSpPr>
+        <p:cNvPr id="1" name=""/>
+        <p:cNvGrpSpPr/>
+        <p:nvPr/>
+      </p:nvGrpSpPr>
+      <p:grpSpPr>
+        <a:xfrm>
+          <a:off x="0" y="0"/>
+          <a:ext cx="0" cy="0"/>
+          <a:chOff x="0" y="0"/>
+          <a:chExt cx="0" cy="0"/>
+        </a:xfrm>
+      </p:grpSpPr>
+      <p:sp>
+        <p:nvSpPr>
+          <p:cNvPr id="2" name="TextBox 1"/>
+          <p:cNvSpPr txBox="1"/>
+          <p:nvPr/>
+        </p:nvSpPr>
+        <p:spPr>
+          <a:xfrm>
+            <a:off x="611560" y="908720"/>
+            <a:ext cx="7848872" cy="5355312"/>
+          </a:xfrm>
+          <a:prstGeom prst="rect">
+            <a:avLst/>
+          </a:prstGeom>
+        </p:spPr>
+        <p:style>
+          <a:lnRef idx="2">
+            <a:schemeClr val="accent1"/>
+          </a:lnRef>
+          <a:fillRef idx="1">
+            <a:schemeClr val="lt1"/>
+          </a:fillRef>
+          <a:effectRef idx="0">
+            <a:schemeClr val="accent1"/>
+          </a:effectRef>
+          <a:fontRef idx="minor">
+            <a:schemeClr val="dk1"/>
+          </a:fontRef>
+        </p:style>
+        <p:txBody>
+          <a:bodyPr wrap="square" rtlCol="0">
+            <a:spAutoFit/>
+          </a:bodyPr>
+          <a:lstStyle/>
+          <a:p>
+            <a:pPr marL="285750" indent="-285750">
+              <a:buFont typeface="Wingdings" panose="05000000000000000000" pitchFamily="2" charset="2"/>
+              <a:buChar char="Ø"/>
+            </a:pPr>
+            <a:r>
+              <a:rPr lang="zh-CN" altLang="en-US" dirty="0" smtClean="0"/>
+              <a:t>流程生命周期：</a:t>
+            </a:r>
+            <a:endParaRPr lang="en-US" altLang="zh-CN" dirty="0" smtClean="0"/>
+          </a:p>
+          <a:p>
+            <a:pPr marL="800100" lvl="1" indent="-342900">
+              <a:buFont typeface="+mj-lt"/>
+              <a:buAutoNum type="arabicPeriod"/>
+            </a:pPr>
+            <a:r>
+              <a:rPr lang="zh-CN" altLang="en-US" dirty="0" smtClean="0"/>
+              <a:t>启动流程</a:t>
+            </a:r>
+            <a:endParaRPr lang="en-US" altLang="zh-CN" dirty="0" smtClean="0"/>
+          </a:p>
+          <a:p>
+            <a:pPr marL="1257300" lvl="2" indent="-342900">
+              <a:buFont typeface="+mj-ea"/>
+              <a:buAutoNum type="circleNumDbPlain"/>
+            </a:pPr>
+            <a:r>
+              <a:rPr lang="zh-CN" altLang="en-US" dirty="0" smtClean="0"/>
+              <a:t>调用流程引擎接口启动流程实例</a:t>
+            </a:r>
+            <a:endParaRPr lang="en-US" altLang="zh-CN" dirty="0" smtClean="0"/>
+          </a:p>
+          <a:p>
+            <a:pPr marL="1257300" lvl="2" indent="-342900">
+              <a:buFont typeface="+mj-ea"/>
+              <a:buAutoNum type="circleNumDbPlain"/>
+            </a:pPr>
+            <a:r>
+              <a:rPr lang="zh-CN" altLang="en-US" dirty="0" smtClean="0"/>
+              <a:t>加工流程引擎回执的预处理数据生成业务模块流程数据</a:t>
+            </a:r>
+            <a:endParaRPr lang="en-US" altLang="zh-CN" dirty="0" smtClean="0"/>
+          </a:p>
+          <a:p>
+            <a:pPr marL="1257300" lvl="2" indent="-342900">
+              <a:buFont typeface="+mj-ea"/>
+              <a:buAutoNum type="circleNumDbPlain"/>
+            </a:pPr>
+            <a:r>
+              <a:rPr lang="zh-CN" altLang="en-US" dirty="0" smtClean="0"/>
+              <a:t>业务模块业务单据审批状态修改，业务模块相关操作执行</a:t>
+            </a:r>
+            <a:endParaRPr lang="en-US" altLang="zh-CN" dirty="0"/>
+          </a:p>
+          <a:p>
+            <a:pPr marL="800100" lvl="1" indent="-342900">
+              <a:buFont typeface="+mj-ea"/>
+              <a:buAutoNum type="arabicPeriod"/>
+            </a:pPr>
+            <a:r>
+              <a:rPr lang="zh-CN" altLang="en-US" dirty="0" smtClean="0"/>
+              <a:t>选择下一步执行环节</a:t>
+            </a:r>
+            <a:endParaRPr lang="en-US" altLang="zh-CN" dirty="0" smtClean="0"/>
+          </a:p>
+          <a:p>
+            <a:pPr marL="1257300" lvl="2" indent="-342900">
+              <a:buFont typeface="+mj-ea"/>
+              <a:buAutoNum type="circleNumDbPlain"/>
+            </a:pPr>
+            <a:endParaRPr lang="en-US" altLang="zh-CN" dirty="0" smtClean="0"/>
+          </a:p>
+          <a:p>
+            <a:pPr marL="800100" lvl="1" indent="-342900">
+              <a:buFont typeface="+mj-lt"/>
+              <a:buAutoNum type="arabicPeriod"/>
+            </a:pPr>
+            <a:r>
+              <a:rPr lang="zh-CN" altLang="en-US" dirty="0" smtClean="0"/>
+              <a:t>提交工作项</a:t>
+            </a:r>
+            <a:endParaRPr lang="en-US" altLang="zh-CN" dirty="0" smtClean="0"/>
+          </a:p>
+          <a:p>
+            <a:pPr marL="1257300" lvl="2" indent="-342900">
+              <a:buFont typeface="+mj-ea"/>
+              <a:buAutoNum type="circleNumDbPlain"/>
+            </a:pPr>
+            <a:r>
+              <a:rPr lang="zh-CN" altLang="en-US" dirty="0" smtClean="0"/>
+              <a:t>上一步审批人的待办处理状态修改，上一步审批人的审批记录修改</a:t>
+            </a:r>
+            <a:endParaRPr lang="en-US" altLang="zh-CN" dirty="0" smtClean="0"/>
+          </a:p>
+          <a:p>
+            <a:pPr marL="1257300" lvl="2" indent="-342900">
+              <a:buFont typeface="+mj-ea"/>
+              <a:buAutoNum type="circleNumDbPlain"/>
+            </a:pPr>
+            <a:r>
+              <a:rPr lang="zh-CN" altLang="en-US" dirty="0" smtClean="0"/>
+              <a:t>调用流程引擎接口提交待办</a:t>
+            </a:r>
+            <a:endParaRPr lang="en-US" altLang="zh-CN" dirty="0" smtClean="0"/>
+          </a:p>
+          <a:p>
+            <a:pPr marL="1257300" lvl="2" indent="-342900">
+              <a:buFont typeface="+mj-ea"/>
+              <a:buAutoNum type="circleNumDbPlain"/>
+            </a:pPr>
+            <a:r>
+              <a:rPr lang="zh-CN" altLang="en-US" dirty="0" smtClean="0"/>
+              <a:t>加工流程引擎回执的预处理数据新增业务模块流程数据</a:t>
+            </a:r>
+            <a:endParaRPr lang="en-US" altLang="zh-CN" dirty="0" smtClean="0"/>
+          </a:p>
+          <a:p>
+            <a:pPr marL="800100" lvl="1" indent="-342900">
+              <a:buFont typeface="+mj-lt"/>
+              <a:buAutoNum type="arabicPeriod"/>
+            </a:pPr>
+            <a:r>
+              <a:rPr lang="zh-CN" altLang="en-US" dirty="0" smtClean="0"/>
+              <a:t>结束流程</a:t>
+            </a:r>
+            <a:endParaRPr lang="en-US" altLang="zh-CN" dirty="0" smtClean="0"/>
+          </a:p>
+          <a:p>
+            <a:pPr marL="1257300" lvl="2" indent="-342900">
+              <a:buFont typeface="+mj-ea"/>
+              <a:buAutoNum type="circleNumDbPlain"/>
+            </a:pPr>
+            <a:r>
+              <a:rPr lang="zh-CN" altLang="en-US" dirty="0" smtClean="0"/>
+              <a:t>上一步审批人的待办处理状态修改，上一步审批人的审批记录修改</a:t>
+            </a:r>
+            <a:endParaRPr lang="en-US" altLang="zh-CN" dirty="0" smtClean="0"/>
+          </a:p>
+          <a:p>
+            <a:pPr marL="1257300" lvl="2" indent="-342900">
+              <a:buFont typeface="+mj-ea"/>
+              <a:buAutoNum type="circleNumDbPlain"/>
+            </a:pPr>
+            <a:r>
+              <a:rPr lang="zh-CN" altLang="en-US" dirty="0" smtClean="0"/>
+              <a:t>调用流程引擎接口结束流程实例</a:t>
+            </a:r>
+            <a:endParaRPr lang="en-US" altLang="zh-CN" dirty="0" smtClean="0"/>
+          </a:p>
+          <a:p>
+            <a:pPr marL="1257300" lvl="2" indent="-342900">
+              <a:buFont typeface="+mj-ea"/>
+              <a:buAutoNum type="circleNumDbPlain"/>
+            </a:pPr>
+            <a:r>
+              <a:rPr lang="zh-CN" altLang="en-US" dirty="0" smtClean="0"/>
+              <a:t>加工流程引擎回执的预处理数据新增业务模块流程数据</a:t>
+            </a:r>
+            <a:endParaRPr lang="en-US" altLang="zh-CN" dirty="0" smtClean="0"/>
+          </a:p>
+          <a:p>
+            <a:pPr marL="1257300" lvl="2" indent="-342900">
+              <a:buFont typeface="+mj-ea"/>
+              <a:buAutoNum type="circleNumDbPlain"/>
+            </a:pPr>
+            <a:r>
+              <a:rPr lang="zh-CN" altLang="en-US" dirty="0" smtClean="0"/>
+              <a:t>业务模块业务单据审批状态修改，业务模块执行相关操作</a:t>
+            </a:r>
+            <a:endParaRPr lang="en-US" altLang="zh-CN" dirty="0" smtClean="0"/>
+          </a:p>
+          <a:p>
+            <a:pPr marL="800100" lvl="1" indent="-342900">
+              <a:buFont typeface="+mj-ea"/>
+              <a:buAutoNum type="arabicPeriod"/>
+            </a:pPr>
+            <a:endParaRPr lang="zh-CN" altLang="en-US" dirty="0"/>
+          </a:p>
+        </p:txBody>
+      </p:sp>
+    </p:spTree>
+    <p:extLst>
+      <p:ext uri="{BB962C8B-B14F-4D97-AF65-F5344CB8AC3E}">
+        <p14:creationId xmlns:p14="http://schemas.microsoft.com/office/powerpoint/2010/main" val="4253335896"/>
+      </p:ext>
+    </p:extLst>
+  </p:cSld>
+  <p:clrMapOvr>
+    <a:masterClrMapping/>
+  </p:clrMapOvr>
+</p:sld>
+</file>
+
+<file path=ppt/slides/slide23.xml><?xml version="1.0" encoding="utf-8"?>
+<p:sld xmlns:a="http://schemas.openxmlformats.org/drawingml/2006/main" xmlns:r="http://schemas.openxmlformats.org/officeDocument/2006/relationships" xmlns:p="http://schemas.openxmlformats.org/presentationml/2006/main">
+  <p:cSld>
+    <p:spTree>
+      <p:nvGrpSpPr>
+        <p:cNvPr id="1" name=""/>
+        <p:cNvGrpSpPr/>
+        <p:nvPr/>
+      </p:nvGrpSpPr>
+      <p:grpSpPr>
+        <a:xfrm>
+          <a:off x="0" y="0"/>
+          <a:ext cx="0" cy="0"/>
+          <a:chOff x="0" y="0"/>
+          <a:chExt cx="0" cy="0"/>
+        </a:xfrm>
+      </p:grpSpPr>
+      <p:sp>
+        <p:nvSpPr>
+          <p:cNvPr id="2" name="TextBox 1"/>
+          <p:cNvSpPr txBox="1"/>
+          <p:nvPr/>
+        </p:nvSpPr>
+        <p:spPr>
+          <a:xfrm>
+            <a:off x="441602" y="836712"/>
+            <a:ext cx="8280920" cy="3139321"/>
+          </a:xfrm>
+          <a:prstGeom prst="rect">
+            <a:avLst/>
+          </a:prstGeom>
+        </p:spPr>
+        <p:style>
+          <a:lnRef idx="2">
+            <a:schemeClr val="accent6"/>
+          </a:lnRef>
+          <a:fillRef idx="1">
+            <a:schemeClr val="lt1"/>
+          </a:fillRef>
+          <a:effectRef idx="0">
+            <a:schemeClr val="accent6"/>
+          </a:effectRef>
+          <a:fontRef idx="minor">
+            <a:schemeClr val="dk1"/>
+          </a:fontRef>
+        </p:style>
+        <p:txBody>
+          <a:bodyPr wrap="square" rtlCol="0">
+            <a:spAutoFit/>
+          </a:bodyPr>
+          <a:lstStyle/>
+          <a:p>
+            <a:pPr marL="285750" indent="-285750">
+              <a:buFont typeface="Wingdings" panose="05000000000000000000" pitchFamily="2" charset="2"/>
+              <a:buChar char="u"/>
+            </a:pPr>
+            <a:r>
+              <a:rPr lang="zh-CN" altLang="en-US" dirty="0" smtClean="0"/>
+              <a:t>选择下一步处理环节</a:t>
+            </a:r>
+            <a:endParaRPr lang="en-US" altLang="zh-CN" dirty="0" smtClean="0"/>
+          </a:p>
+          <a:p>
+            <a:pPr marL="800100" lvl="1" indent="-342900">
+              <a:buFont typeface="+mj-lt"/>
+              <a:buAutoNum type="alphaUcPeriod"/>
+            </a:pPr>
+            <a:r>
+              <a:rPr lang="zh-CN" altLang="en-US" dirty="0" smtClean="0"/>
+              <a:t>审批流程环节类型和各个环节之间流转路径定制由业务模块定制需求。</a:t>
+            </a:r>
+            <a:endParaRPr lang="en-US" altLang="zh-CN" dirty="0" smtClean="0"/>
+          </a:p>
+          <a:p>
+            <a:pPr marL="800100" lvl="1" indent="-342900">
+              <a:buFont typeface="+mj-lt"/>
+              <a:buAutoNum type="alphaUcPeriod"/>
+            </a:pPr>
+            <a:r>
+              <a:rPr lang="zh-CN" altLang="en-US" dirty="0" smtClean="0"/>
+              <a:t>流程引擎负责实现业务模块定制的需求，流程引擎不通实现的方式可能会略有差异。</a:t>
+            </a:r>
+            <a:endParaRPr lang="en-US" altLang="zh-CN" dirty="0" smtClean="0"/>
+          </a:p>
+          <a:p>
+            <a:pPr marL="800100" lvl="1" indent="-342900">
+              <a:buFont typeface="+mj-lt"/>
+              <a:buAutoNum type="alphaUcPeriod"/>
+            </a:pPr>
+            <a:r>
+              <a:rPr lang="zh-CN" altLang="en-US" dirty="0" smtClean="0"/>
+              <a:t>业务模块需要新增数据表来存储所定制化的流程需求，一个是流程基本信息表，另一个是流程环节信息表。</a:t>
+            </a:r>
+            <a:endParaRPr lang="en-US" altLang="zh-CN" dirty="0" smtClean="0"/>
+          </a:p>
+          <a:p>
+            <a:pPr marL="800100" lvl="1" indent="-342900">
+              <a:buFont typeface="+mj-lt"/>
+              <a:buAutoNum type="alphaUcPeriod"/>
+            </a:pPr>
+            <a:r>
+              <a:rPr lang="zh-CN" altLang="en-US" dirty="0" smtClean="0"/>
+              <a:t>业务模块在审批页面所加载的审批路径信息是从数据表中加载的，而不是从流程引擎中调用查询类型的接口获取数据信息。</a:t>
+            </a:r>
+            <a:endParaRPr lang="en-US" altLang="zh-CN" dirty="0" smtClean="0"/>
+          </a:p>
+          <a:p>
+            <a:pPr marL="800100" lvl="1" indent="-342900">
+              <a:buFont typeface="+mj-lt"/>
+              <a:buAutoNum type="alphaUcPeriod"/>
+            </a:pPr>
+            <a:r>
+              <a:rPr lang="zh-CN" altLang="en-US" dirty="0" smtClean="0"/>
+              <a:t>业务模块在选择流程进行提交审批操作时，页面列表中显示的信息是从业务模块的流程基本信息表中根据业务类型进行加载的。</a:t>
+            </a:r>
+            <a:endParaRPr lang="en-US" altLang="zh-CN" dirty="0" smtClean="0"/>
+          </a:p>
+          <a:p>
+            <a:endParaRPr lang="zh-CN" altLang="en-US" dirty="0"/>
+          </a:p>
+        </p:txBody>
+      </p:sp>
+    </p:spTree>
+    <p:extLst>
+      <p:ext uri="{BB962C8B-B14F-4D97-AF65-F5344CB8AC3E}">
+        <p14:creationId xmlns:p14="http://schemas.microsoft.com/office/powerpoint/2010/main" val="3555145883"/>
       </p:ext>
     </p:extLst>
   </p:cSld>

--- a/WebContent/docs/BPM前期项目准备_20171026.pptx
+++ b/WebContent/docs/BPM前期项目准备_20171026.pptx
@@ -28,6 +28,9 @@
     <p:sldId id="276" r:id="rId22"/>
     <p:sldId id="277" r:id="rId23"/>
     <p:sldId id="278" r:id="rId24"/>
+    <p:sldId id="279" r:id="rId25"/>
+    <p:sldId id="280" r:id="rId26"/>
+    <p:sldId id="281" r:id="rId27"/>
   </p:sldIdLst>
   <p:sldSz cx="9144000" cy="6858000" type="screen4x3"/>
   <p:notesSz cx="6858000" cy="9144000"/>
@@ -3784,7 +3787,7 @@
           <a:p>
             <a:fld id="{530820CF-B880-4189-942D-D702A7CBA730}" type="datetimeFigureOut">
               <a:rPr lang="zh-CN" altLang="en-US" smtClean="0"/>
-              <a:t>2017/11/2</a:t>
+              <a:t>2017/11/7</a:t>
             </a:fld>
             <a:endParaRPr lang="zh-CN" altLang="en-US"/>
           </a:p>
@@ -3949,7 +3952,7 @@
           <a:p>
             <a:fld id="{530820CF-B880-4189-942D-D702A7CBA730}" type="datetimeFigureOut">
               <a:rPr lang="zh-CN" altLang="en-US" smtClean="0"/>
-              <a:t>2017/11/2</a:t>
+              <a:t>2017/11/7</a:t>
             </a:fld>
             <a:endParaRPr lang="zh-CN" altLang="en-US"/>
           </a:p>
@@ -4124,7 +4127,7 @@
           <a:p>
             <a:fld id="{530820CF-B880-4189-942D-D702A7CBA730}" type="datetimeFigureOut">
               <a:rPr lang="zh-CN" altLang="en-US" smtClean="0"/>
-              <a:t>2017/11/2</a:t>
+              <a:t>2017/11/7</a:t>
             </a:fld>
             <a:endParaRPr lang="zh-CN" altLang="en-US"/>
           </a:p>
@@ -4289,7 +4292,7 @@
           <a:p>
             <a:fld id="{530820CF-B880-4189-942D-D702A7CBA730}" type="datetimeFigureOut">
               <a:rPr lang="zh-CN" altLang="en-US" smtClean="0"/>
-              <a:t>2017/11/2</a:t>
+              <a:t>2017/11/7</a:t>
             </a:fld>
             <a:endParaRPr lang="zh-CN" altLang="en-US"/>
           </a:p>
@@ -4530,7 +4533,7 @@
           <a:p>
             <a:fld id="{530820CF-B880-4189-942D-D702A7CBA730}" type="datetimeFigureOut">
               <a:rPr lang="zh-CN" altLang="en-US" smtClean="0"/>
-              <a:t>2017/11/2</a:t>
+              <a:t>2017/11/7</a:t>
             </a:fld>
             <a:endParaRPr lang="zh-CN" altLang="en-US"/>
           </a:p>
@@ -4813,7 +4816,7 @@
           <a:p>
             <a:fld id="{530820CF-B880-4189-942D-D702A7CBA730}" type="datetimeFigureOut">
               <a:rPr lang="zh-CN" altLang="en-US" smtClean="0"/>
-              <a:t>2017/11/2</a:t>
+              <a:t>2017/11/7</a:t>
             </a:fld>
             <a:endParaRPr lang="zh-CN" altLang="en-US"/>
           </a:p>
@@ -5230,7 +5233,7 @@
           <a:p>
             <a:fld id="{530820CF-B880-4189-942D-D702A7CBA730}" type="datetimeFigureOut">
               <a:rPr lang="zh-CN" altLang="en-US" smtClean="0"/>
-              <a:t>2017/11/2</a:t>
+              <a:t>2017/11/7</a:t>
             </a:fld>
             <a:endParaRPr lang="zh-CN" altLang="en-US"/>
           </a:p>
@@ -5343,7 +5346,7 @@
           <a:p>
             <a:fld id="{530820CF-B880-4189-942D-D702A7CBA730}" type="datetimeFigureOut">
               <a:rPr lang="zh-CN" altLang="en-US" smtClean="0"/>
-              <a:t>2017/11/2</a:t>
+              <a:t>2017/11/7</a:t>
             </a:fld>
             <a:endParaRPr lang="zh-CN" altLang="en-US"/>
           </a:p>
@@ -5433,7 +5436,7 @@
           <a:p>
             <a:fld id="{530820CF-B880-4189-942D-D702A7CBA730}" type="datetimeFigureOut">
               <a:rPr lang="zh-CN" altLang="en-US" smtClean="0"/>
-              <a:t>2017/11/2</a:t>
+              <a:t>2017/11/7</a:t>
             </a:fld>
             <a:endParaRPr lang="zh-CN" altLang="en-US"/>
           </a:p>
@@ -5705,7 +5708,7 @@
           <a:p>
             <a:fld id="{530820CF-B880-4189-942D-D702A7CBA730}" type="datetimeFigureOut">
               <a:rPr lang="zh-CN" altLang="en-US" smtClean="0"/>
-              <a:t>2017/11/2</a:t>
+              <a:t>2017/11/7</a:t>
             </a:fld>
             <a:endParaRPr lang="zh-CN" altLang="en-US"/>
           </a:p>
@@ -5953,7 +5956,7 @@
           <a:p>
             <a:fld id="{530820CF-B880-4189-942D-D702A7CBA730}" type="datetimeFigureOut">
               <a:rPr lang="zh-CN" altLang="en-US" smtClean="0"/>
-              <a:t>2017/11/2</a:t>
+              <a:t>2017/11/7</a:t>
             </a:fld>
             <a:endParaRPr lang="zh-CN" altLang="en-US"/>
           </a:p>
@@ -6161,7 +6164,7 @@
           <a:p>
             <a:fld id="{530820CF-B880-4189-942D-D702A7CBA730}" type="datetimeFigureOut">
               <a:rPr lang="zh-CN" altLang="en-US" smtClean="0"/>
-              <a:t>2017/11/2</a:t>
+              <a:t>2017/11/7</a:t>
             </a:fld>
             <a:endParaRPr lang="zh-CN" altLang="en-US"/>
           </a:p>
@@ -9996,6 +9999,927 @@
     <p:extLst>
       <p:ext uri="{BB962C8B-B14F-4D97-AF65-F5344CB8AC3E}">
         <p14:creationId xmlns:p14="http://schemas.microsoft.com/office/powerpoint/2010/main" val="3555145883"/>
+      </p:ext>
+    </p:extLst>
+  </p:cSld>
+  <p:clrMapOvr>
+    <a:masterClrMapping/>
+  </p:clrMapOvr>
+</p:sld>
+</file>
+
+<file path=ppt/slides/slide24.xml><?xml version="1.0" encoding="utf-8"?>
+<p:sld xmlns:a="http://schemas.openxmlformats.org/drawingml/2006/main" xmlns:r="http://schemas.openxmlformats.org/officeDocument/2006/relationships" xmlns:p="http://schemas.openxmlformats.org/presentationml/2006/main">
+  <p:cSld>
+    <p:spTree>
+      <p:nvGrpSpPr>
+        <p:cNvPr id="1" name=""/>
+        <p:cNvGrpSpPr/>
+        <p:nvPr/>
+      </p:nvGrpSpPr>
+      <p:grpSpPr>
+        <a:xfrm>
+          <a:off x="0" y="0"/>
+          <a:ext cx="0" cy="0"/>
+          <a:chOff x="0" y="0"/>
+          <a:chExt cx="0" cy="0"/>
+        </a:xfrm>
+      </p:grpSpPr>
+      <p:sp>
+        <p:nvSpPr>
+          <p:cNvPr id="2" name="椭圆 1"/>
+          <p:cNvSpPr/>
+          <p:nvPr/>
+        </p:nvSpPr>
+        <p:spPr>
+          <a:xfrm>
+            <a:off x="839245" y="1412776"/>
+            <a:ext cx="2664296" cy="648072"/>
+          </a:xfrm>
+          <a:prstGeom prst="ellipse">
+            <a:avLst/>
+          </a:prstGeom>
+        </p:spPr>
+        <p:style>
+          <a:lnRef idx="2">
+            <a:schemeClr val="accent3">
+              <a:shade val="50000"/>
+            </a:schemeClr>
+          </a:lnRef>
+          <a:fillRef idx="1">
+            <a:schemeClr val="accent3"/>
+          </a:fillRef>
+          <a:effectRef idx="0">
+            <a:schemeClr val="accent3"/>
+          </a:effectRef>
+          <a:fontRef idx="minor">
+            <a:schemeClr val="lt1"/>
+          </a:fontRef>
+        </p:style>
+        <p:txBody>
+          <a:bodyPr rtlCol="0" anchor="ctr"/>
+          <a:lstStyle/>
+          <a:p>
+            <a:pPr algn="ctr"/>
+            <a:r>
+              <a:rPr lang="en-US" altLang="zh-CN" dirty="0" err="1"/>
+              <a:t>OABizWFServiceI</a:t>
+            </a:r>
+            <a:endParaRPr lang="zh-CN" altLang="en-US" dirty="0"/>
+          </a:p>
+        </p:txBody>
+      </p:sp>
+      <p:sp>
+        <p:nvSpPr>
+          <p:cNvPr id="3" name="平行四边形 2"/>
+          <p:cNvSpPr/>
+          <p:nvPr/>
+        </p:nvSpPr>
+        <p:spPr>
+          <a:xfrm>
+            <a:off x="4191518" y="1484784"/>
+            <a:ext cx="3600400" cy="504056"/>
+          </a:xfrm>
+          <a:prstGeom prst="parallelogram">
+            <a:avLst/>
+          </a:prstGeom>
+        </p:spPr>
+        <p:style>
+          <a:lnRef idx="2">
+            <a:schemeClr val="accent3">
+              <a:shade val="50000"/>
+            </a:schemeClr>
+          </a:lnRef>
+          <a:fillRef idx="1">
+            <a:schemeClr val="accent3"/>
+          </a:fillRef>
+          <a:effectRef idx="0">
+            <a:schemeClr val="accent3"/>
+          </a:effectRef>
+          <a:fontRef idx="minor">
+            <a:schemeClr val="lt1"/>
+          </a:fontRef>
+        </p:style>
+        <p:txBody>
+          <a:bodyPr rtlCol="0" anchor="ctr"/>
+          <a:lstStyle/>
+          <a:p>
+            <a:pPr algn="ctr"/>
+            <a:r>
+              <a:rPr lang="en-US" altLang="zh-CN" dirty="0" err="1"/>
+              <a:t>OABizWFServiceAspect</a:t>
+            </a:r>
+            <a:endParaRPr lang="zh-CN" altLang="en-US" dirty="0"/>
+          </a:p>
+        </p:txBody>
+      </p:sp>
+      <p:sp>
+        <p:nvSpPr>
+          <p:cNvPr id="4" name="椭圆 3"/>
+          <p:cNvSpPr/>
+          <p:nvPr/>
+        </p:nvSpPr>
+        <p:spPr>
+          <a:xfrm>
+            <a:off x="816978" y="2351441"/>
+            <a:ext cx="2664296" cy="648072"/>
+          </a:xfrm>
+          <a:prstGeom prst="ellipse">
+            <a:avLst/>
+          </a:prstGeom>
+        </p:spPr>
+        <p:style>
+          <a:lnRef idx="2">
+            <a:schemeClr val="accent1">
+              <a:shade val="50000"/>
+            </a:schemeClr>
+          </a:lnRef>
+          <a:fillRef idx="1">
+            <a:schemeClr val="accent1"/>
+          </a:fillRef>
+          <a:effectRef idx="0">
+            <a:schemeClr val="accent1"/>
+          </a:effectRef>
+          <a:fontRef idx="minor">
+            <a:schemeClr val="lt1"/>
+          </a:fontRef>
+        </p:style>
+        <p:txBody>
+          <a:bodyPr rtlCol="0" anchor="ctr"/>
+          <a:lstStyle/>
+          <a:p>
+            <a:pPr algn="ctr"/>
+            <a:r>
+              <a:rPr lang="en-US" altLang="zh-CN" dirty="0" err="1" smtClean="0"/>
+              <a:t>WorkflowBizI</a:t>
+            </a:r>
+            <a:endParaRPr lang="zh-CN" altLang="en-US" dirty="0"/>
+          </a:p>
+        </p:txBody>
+      </p:sp>
+      <p:sp>
+        <p:nvSpPr>
+          <p:cNvPr id="5" name="平行四边形 4"/>
+          <p:cNvSpPr/>
+          <p:nvPr/>
+        </p:nvSpPr>
+        <p:spPr>
+          <a:xfrm>
+            <a:off x="4139389" y="2469464"/>
+            <a:ext cx="3600400" cy="504056"/>
+          </a:xfrm>
+          <a:prstGeom prst="parallelogram">
+            <a:avLst/>
+          </a:prstGeom>
+        </p:spPr>
+        <p:style>
+          <a:lnRef idx="2">
+            <a:schemeClr val="accent1">
+              <a:shade val="50000"/>
+            </a:schemeClr>
+          </a:lnRef>
+          <a:fillRef idx="1">
+            <a:schemeClr val="accent1"/>
+          </a:fillRef>
+          <a:effectRef idx="0">
+            <a:schemeClr val="accent1"/>
+          </a:effectRef>
+          <a:fontRef idx="minor">
+            <a:schemeClr val="lt1"/>
+          </a:fontRef>
+        </p:style>
+        <p:txBody>
+          <a:bodyPr rtlCol="0" anchor="ctr"/>
+          <a:lstStyle/>
+          <a:p>
+            <a:pPr algn="ctr"/>
+            <a:r>
+              <a:rPr lang="en-US" altLang="zh-CN" dirty="0" err="1"/>
+              <a:t>WorkflowBizAspect</a:t>
+            </a:r>
+            <a:endParaRPr lang="zh-CN" altLang="en-US" dirty="0"/>
+          </a:p>
+        </p:txBody>
+      </p:sp>
+      <p:sp>
+        <p:nvSpPr>
+          <p:cNvPr id="6" name="TextBox 5"/>
+          <p:cNvSpPr txBox="1"/>
+          <p:nvPr/>
+        </p:nvSpPr>
+        <p:spPr>
+          <a:xfrm>
+            <a:off x="1043607" y="620688"/>
+            <a:ext cx="1989057" cy="646331"/>
+          </a:xfrm>
+          <a:prstGeom prst="rect">
+            <a:avLst/>
+          </a:prstGeom>
+        </p:spPr>
+        <p:style>
+          <a:lnRef idx="2">
+            <a:schemeClr val="accent3"/>
+          </a:lnRef>
+          <a:fillRef idx="1">
+            <a:schemeClr val="lt1"/>
+          </a:fillRef>
+          <a:effectRef idx="0">
+            <a:schemeClr val="accent3"/>
+          </a:effectRef>
+          <a:fontRef idx="minor">
+            <a:schemeClr val="dk1"/>
+          </a:fontRef>
+        </p:style>
+        <p:txBody>
+          <a:bodyPr wrap="square" rtlCol="0">
+            <a:spAutoFit/>
+          </a:bodyPr>
+          <a:lstStyle/>
+          <a:p>
+            <a:r>
+              <a:rPr lang="zh-CN" altLang="en-US" dirty="0" smtClean="0"/>
+              <a:t>供业务单据调用的流程接口</a:t>
+            </a:r>
+            <a:endParaRPr lang="zh-CN" altLang="en-US" dirty="0"/>
+          </a:p>
+        </p:txBody>
+      </p:sp>
+      <p:sp>
+        <p:nvSpPr>
+          <p:cNvPr id="7" name="TextBox 6"/>
+          <p:cNvSpPr txBox="1"/>
+          <p:nvPr/>
+        </p:nvSpPr>
+        <p:spPr>
+          <a:xfrm>
+            <a:off x="1104293" y="3538549"/>
+            <a:ext cx="1989057" cy="646331"/>
+          </a:xfrm>
+          <a:prstGeom prst="rect">
+            <a:avLst/>
+          </a:prstGeom>
+        </p:spPr>
+        <p:style>
+          <a:lnRef idx="2">
+            <a:schemeClr val="accent1"/>
+          </a:lnRef>
+          <a:fillRef idx="1">
+            <a:schemeClr val="lt1"/>
+          </a:fillRef>
+          <a:effectRef idx="0">
+            <a:schemeClr val="accent1"/>
+          </a:effectRef>
+          <a:fontRef idx="minor">
+            <a:schemeClr val="dk1"/>
+          </a:fontRef>
+        </p:style>
+        <p:txBody>
+          <a:bodyPr wrap="square" rtlCol="0">
+            <a:spAutoFit/>
+          </a:bodyPr>
+          <a:lstStyle/>
+          <a:p>
+            <a:r>
+              <a:rPr lang="zh-CN" altLang="en-US" dirty="0" smtClean="0"/>
+              <a:t>供流程接口调用的中间接口</a:t>
+            </a:r>
+            <a:endParaRPr lang="zh-CN" altLang="en-US" dirty="0"/>
+          </a:p>
+        </p:txBody>
+      </p:sp>
+      <p:sp>
+        <p:nvSpPr>
+          <p:cNvPr id="8" name="TextBox 7"/>
+          <p:cNvSpPr txBox="1"/>
+          <p:nvPr/>
+        </p:nvSpPr>
+        <p:spPr>
+          <a:xfrm>
+            <a:off x="4139389" y="3261552"/>
+            <a:ext cx="3672408" cy="1200329"/>
+          </a:xfrm>
+          <a:prstGeom prst="rect">
+            <a:avLst/>
+          </a:prstGeom>
+        </p:spPr>
+        <p:style>
+          <a:lnRef idx="2">
+            <a:schemeClr val="accent1"/>
+          </a:lnRef>
+          <a:fillRef idx="1">
+            <a:schemeClr val="lt1"/>
+          </a:fillRef>
+          <a:effectRef idx="0">
+            <a:schemeClr val="accent1"/>
+          </a:effectRef>
+          <a:fontRef idx="minor">
+            <a:schemeClr val="dk1"/>
+          </a:fontRef>
+        </p:style>
+        <p:txBody>
+          <a:bodyPr wrap="square" rtlCol="0">
+            <a:spAutoFit/>
+          </a:bodyPr>
+          <a:lstStyle/>
+          <a:p>
+            <a:r>
+              <a:rPr lang="zh-CN" altLang="en-US" dirty="0" smtClean="0"/>
+              <a:t>中间接口切面类主要用于加工流程引擎回执的预处理数据，并将加工后的数据返回给流程接口实现类的目标方法中，不涉及事务操作</a:t>
+            </a:r>
+            <a:endParaRPr lang="zh-CN" altLang="en-US" dirty="0"/>
+          </a:p>
+        </p:txBody>
+      </p:sp>
+      <p:sp>
+        <p:nvSpPr>
+          <p:cNvPr id="9" name="TextBox 8"/>
+          <p:cNvSpPr txBox="1"/>
+          <p:nvPr/>
+        </p:nvSpPr>
+        <p:spPr>
+          <a:xfrm>
+            <a:off x="4067944" y="404664"/>
+            <a:ext cx="4392488" cy="923330"/>
+          </a:xfrm>
+          <a:prstGeom prst="rect">
+            <a:avLst/>
+          </a:prstGeom>
+        </p:spPr>
+        <p:style>
+          <a:lnRef idx="2">
+            <a:schemeClr val="accent3"/>
+          </a:lnRef>
+          <a:fillRef idx="1">
+            <a:schemeClr val="lt1"/>
+          </a:fillRef>
+          <a:effectRef idx="0">
+            <a:schemeClr val="accent3"/>
+          </a:effectRef>
+          <a:fontRef idx="minor">
+            <a:schemeClr val="dk1"/>
+          </a:fontRef>
+        </p:style>
+        <p:txBody>
+          <a:bodyPr wrap="square" rtlCol="0">
+            <a:spAutoFit/>
+          </a:bodyPr>
+          <a:lstStyle/>
+          <a:p>
+            <a:r>
+              <a:rPr lang="zh-CN" altLang="en-US" dirty="0" smtClean="0"/>
+              <a:t>流程接口切面类主要用于流程接口方法调用前的参数校验，及部分方法调用前的相关业务操作，涉及部分事务操作</a:t>
+            </a:r>
+            <a:endParaRPr lang="zh-CN" altLang="en-US" dirty="0"/>
+          </a:p>
+        </p:txBody>
+      </p:sp>
+      <p:sp>
+        <p:nvSpPr>
+          <p:cNvPr id="10" name="圆角矩形 9"/>
+          <p:cNvSpPr/>
+          <p:nvPr/>
+        </p:nvSpPr>
+        <p:spPr>
+          <a:xfrm>
+            <a:off x="816978" y="4653136"/>
+            <a:ext cx="3084683" cy="720080"/>
+          </a:xfrm>
+          <a:prstGeom prst="roundRect">
+            <a:avLst/>
+          </a:prstGeom>
+        </p:spPr>
+        <p:style>
+          <a:lnRef idx="2">
+            <a:schemeClr val="accent1">
+              <a:shade val="50000"/>
+            </a:schemeClr>
+          </a:lnRef>
+          <a:fillRef idx="1">
+            <a:schemeClr val="accent1"/>
+          </a:fillRef>
+          <a:effectRef idx="0">
+            <a:schemeClr val="accent1"/>
+          </a:effectRef>
+          <a:fontRef idx="minor">
+            <a:schemeClr val="lt1"/>
+          </a:fontRef>
+        </p:style>
+        <p:txBody>
+          <a:bodyPr rtlCol="0" anchor="ctr"/>
+          <a:lstStyle/>
+          <a:p>
+            <a:pPr algn="ctr"/>
+            <a:r>
+              <a:rPr lang="en-US" altLang="zh-CN" dirty="0"/>
+              <a:t>ActBpm518EventListener</a:t>
+            </a:r>
+            <a:endParaRPr lang="zh-CN" altLang="en-US" dirty="0"/>
+          </a:p>
+        </p:txBody>
+      </p:sp>
+      <p:sp>
+        <p:nvSpPr>
+          <p:cNvPr id="12" name="TextBox 11"/>
+          <p:cNvSpPr txBox="1"/>
+          <p:nvPr/>
+        </p:nvSpPr>
+        <p:spPr>
+          <a:xfrm>
+            <a:off x="839245" y="5661248"/>
+            <a:ext cx="7477171" cy="646331"/>
+          </a:xfrm>
+          <a:prstGeom prst="rect">
+            <a:avLst/>
+          </a:prstGeom>
+          <a:noFill/>
+        </p:spPr>
+        <p:txBody>
+          <a:bodyPr wrap="square" rtlCol="0">
+            <a:spAutoFit/>
+          </a:bodyPr>
+          <a:lstStyle/>
+          <a:p>
+            <a:r>
+              <a:rPr lang="zh-CN" altLang="en-US" dirty="0" smtClean="0"/>
+              <a:t>流程引擎事件操作监听类，主要监听</a:t>
+            </a:r>
+            <a:r>
+              <a:rPr lang="zh-CN" altLang="en-US" dirty="0"/>
+              <a:t>结束流程实例</a:t>
+            </a:r>
+            <a:r>
+              <a:rPr lang="zh-CN" altLang="en-US" dirty="0" smtClean="0"/>
+              <a:t>事件，在结束事件完成后，调用业务单据接口执行后续的操作，涉及事务操作</a:t>
+            </a:r>
+            <a:endParaRPr lang="zh-CN" altLang="en-US" dirty="0"/>
+          </a:p>
+        </p:txBody>
+      </p:sp>
+      <p:cxnSp>
+        <p:nvCxnSpPr>
+          <p:cNvPr id="14" name="直接箭头连接符 13"/>
+          <p:cNvCxnSpPr>
+            <a:endCxn id="12" idx="0"/>
+          </p:cNvCxnSpPr>
+          <p:nvPr/>
+        </p:nvCxnSpPr>
+        <p:spPr>
+          <a:xfrm>
+            <a:off x="3901661" y="5373216"/>
+            <a:ext cx="676170" cy="288032"/>
+          </a:xfrm>
+          <a:prstGeom prst="straightConnector1">
+            <a:avLst/>
+          </a:prstGeom>
+          <a:ln>
+            <a:tailEnd type="arrow"/>
+          </a:ln>
+        </p:spPr>
+        <p:style>
+          <a:lnRef idx="2">
+            <a:schemeClr val="accent1"/>
+          </a:lnRef>
+          <a:fillRef idx="0">
+            <a:schemeClr val="accent1"/>
+          </a:fillRef>
+          <a:effectRef idx="1">
+            <a:schemeClr val="accent1"/>
+          </a:effectRef>
+          <a:fontRef idx="minor">
+            <a:schemeClr val="tx1"/>
+          </a:fontRef>
+        </p:style>
+      </p:cxnSp>
+      <p:cxnSp>
+        <p:nvCxnSpPr>
+          <p:cNvPr id="16" name="直接箭头连接符 15"/>
+          <p:cNvCxnSpPr>
+            <a:stCxn id="5" idx="4"/>
+            <a:endCxn id="8" idx="0"/>
+          </p:cNvCxnSpPr>
+          <p:nvPr/>
+        </p:nvCxnSpPr>
+        <p:spPr>
+          <a:xfrm>
+            <a:off x="5939589" y="2973520"/>
+            <a:ext cx="36004" cy="288032"/>
+          </a:xfrm>
+          <a:prstGeom prst="straightConnector1">
+            <a:avLst/>
+          </a:prstGeom>
+          <a:ln>
+            <a:tailEnd type="arrow"/>
+          </a:ln>
+        </p:spPr>
+        <p:style>
+          <a:lnRef idx="2">
+            <a:schemeClr val="accent1"/>
+          </a:lnRef>
+          <a:fillRef idx="0">
+            <a:schemeClr val="accent1"/>
+          </a:fillRef>
+          <a:effectRef idx="1">
+            <a:schemeClr val="accent1"/>
+          </a:effectRef>
+          <a:fontRef idx="minor">
+            <a:schemeClr val="tx1"/>
+          </a:fontRef>
+        </p:style>
+      </p:cxnSp>
+      <p:cxnSp>
+        <p:nvCxnSpPr>
+          <p:cNvPr id="18" name="直接箭头连接符 17"/>
+          <p:cNvCxnSpPr>
+            <a:endCxn id="7" idx="0"/>
+          </p:cNvCxnSpPr>
+          <p:nvPr/>
+        </p:nvCxnSpPr>
+        <p:spPr>
+          <a:xfrm flipH="1">
+            <a:off x="2098822" y="3117536"/>
+            <a:ext cx="72571" cy="421013"/>
+          </a:xfrm>
+          <a:prstGeom prst="straightConnector1">
+            <a:avLst/>
+          </a:prstGeom>
+          <a:ln>
+            <a:tailEnd type="arrow"/>
+          </a:ln>
+        </p:spPr>
+        <p:style>
+          <a:lnRef idx="2">
+            <a:schemeClr val="accent1"/>
+          </a:lnRef>
+          <a:fillRef idx="0">
+            <a:schemeClr val="accent1"/>
+          </a:fillRef>
+          <a:effectRef idx="1">
+            <a:schemeClr val="accent1"/>
+          </a:effectRef>
+          <a:fontRef idx="minor">
+            <a:schemeClr val="tx1"/>
+          </a:fontRef>
+        </p:style>
+      </p:cxnSp>
+    </p:spTree>
+    <p:extLst>
+      <p:ext uri="{BB962C8B-B14F-4D97-AF65-F5344CB8AC3E}">
+        <p14:creationId xmlns:p14="http://schemas.microsoft.com/office/powerpoint/2010/main" val="3885280266"/>
+      </p:ext>
+    </p:extLst>
+  </p:cSld>
+  <p:clrMapOvr>
+    <a:masterClrMapping/>
+  </p:clrMapOvr>
+</p:sld>
+</file>
+
+<file path=ppt/slides/slide25.xml><?xml version="1.0" encoding="utf-8"?>
+<p:sld xmlns:a="http://schemas.openxmlformats.org/drawingml/2006/main" xmlns:r="http://schemas.openxmlformats.org/officeDocument/2006/relationships" xmlns:p="http://schemas.openxmlformats.org/presentationml/2006/main">
+  <p:cSld>
+    <p:spTree>
+      <p:nvGrpSpPr>
+        <p:cNvPr id="1" name=""/>
+        <p:cNvGrpSpPr/>
+        <p:nvPr/>
+      </p:nvGrpSpPr>
+      <p:grpSpPr>
+        <a:xfrm>
+          <a:off x="0" y="0"/>
+          <a:ext cx="0" cy="0"/>
+          <a:chOff x="0" y="0"/>
+          <a:chExt cx="0" cy="0"/>
+        </a:xfrm>
+      </p:grpSpPr>
+      <p:sp>
+        <p:nvSpPr>
+          <p:cNvPr id="2" name="TextBox 1"/>
+          <p:cNvSpPr txBox="1"/>
+          <p:nvPr/>
+        </p:nvSpPr>
+        <p:spPr>
+          <a:xfrm>
+            <a:off x="626907" y="332656"/>
+            <a:ext cx="7776864" cy="6186309"/>
+          </a:xfrm>
+          <a:prstGeom prst="rect">
+            <a:avLst/>
+          </a:prstGeom>
+        </p:spPr>
+        <p:style>
+          <a:lnRef idx="2">
+            <a:schemeClr val="accent3"/>
+          </a:lnRef>
+          <a:fillRef idx="1">
+            <a:schemeClr val="lt1"/>
+          </a:fillRef>
+          <a:effectRef idx="0">
+            <a:schemeClr val="accent3"/>
+          </a:effectRef>
+          <a:fontRef idx="minor">
+            <a:schemeClr val="dk1"/>
+          </a:fontRef>
+        </p:style>
+        <p:txBody>
+          <a:bodyPr wrap="square" rtlCol="0">
+            <a:spAutoFit/>
+          </a:bodyPr>
+          <a:lstStyle/>
+          <a:p>
+            <a:pPr marL="342900" indent="-342900">
+              <a:buFont typeface="+mj-lt"/>
+              <a:buAutoNum type="arabicPeriod"/>
+            </a:pPr>
+            <a:r>
+              <a:rPr lang="zh-CN" altLang="en-US" dirty="0" smtClean="0"/>
+              <a:t>启动流程实例</a:t>
+            </a:r>
+            <a:endParaRPr lang="en-US" altLang="zh-CN" dirty="0" smtClean="0"/>
+          </a:p>
+          <a:p>
+            <a:pPr marL="800100" lvl="1" indent="-342900">
+              <a:buFont typeface="+mj-ea"/>
+              <a:buAutoNum type="circleNumDbPlain"/>
+            </a:pPr>
+            <a:r>
+              <a:rPr lang="zh-CN" altLang="en-US" dirty="0" smtClean="0"/>
+              <a:t>业务单据接口调用流程接口启动一个新的流程实例</a:t>
+            </a:r>
+            <a:endParaRPr lang="en-US" altLang="zh-CN" dirty="0" smtClean="0"/>
+          </a:p>
+          <a:p>
+            <a:pPr marL="800100" lvl="1" indent="-342900">
+              <a:buFont typeface="+mj-ea"/>
+              <a:buAutoNum type="circleNumDbPlain"/>
+            </a:pPr>
+            <a:r>
+              <a:rPr lang="zh-CN" altLang="en-US" dirty="0" smtClean="0"/>
+              <a:t>流程接口调用中间接口获取相关流程数据信息</a:t>
+            </a:r>
+            <a:endParaRPr lang="en-US" altLang="zh-CN" dirty="0" smtClean="0"/>
+          </a:p>
+          <a:p>
+            <a:pPr marL="1257300" lvl="2" indent="-342900">
+              <a:buFont typeface="+mj-lt"/>
+              <a:buAutoNum type="alphaLcParenR"/>
+            </a:pPr>
+            <a:r>
+              <a:rPr lang="zh-CN" altLang="en-US" dirty="0" smtClean="0"/>
+              <a:t>中间接口实现类调用流程引擎启动流程接口方法</a:t>
+            </a:r>
+            <a:endParaRPr lang="en-US" altLang="zh-CN" dirty="0" smtClean="0"/>
+          </a:p>
+          <a:p>
+            <a:pPr marL="1257300" lvl="2" indent="-342900">
+              <a:buFont typeface="+mj-lt"/>
+              <a:buAutoNum type="alphaLcParenR"/>
+            </a:pPr>
+            <a:r>
+              <a:rPr lang="zh-CN" altLang="en-US" dirty="0" smtClean="0"/>
+              <a:t>中间接口实现类的切面类根据调用参数（</a:t>
+            </a:r>
+            <a:r>
+              <a:rPr lang="en-US" altLang="zh-CN" dirty="0" smtClean="0"/>
+              <a:t>Map</a:t>
+            </a:r>
+            <a:r>
+              <a:rPr lang="zh-CN" altLang="en-US" dirty="0" smtClean="0"/>
+              <a:t>类型）和流程引擎端的相关数据，加工业务端所需的流程数据，并将加工后的数据作为返回值，返回给流程接口实现类的方法区</a:t>
+            </a:r>
+            <a:endParaRPr lang="en-US" altLang="zh-CN" dirty="0" smtClean="0"/>
+          </a:p>
+          <a:p>
+            <a:pPr marL="800100" lvl="1" indent="-342900">
+              <a:buFont typeface="+mj-lt"/>
+              <a:buAutoNum type="circleNumDbPlain"/>
+            </a:pPr>
+            <a:r>
+              <a:rPr lang="zh-CN" altLang="en-US" dirty="0"/>
+              <a:t>流程接口实现类方法区根据返回值，将数据插入至</a:t>
+            </a:r>
+            <a:r>
+              <a:rPr lang="zh-CN" altLang="en-US" dirty="0" smtClean="0"/>
+              <a:t>数据库</a:t>
+            </a:r>
+            <a:endParaRPr lang="en-US" altLang="zh-CN" dirty="0" smtClean="0"/>
+          </a:p>
+          <a:p>
+            <a:pPr marL="342900" indent="-342900">
+              <a:buFont typeface="+mj-lt"/>
+              <a:buAutoNum type="arabicPeriod"/>
+            </a:pPr>
+            <a:r>
+              <a:rPr lang="zh-CN" altLang="en-US" dirty="0" smtClean="0"/>
+              <a:t>执行环节之间自由流转</a:t>
+            </a:r>
+            <a:endParaRPr lang="en-US" altLang="zh-CN" dirty="0" smtClean="0"/>
+          </a:p>
+          <a:p>
+            <a:pPr marL="800100" lvl="1" indent="-342900">
+              <a:buFont typeface="+mj-ea"/>
+              <a:buAutoNum type="circleNumDbPlain"/>
+            </a:pPr>
+            <a:r>
+              <a:rPr lang="zh-CN" altLang="en-US" dirty="0" smtClean="0"/>
+              <a:t>流程接口的切面类进行目标方法调用前的参数校验</a:t>
+            </a:r>
+            <a:endParaRPr lang="en-US" altLang="zh-CN" dirty="0" smtClean="0"/>
+          </a:p>
+          <a:p>
+            <a:pPr marL="800100" lvl="1" indent="-342900">
+              <a:buFont typeface="+mj-ea"/>
+              <a:buAutoNum type="circleNumDbPlain"/>
+            </a:pPr>
+            <a:r>
+              <a:rPr lang="zh-CN" altLang="en-US" dirty="0" smtClean="0"/>
+              <a:t>参数校验通过后，对业务端流程的上一步参与者的工作项和审批记录数据做更新操作，并将部分数据动态添加至调用参数中</a:t>
+            </a:r>
+            <a:endParaRPr lang="en-US" altLang="zh-CN" dirty="0" smtClean="0"/>
+          </a:p>
+          <a:p>
+            <a:pPr marL="800100" lvl="1" indent="-342900">
+              <a:buFont typeface="+mj-ea"/>
+              <a:buAutoNum type="circleNumDbPlain"/>
+            </a:pPr>
+            <a:r>
+              <a:rPr lang="zh-CN" altLang="en-US" dirty="0" smtClean="0"/>
+              <a:t>调用中间接口方法完成工作项</a:t>
+            </a:r>
+            <a:endParaRPr lang="en-US" altLang="zh-CN" dirty="0" smtClean="0"/>
+          </a:p>
+          <a:p>
+            <a:pPr marL="1257300" lvl="2" indent="-342900">
+              <a:buFont typeface="+mj-lt"/>
+              <a:buAutoNum type="alphaLcParenR"/>
+            </a:pPr>
+            <a:r>
+              <a:rPr lang="zh-CN" altLang="en-US" dirty="0" smtClean="0"/>
+              <a:t>中间接口实现类调用流程引擎服务接口提交待办事项</a:t>
+            </a:r>
+            <a:endParaRPr lang="en-US" altLang="zh-CN" dirty="0" smtClean="0"/>
+          </a:p>
+          <a:p>
+            <a:pPr marL="1257300" lvl="2" indent="-342900">
+              <a:buFont typeface="+mj-lt"/>
+              <a:buAutoNum type="alphaLcParenR"/>
+            </a:pPr>
+            <a:r>
+              <a:rPr lang="zh-CN" altLang="en-US" dirty="0" smtClean="0"/>
+              <a:t>中间接口实现类的切面类中环绕通知方法，根据调用参数和流程引擎中的数据加工业务端所需的流程数据</a:t>
+            </a:r>
+            <a:endParaRPr lang="en-US" altLang="zh-CN" dirty="0" smtClean="0"/>
+          </a:p>
+          <a:p>
+            <a:pPr marL="1257300" lvl="2" indent="-342900">
+              <a:buFont typeface="+mj-lt"/>
+              <a:buAutoNum type="alphaLcParenR"/>
+            </a:pPr>
+            <a:r>
+              <a:rPr lang="zh-CN" altLang="en-US" dirty="0" smtClean="0"/>
+              <a:t>将加工后的数据作为返回值返回流程接口实现类的目标方法区</a:t>
+            </a:r>
+            <a:endParaRPr lang="en-US" altLang="zh-CN" dirty="0" smtClean="0"/>
+          </a:p>
+          <a:p>
+            <a:pPr marL="800100" lvl="1" indent="-342900">
+              <a:buFont typeface="+mj-lt"/>
+              <a:buAutoNum type="circleNumDbPlain"/>
+            </a:pPr>
+            <a:r>
+              <a:rPr lang="zh-CN" altLang="en-US" dirty="0" smtClean="0"/>
+              <a:t>流程接口目标方法区将回执的数据新增至数据库中</a:t>
+            </a:r>
+            <a:endParaRPr lang="en-US" altLang="zh-CN" dirty="0" smtClean="0"/>
+          </a:p>
+          <a:p>
+            <a:pPr marL="342900" indent="-342900">
+              <a:buFont typeface="+mj-lt"/>
+              <a:buAutoNum type="arabicPeriod"/>
+            </a:pPr>
+            <a:r>
+              <a:rPr lang="zh-CN" altLang="en-US" dirty="0" smtClean="0"/>
+              <a:t>结束流程实例</a:t>
+            </a:r>
+            <a:endParaRPr lang="en-US" altLang="zh-CN" dirty="0" smtClean="0"/>
+          </a:p>
+          <a:p>
+            <a:pPr marL="800100" lvl="1" indent="-342900">
+              <a:buFont typeface="+mj-lt"/>
+              <a:buAutoNum type="circleNumDbPlain"/>
+            </a:pPr>
+            <a:r>
+              <a:rPr lang="zh-CN" altLang="en-US" dirty="0"/>
+              <a:t>调用流程接口完成工作项的方法，完成当前工作项</a:t>
+            </a:r>
+            <a:endParaRPr lang="en-US" altLang="zh-CN" dirty="0"/>
+          </a:p>
+          <a:p>
+            <a:pPr marL="800100" lvl="1" indent="-342900">
+              <a:buFont typeface="+mj-lt"/>
+              <a:buAutoNum type="circleNumDbPlain"/>
+            </a:pPr>
+            <a:r>
+              <a:rPr lang="zh-CN" altLang="en-US" dirty="0"/>
+              <a:t>在流程引擎的监听类中执行流程完成事件的目标方法，对业务单据的后续逻辑进行</a:t>
+            </a:r>
+            <a:r>
+              <a:rPr lang="zh-CN" altLang="en-US" dirty="0" smtClean="0"/>
+              <a:t>处理</a:t>
+            </a:r>
+            <a:endParaRPr lang="en-US" altLang="zh-CN" dirty="0"/>
+          </a:p>
+        </p:txBody>
+      </p:sp>
+    </p:spTree>
+    <p:extLst>
+      <p:ext uri="{BB962C8B-B14F-4D97-AF65-F5344CB8AC3E}">
+        <p14:creationId xmlns:p14="http://schemas.microsoft.com/office/powerpoint/2010/main" val="2822589532"/>
+      </p:ext>
+    </p:extLst>
+  </p:cSld>
+  <p:clrMapOvr>
+    <a:masterClrMapping/>
+  </p:clrMapOvr>
+</p:sld>
+</file>
+
+<file path=ppt/slides/slide26.xml><?xml version="1.0" encoding="utf-8"?>
+<p:sld xmlns:a="http://schemas.openxmlformats.org/drawingml/2006/main" xmlns:r="http://schemas.openxmlformats.org/officeDocument/2006/relationships" xmlns:p="http://schemas.openxmlformats.org/presentationml/2006/main">
+  <p:cSld>
+    <p:spTree>
+      <p:nvGrpSpPr>
+        <p:cNvPr id="1" name=""/>
+        <p:cNvGrpSpPr/>
+        <p:nvPr/>
+      </p:nvGrpSpPr>
+      <p:grpSpPr>
+        <a:xfrm>
+          <a:off x="0" y="0"/>
+          <a:ext cx="0" cy="0"/>
+          <a:chOff x="0" y="0"/>
+          <a:chExt cx="0" cy="0"/>
+        </a:xfrm>
+      </p:grpSpPr>
+      <p:sp>
+        <p:nvSpPr>
+          <p:cNvPr id="2" name="TextBox 1"/>
+          <p:cNvSpPr txBox="1"/>
+          <p:nvPr/>
+        </p:nvSpPr>
+        <p:spPr>
+          <a:xfrm>
+            <a:off x="683568" y="764704"/>
+            <a:ext cx="7776864" cy="1477328"/>
+          </a:xfrm>
+          <a:prstGeom prst="rect">
+            <a:avLst/>
+          </a:prstGeom>
+          <a:noFill/>
+        </p:spPr>
+        <p:txBody>
+          <a:bodyPr wrap="square" rtlCol="0">
+            <a:spAutoFit/>
+          </a:bodyPr>
+          <a:lstStyle/>
+          <a:p>
+            <a:pPr marL="285750" indent="-285750">
+              <a:buFont typeface="Wingdings" panose="05000000000000000000" pitchFamily="2" charset="2"/>
+              <a:buChar char="Ø"/>
+            </a:pPr>
+            <a:r>
+              <a:rPr lang="zh-CN" altLang="en-US" dirty="0" smtClean="0"/>
+              <a:t>流程接口的切面类：负责执行涉及数据库事务的相关操作</a:t>
+            </a:r>
+            <a:endParaRPr lang="en-US" altLang="zh-CN" dirty="0" smtClean="0"/>
+          </a:p>
+          <a:p>
+            <a:pPr marL="285750" indent="-285750">
+              <a:buFont typeface="Wingdings" panose="05000000000000000000" pitchFamily="2" charset="2"/>
+              <a:buChar char="Ø"/>
+            </a:pPr>
+            <a:r>
+              <a:rPr lang="zh-CN" altLang="en-US" dirty="0" smtClean="0"/>
+              <a:t>中间接口的切面类：负责加工所需回执的预处理数据，不涉及对业务流程数据进行事务操作</a:t>
+            </a:r>
+            <a:endParaRPr lang="en-US" altLang="zh-CN" dirty="0" smtClean="0"/>
+          </a:p>
+          <a:p>
+            <a:pPr marL="285750" indent="-285750">
+              <a:buFont typeface="Wingdings" panose="05000000000000000000" pitchFamily="2" charset="2"/>
+              <a:buChar char="Ø"/>
+            </a:pPr>
+            <a:r>
+              <a:rPr lang="zh-CN" altLang="en-US" dirty="0" smtClean="0"/>
+              <a:t>流程引擎事件监听类：负责流程实例结束后对业务单据相关数据执行更新操作，通过调用接口的方法实现</a:t>
+            </a:r>
+            <a:endParaRPr lang="zh-CN" altLang="en-US" dirty="0"/>
+          </a:p>
+        </p:txBody>
+      </p:sp>
+    </p:spTree>
+    <p:extLst>
+      <p:ext uri="{BB962C8B-B14F-4D97-AF65-F5344CB8AC3E}">
+        <p14:creationId xmlns:p14="http://schemas.microsoft.com/office/powerpoint/2010/main" val="4166658933"/>
       </p:ext>
     </p:extLst>
   </p:cSld>

--- a/WebContent/docs/BPM前期项目准备_20171026.pptx
+++ b/WebContent/docs/BPM前期项目准备_20171026.pptx
@@ -31,6 +31,10 @@
     <p:sldId id="279" r:id="rId25"/>
     <p:sldId id="280" r:id="rId26"/>
     <p:sldId id="281" r:id="rId27"/>
+    <p:sldId id="282" r:id="rId28"/>
+    <p:sldId id="283" r:id="rId29"/>
+    <p:sldId id="284" r:id="rId30"/>
+    <p:sldId id="285" r:id="rId31"/>
   </p:sldIdLst>
   <p:sldSz cx="9144000" cy="6858000" type="screen4x3"/>
   <p:notesSz cx="6858000" cy="9144000"/>
@@ -3787,7 +3791,7 @@
           <a:p>
             <a:fld id="{530820CF-B880-4189-942D-D702A7CBA730}" type="datetimeFigureOut">
               <a:rPr lang="zh-CN" altLang="en-US" smtClean="0"/>
-              <a:t>2017/11/7</a:t>
+              <a:t>2017/11/15</a:t>
             </a:fld>
             <a:endParaRPr lang="zh-CN" altLang="en-US"/>
           </a:p>
@@ -3952,7 +3956,7 @@
           <a:p>
             <a:fld id="{530820CF-B880-4189-942D-D702A7CBA730}" type="datetimeFigureOut">
               <a:rPr lang="zh-CN" altLang="en-US" smtClean="0"/>
-              <a:t>2017/11/7</a:t>
+              <a:t>2017/11/15</a:t>
             </a:fld>
             <a:endParaRPr lang="zh-CN" altLang="en-US"/>
           </a:p>
@@ -4127,7 +4131,7 @@
           <a:p>
             <a:fld id="{530820CF-B880-4189-942D-D702A7CBA730}" type="datetimeFigureOut">
               <a:rPr lang="zh-CN" altLang="en-US" smtClean="0"/>
-              <a:t>2017/11/7</a:t>
+              <a:t>2017/11/15</a:t>
             </a:fld>
             <a:endParaRPr lang="zh-CN" altLang="en-US"/>
           </a:p>
@@ -4292,7 +4296,7 @@
           <a:p>
             <a:fld id="{530820CF-B880-4189-942D-D702A7CBA730}" type="datetimeFigureOut">
               <a:rPr lang="zh-CN" altLang="en-US" smtClean="0"/>
-              <a:t>2017/11/7</a:t>
+              <a:t>2017/11/15</a:t>
             </a:fld>
             <a:endParaRPr lang="zh-CN" altLang="en-US"/>
           </a:p>
@@ -4533,7 +4537,7 @@
           <a:p>
             <a:fld id="{530820CF-B880-4189-942D-D702A7CBA730}" type="datetimeFigureOut">
               <a:rPr lang="zh-CN" altLang="en-US" smtClean="0"/>
-              <a:t>2017/11/7</a:t>
+              <a:t>2017/11/15</a:t>
             </a:fld>
             <a:endParaRPr lang="zh-CN" altLang="en-US"/>
           </a:p>
@@ -4816,7 +4820,7 @@
           <a:p>
             <a:fld id="{530820CF-B880-4189-942D-D702A7CBA730}" type="datetimeFigureOut">
               <a:rPr lang="zh-CN" altLang="en-US" smtClean="0"/>
-              <a:t>2017/11/7</a:t>
+              <a:t>2017/11/15</a:t>
             </a:fld>
             <a:endParaRPr lang="zh-CN" altLang="en-US"/>
           </a:p>
@@ -5233,7 +5237,7 @@
           <a:p>
             <a:fld id="{530820CF-B880-4189-942D-D702A7CBA730}" type="datetimeFigureOut">
               <a:rPr lang="zh-CN" altLang="en-US" smtClean="0"/>
-              <a:t>2017/11/7</a:t>
+              <a:t>2017/11/15</a:t>
             </a:fld>
             <a:endParaRPr lang="zh-CN" altLang="en-US"/>
           </a:p>
@@ -5346,7 +5350,7 @@
           <a:p>
             <a:fld id="{530820CF-B880-4189-942D-D702A7CBA730}" type="datetimeFigureOut">
               <a:rPr lang="zh-CN" altLang="en-US" smtClean="0"/>
-              <a:t>2017/11/7</a:t>
+              <a:t>2017/11/15</a:t>
             </a:fld>
             <a:endParaRPr lang="zh-CN" altLang="en-US"/>
           </a:p>
@@ -5436,7 +5440,7 @@
           <a:p>
             <a:fld id="{530820CF-B880-4189-942D-D702A7CBA730}" type="datetimeFigureOut">
               <a:rPr lang="zh-CN" altLang="en-US" smtClean="0"/>
-              <a:t>2017/11/7</a:t>
+              <a:t>2017/11/15</a:t>
             </a:fld>
             <a:endParaRPr lang="zh-CN" altLang="en-US"/>
           </a:p>
@@ -5708,7 +5712,7 @@
           <a:p>
             <a:fld id="{530820CF-B880-4189-942D-D702A7CBA730}" type="datetimeFigureOut">
               <a:rPr lang="zh-CN" altLang="en-US" smtClean="0"/>
-              <a:t>2017/11/7</a:t>
+              <a:t>2017/11/15</a:t>
             </a:fld>
             <a:endParaRPr lang="zh-CN" altLang="en-US"/>
           </a:p>
@@ -5956,7 +5960,7 @@
           <a:p>
             <a:fld id="{530820CF-B880-4189-942D-D702A7CBA730}" type="datetimeFigureOut">
               <a:rPr lang="zh-CN" altLang="en-US" smtClean="0"/>
-              <a:t>2017/11/7</a:t>
+              <a:t>2017/11/15</a:t>
             </a:fld>
             <a:endParaRPr lang="zh-CN" altLang="en-US"/>
           </a:p>
@@ -6164,7 +6168,7 @@
           <a:p>
             <a:fld id="{530820CF-B880-4189-942D-D702A7CBA730}" type="datetimeFigureOut">
               <a:rPr lang="zh-CN" altLang="en-US" smtClean="0"/>
-              <a:t>2017/11/7</a:t>
+              <a:t>2017/11/15</a:t>
             </a:fld>
             <a:endParaRPr lang="zh-CN" altLang="en-US"/>
           </a:p>
@@ -10929,6 +10933,611 @@
 </p:sld>
 </file>
 
+<file path=ppt/slides/slide27.xml><?xml version="1.0" encoding="utf-8"?>
+<p:sld xmlns:a="http://schemas.openxmlformats.org/drawingml/2006/main" xmlns:r="http://schemas.openxmlformats.org/officeDocument/2006/relationships" xmlns:p="http://schemas.openxmlformats.org/presentationml/2006/main">
+  <p:cSld>
+    <p:spTree>
+      <p:nvGrpSpPr>
+        <p:cNvPr id="1" name=""/>
+        <p:cNvGrpSpPr/>
+        <p:nvPr/>
+      </p:nvGrpSpPr>
+      <p:grpSpPr>
+        <a:xfrm>
+          <a:off x="0" y="0"/>
+          <a:ext cx="0" cy="0"/>
+          <a:chOff x="0" y="0"/>
+          <a:chExt cx="0" cy="0"/>
+        </a:xfrm>
+      </p:grpSpPr>
+      <p:sp>
+        <p:nvSpPr>
+          <p:cNvPr id="2" name="TextBox 1"/>
+          <p:cNvSpPr txBox="1"/>
+          <p:nvPr/>
+        </p:nvSpPr>
+        <p:spPr>
+          <a:xfrm>
+            <a:off x="539552" y="620688"/>
+            <a:ext cx="8136904" cy="369332"/>
+          </a:xfrm>
+          <a:prstGeom prst="rect">
+            <a:avLst/>
+          </a:prstGeom>
+          <a:noFill/>
+        </p:spPr>
+        <p:txBody>
+          <a:bodyPr wrap="square" rtlCol="0">
+            <a:spAutoFit/>
+          </a:bodyPr>
+          <a:lstStyle/>
+          <a:p>
+            <a:r>
+              <a:rPr lang="zh-CN" altLang="en-US" dirty="0" smtClean="0"/>
+              <a:t>事物发展的趋势</a:t>
+            </a:r>
+            <a:endParaRPr lang="zh-CN" altLang="en-US" dirty="0"/>
+          </a:p>
+        </p:txBody>
+      </p:sp>
+      <p:sp>
+        <p:nvSpPr>
+          <p:cNvPr id="3" name="圆角矩形 2"/>
+          <p:cNvSpPr/>
+          <p:nvPr/>
+        </p:nvSpPr>
+        <p:spPr>
+          <a:xfrm>
+            <a:off x="1043608" y="1298735"/>
+            <a:ext cx="7344816" cy="1008112"/>
+          </a:xfrm>
+          <a:prstGeom prst="roundRect">
+            <a:avLst/>
+          </a:prstGeom>
+        </p:spPr>
+        <p:style>
+          <a:lnRef idx="2">
+            <a:schemeClr val="accent1">
+              <a:shade val="50000"/>
+            </a:schemeClr>
+          </a:lnRef>
+          <a:fillRef idx="1">
+            <a:schemeClr val="accent1"/>
+          </a:fillRef>
+          <a:effectRef idx="0">
+            <a:schemeClr val="accent1"/>
+          </a:effectRef>
+          <a:fontRef idx="minor">
+            <a:schemeClr val="lt1"/>
+          </a:fontRef>
+        </p:style>
+        <p:txBody>
+          <a:bodyPr rtlCol="0" anchor="ctr"/>
+          <a:lstStyle/>
+          <a:p>
+            <a:pPr algn="ctr"/>
+            <a:endParaRPr lang="zh-CN" altLang="en-US"/>
+          </a:p>
+        </p:txBody>
+      </p:sp>
+      <p:sp>
+        <p:nvSpPr>
+          <p:cNvPr id="4" name="圆角矩形 3"/>
+          <p:cNvSpPr/>
+          <p:nvPr/>
+        </p:nvSpPr>
+        <p:spPr>
+          <a:xfrm>
+            <a:off x="1043608" y="3485401"/>
+            <a:ext cx="1512168" cy="792088"/>
+          </a:xfrm>
+          <a:prstGeom prst="roundRect">
+            <a:avLst/>
+          </a:prstGeom>
+        </p:spPr>
+        <p:style>
+          <a:lnRef idx="2">
+            <a:schemeClr val="accent1">
+              <a:shade val="50000"/>
+            </a:schemeClr>
+          </a:lnRef>
+          <a:fillRef idx="1">
+            <a:schemeClr val="accent1"/>
+          </a:fillRef>
+          <a:effectRef idx="0">
+            <a:schemeClr val="accent1"/>
+          </a:effectRef>
+          <a:fontRef idx="minor">
+            <a:schemeClr val="lt1"/>
+          </a:fontRef>
+        </p:style>
+        <p:txBody>
+          <a:bodyPr rtlCol="0" anchor="ctr"/>
+          <a:lstStyle/>
+          <a:p>
+            <a:pPr algn="ctr"/>
+            <a:endParaRPr lang="zh-CN" altLang="en-US"/>
+          </a:p>
+        </p:txBody>
+      </p:sp>
+      <p:sp>
+        <p:nvSpPr>
+          <p:cNvPr id="5" name="圆角矩形 4"/>
+          <p:cNvSpPr/>
+          <p:nvPr/>
+        </p:nvSpPr>
+        <p:spPr>
+          <a:xfrm>
+            <a:off x="2987824" y="3485401"/>
+            <a:ext cx="1512168" cy="792088"/>
+          </a:xfrm>
+          <a:prstGeom prst="roundRect">
+            <a:avLst/>
+          </a:prstGeom>
+        </p:spPr>
+        <p:style>
+          <a:lnRef idx="2">
+            <a:schemeClr val="accent1">
+              <a:shade val="50000"/>
+            </a:schemeClr>
+          </a:lnRef>
+          <a:fillRef idx="1">
+            <a:schemeClr val="accent1"/>
+          </a:fillRef>
+          <a:effectRef idx="0">
+            <a:schemeClr val="accent1"/>
+          </a:effectRef>
+          <a:fontRef idx="minor">
+            <a:schemeClr val="lt1"/>
+          </a:fontRef>
+        </p:style>
+        <p:txBody>
+          <a:bodyPr rtlCol="0" anchor="ctr"/>
+          <a:lstStyle/>
+          <a:p>
+            <a:pPr algn="ctr"/>
+            <a:endParaRPr lang="zh-CN" altLang="en-US"/>
+          </a:p>
+        </p:txBody>
+      </p:sp>
+      <p:sp>
+        <p:nvSpPr>
+          <p:cNvPr id="6" name="圆角矩形 5"/>
+          <p:cNvSpPr/>
+          <p:nvPr/>
+        </p:nvSpPr>
+        <p:spPr>
+          <a:xfrm>
+            <a:off x="4932040" y="3485401"/>
+            <a:ext cx="1512168" cy="792088"/>
+          </a:xfrm>
+          <a:prstGeom prst="roundRect">
+            <a:avLst/>
+          </a:prstGeom>
+        </p:spPr>
+        <p:style>
+          <a:lnRef idx="2">
+            <a:schemeClr val="accent1">
+              <a:shade val="50000"/>
+            </a:schemeClr>
+          </a:lnRef>
+          <a:fillRef idx="1">
+            <a:schemeClr val="accent1"/>
+          </a:fillRef>
+          <a:effectRef idx="0">
+            <a:schemeClr val="accent1"/>
+          </a:effectRef>
+          <a:fontRef idx="minor">
+            <a:schemeClr val="lt1"/>
+          </a:fontRef>
+        </p:style>
+        <p:txBody>
+          <a:bodyPr rtlCol="0" anchor="ctr"/>
+          <a:lstStyle/>
+          <a:p>
+            <a:pPr algn="ctr"/>
+            <a:endParaRPr lang="zh-CN" altLang="en-US"/>
+          </a:p>
+        </p:txBody>
+      </p:sp>
+      <p:sp>
+        <p:nvSpPr>
+          <p:cNvPr id="7" name="圆角矩形 6"/>
+          <p:cNvSpPr/>
+          <p:nvPr/>
+        </p:nvSpPr>
+        <p:spPr>
+          <a:xfrm>
+            <a:off x="6876256" y="3485401"/>
+            <a:ext cx="1512168" cy="792088"/>
+          </a:xfrm>
+          <a:prstGeom prst="roundRect">
+            <a:avLst/>
+          </a:prstGeom>
+        </p:spPr>
+        <p:style>
+          <a:lnRef idx="2">
+            <a:schemeClr val="accent1">
+              <a:shade val="50000"/>
+            </a:schemeClr>
+          </a:lnRef>
+          <a:fillRef idx="1">
+            <a:schemeClr val="accent1"/>
+          </a:fillRef>
+          <a:effectRef idx="0">
+            <a:schemeClr val="accent1"/>
+          </a:effectRef>
+          <a:fontRef idx="minor">
+            <a:schemeClr val="lt1"/>
+          </a:fontRef>
+        </p:style>
+        <p:txBody>
+          <a:bodyPr rtlCol="0" anchor="ctr"/>
+          <a:lstStyle/>
+          <a:p>
+            <a:pPr algn="ctr"/>
+            <a:endParaRPr lang="zh-CN" altLang="en-US"/>
+          </a:p>
+        </p:txBody>
+      </p:sp>
+      <p:sp>
+        <p:nvSpPr>
+          <p:cNvPr id="8" name="圆角矩形 7"/>
+          <p:cNvSpPr/>
+          <p:nvPr/>
+        </p:nvSpPr>
+        <p:spPr>
+          <a:xfrm>
+            <a:off x="1043608" y="5301208"/>
+            <a:ext cx="7344816" cy="1008112"/>
+          </a:xfrm>
+          <a:prstGeom prst="roundRect">
+            <a:avLst/>
+          </a:prstGeom>
+        </p:spPr>
+        <p:style>
+          <a:lnRef idx="2">
+            <a:schemeClr val="accent1">
+              <a:shade val="50000"/>
+            </a:schemeClr>
+          </a:lnRef>
+          <a:fillRef idx="1">
+            <a:schemeClr val="accent1"/>
+          </a:fillRef>
+          <a:effectRef idx="0">
+            <a:schemeClr val="accent1"/>
+          </a:effectRef>
+          <a:fontRef idx="minor">
+            <a:schemeClr val="lt1"/>
+          </a:fontRef>
+        </p:style>
+        <p:txBody>
+          <a:bodyPr rtlCol="0" anchor="ctr"/>
+          <a:lstStyle/>
+          <a:p>
+            <a:pPr algn="ctr"/>
+            <a:endParaRPr lang="zh-CN" altLang="en-US"/>
+          </a:p>
+        </p:txBody>
+      </p:sp>
+    </p:spTree>
+    <p:extLst>
+      <p:ext uri="{BB962C8B-B14F-4D97-AF65-F5344CB8AC3E}">
+        <p14:creationId xmlns:p14="http://schemas.microsoft.com/office/powerpoint/2010/main" val="1284762373"/>
+      </p:ext>
+    </p:extLst>
+  </p:cSld>
+  <p:clrMapOvr>
+    <a:masterClrMapping/>
+  </p:clrMapOvr>
+</p:sld>
+</file>
+
+<file path=ppt/slides/slide28.xml><?xml version="1.0" encoding="utf-8"?>
+<p:sld xmlns:a="http://schemas.openxmlformats.org/drawingml/2006/main" xmlns:r="http://schemas.openxmlformats.org/officeDocument/2006/relationships" xmlns:p="http://schemas.openxmlformats.org/presentationml/2006/main">
+  <p:cSld>
+    <p:spTree>
+      <p:nvGrpSpPr>
+        <p:cNvPr id="1" name=""/>
+        <p:cNvGrpSpPr/>
+        <p:nvPr/>
+      </p:nvGrpSpPr>
+      <p:grpSpPr>
+        <a:xfrm>
+          <a:off x="0" y="0"/>
+          <a:ext cx="0" cy="0"/>
+          <a:chOff x="0" y="0"/>
+          <a:chExt cx="0" cy="0"/>
+        </a:xfrm>
+      </p:grpSpPr>
+      <p:sp>
+        <p:nvSpPr>
+          <p:cNvPr id="2" name="TextBox 1"/>
+          <p:cNvSpPr txBox="1"/>
+          <p:nvPr/>
+        </p:nvSpPr>
+        <p:spPr>
+          <a:xfrm>
+            <a:off x="611560" y="692696"/>
+            <a:ext cx="8064896" cy="5078313"/>
+          </a:xfrm>
+          <a:prstGeom prst="rect">
+            <a:avLst/>
+          </a:prstGeom>
+        </p:spPr>
+        <p:style>
+          <a:lnRef idx="2">
+            <a:schemeClr val="accent3"/>
+          </a:lnRef>
+          <a:fillRef idx="1">
+            <a:schemeClr val="lt1"/>
+          </a:fillRef>
+          <a:effectRef idx="0">
+            <a:schemeClr val="accent3"/>
+          </a:effectRef>
+          <a:fontRef idx="minor">
+            <a:schemeClr val="dk1"/>
+          </a:fontRef>
+        </p:style>
+        <p:txBody>
+          <a:bodyPr wrap="square" rtlCol="0">
+            <a:spAutoFit/>
+          </a:bodyPr>
+          <a:lstStyle/>
+          <a:p>
+            <a:pPr marL="285750" indent="-285750">
+              <a:buFont typeface="Wingdings" panose="05000000000000000000" pitchFamily="2" charset="2"/>
+              <a:buChar char="Ø"/>
+            </a:pPr>
+            <a:r>
+              <a:rPr lang="zh-CN" altLang="en-US" dirty="0" smtClean="0"/>
+              <a:t>时间序列</a:t>
+            </a:r>
+            <a:endParaRPr lang="en-US" altLang="zh-CN" dirty="0" smtClean="0"/>
+          </a:p>
+          <a:p>
+            <a:pPr lvl="1"/>
+            <a:r>
+              <a:rPr lang="zh-CN" altLang="en-US" dirty="0" smtClean="0"/>
+              <a:t>宇宙的时间是无限期的，几百亿年也就是一瞬间</a:t>
+            </a:r>
+            <a:endParaRPr lang="en-US" altLang="zh-CN" dirty="0" smtClean="0"/>
+          </a:p>
+          <a:p>
+            <a:pPr lvl="1"/>
+            <a:r>
+              <a:rPr lang="zh-CN" altLang="en-US" dirty="0" smtClean="0"/>
+              <a:t>以几百亿年为基准，人类的生命是微分之一，相对于宇宙来讲，每一个时刻量的变化都是可以忽略不计的，只要在几百亿期间，事物能达到动量守恒即可，所以万事万物，在某一个时间区间内，不平等的状态是事实，不可改变，但是事物发展规律决定着，最终将会演变为某种状态，动态达到平衡，故事物在当前时序下生存</a:t>
+            </a:r>
+            <a:r>
+              <a:rPr lang="zh-CN" altLang="en-US" dirty="0" smtClean="0"/>
+              <a:t>的原则为：借势生存。</a:t>
+            </a:r>
+            <a:endParaRPr lang="en-US" altLang="zh-CN" dirty="0" smtClean="0"/>
+          </a:p>
+          <a:p>
+            <a:pPr lvl="1"/>
+            <a:r>
+              <a:rPr lang="zh-CN" altLang="en-US" dirty="0" smtClean="0"/>
+              <a:t>即分析清楚当前实际状态，分析自己生存所需要的态势条件，往相关态势中行进，即可得势而活。</a:t>
+            </a:r>
+            <a:endParaRPr lang="en-US" altLang="zh-CN" dirty="0" smtClean="0"/>
+          </a:p>
+          <a:p>
+            <a:pPr lvl="1"/>
+            <a:r>
+              <a:rPr lang="zh-CN" altLang="en-US" dirty="0" smtClean="0"/>
+              <a:t>当前时间片是为了下一个时间片做准备，造物者究竟何意，我们不知，但是我们能知道的是当前时间片要做什么事情，后续时间片最终的趋势为何物，暂时也不知。</a:t>
+            </a:r>
+            <a:endParaRPr lang="en-US" altLang="zh-CN" dirty="0" smtClean="0"/>
+          </a:p>
+          <a:p>
+            <a:pPr lvl="1"/>
+            <a:r>
+              <a:rPr lang="zh-CN" altLang="en-US" dirty="0" smtClean="0"/>
+              <a:t>事物的发展趋势就是活好当下，事物都存在两面性，万事万物均有其当下的状态，不能改变，要改变也要随着时间的运动进行相关调整，有的需要调整几万年之久，故趋利避害为事物在当前时刻效率最佳的生存属性。</a:t>
+            </a:r>
+            <a:endParaRPr lang="en-US" altLang="zh-CN" dirty="0" smtClean="0"/>
+          </a:p>
+          <a:p>
+            <a:pPr lvl="1"/>
+            <a:r>
+              <a:rPr lang="zh-CN" altLang="en-US" dirty="0" smtClean="0"/>
+              <a:t>事物都是随机的、无序的，充满着不确定性，目前可行预测方案之一，分析确认事物出现相关事件的概率的多少，通过微积分，无限趋近于概率，则能实现预期的效果，反之则违背客观规律，事与愿违。</a:t>
+            </a:r>
+            <a:endParaRPr lang="zh-CN" altLang="en-US" dirty="0"/>
+          </a:p>
+        </p:txBody>
+      </p:sp>
+    </p:spTree>
+    <p:extLst>
+      <p:ext uri="{BB962C8B-B14F-4D97-AF65-F5344CB8AC3E}">
+        <p14:creationId xmlns:p14="http://schemas.microsoft.com/office/powerpoint/2010/main" val="2867955697"/>
+      </p:ext>
+    </p:extLst>
+  </p:cSld>
+  <p:clrMapOvr>
+    <a:masterClrMapping/>
+  </p:clrMapOvr>
+</p:sld>
+</file>
+
+<file path=ppt/slides/slide29.xml><?xml version="1.0" encoding="utf-8"?>
+<p:sld xmlns:a="http://schemas.openxmlformats.org/drawingml/2006/main" xmlns:r="http://schemas.openxmlformats.org/officeDocument/2006/relationships" xmlns:p="http://schemas.openxmlformats.org/presentationml/2006/main">
+  <p:cSld>
+    <p:spTree>
+      <p:nvGrpSpPr>
+        <p:cNvPr id="1" name=""/>
+        <p:cNvGrpSpPr/>
+        <p:nvPr/>
+      </p:nvGrpSpPr>
+      <p:grpSpPr>
+        <a:xfrm>
+          <a:off x="0" y="0"/>
+          <a:ext cx="0" cy="0"/>
+          <a:chOff x="0" y="0"/>
+          <a:chExt cx="0" cy="0"/>
+        </a:xfrm>
+      </p:grpSpPr>
+      <p:sp>
+        <p:nvSpPr>
+          <p:cNvPr id="2" name="TextBox 1"/>
+          <p:cNvSpPr txBox="1"/>
+          <p:nvPr/>
+        </p:nvSpPr>
+        <p:spPr>
+          <a:xfrm>
+            <a:off x="611560" y="692696"/>
+            <a:ext cx="7992888" cy="5632311"/>
+          </a:xfrm>
+          <a:prstGeom prst="rect">
+            <a:avLst/>
+          </a:prstGeom>
+        </p:spPr>
+        <p:style>
+          <a:lnRef idx="2">
+            <a:schemeClr val="accent6"/>
+          </a:lnRef>
+          <a:fillRef idx="1">
+            <a:schemeClr val="lt1"/>
+          </a:fillRef>
+          <a:effectRef idx="0">
+            <a:schemeClr val="accent6"/>
+          </a:effectRef>
+          <a:fontRef idx="minor">
+            <a:schemeClr val="dk1"/>
+          </a:fontRef>
+        </p:style>
+        <p:txBody>
+          <a:bodyPr wrap="square" rtlCol="0">
+            <a:spAutoFit/>
+          </a:bodyPr>
+          <a:lstStyle/>
+          <a:p>
+            <a:pPr marL="285750" indent="-285750">
+              <a:buFont typeface="Wingdings" panose="05000000000000000000" pitchFamily="2" charset="2"/>
+              <a:buChar char="Ø"/>
+            </a:pPr>
+            <a:r>
+              <a:rPr lang="zh-CN" altLang="en-US" dirty="0" smtClean="0"/>
+              <a:t>信天翁</a:t>
+            </a:r>
+            <a:endParaRPr lang="en-US" altLang="zh-CN" dirty="0" smtClean="0"/>
+          </a:p>
+          <a:p>
+            <a:pPr marL="742950" lvl="1" indent="-285750">
+              <a:buFont typeface="Arial" panose="020B0604020202020204" pitchFamily="34" charset="0"/>
+              <a:buChar char="•"/>
+            </a:pPr>
+            <a:r>
+              <a:rPr lang="zh-CN" altLang="en-US" dirty="0" smtClean="0"/>
+              <a:t>信天翁善于滑翔，在有风的气候条件下，能在空中停留几个小时而无需拍动其长而窄的翅膀。</a:t>
+            </a:r>
+            <a:endParaRPr lang="en-US" altLang="zh-CN" dirty="0" smtClean="0"/>
+          </a:p>
+          <a:p>
+            <a:pPr marL="742950" lvl="1" indent="-285750">
+              <a:buFont typeface="Arial" panose="020B0604020202020204" pitchFamily="34" charset="0"/>
+              <a:buChar char="•"/>
+            </a:pPr>
+            <a:r>
+              <a:rPr lang="zh-CN" altLang="en-US" dirty="0" smtClean="0"/>
+              <a:t>信天翁善于借势，借游轮行驶时候的空气流动，横跨大洋。</a:t>
+            </a:r>
+            <a:endParaRPr lang="en-US" altLang="zh-CN" dirty="0" smtClean="0"/>
+          </a:p>
+          <a:p>
+            <a:pPr marL="742950" lvl="1" indent="-285750">
+              <a:buFont typeface="Arial" panose="020B0604020202020204" pitchFamily="34" charset="0"/>
+              <a:buChar char="•"/>
+            </a:pPr>
+            <a:r>
+              <a:rPr lang="zh-CN" altLang="en-US" dirty="0" smtClean="0"/>
+              <a:t>事务的多样性，是因为构造基本事物的多种粒子间排列组合的样式不同，但是本质上还是一样的，并没有什么区别，故事物的发展趋势也是一样的，后续的轮回中可能存在多种情形，但是总体的趋势就是从生到死</a:t>
+            </a:r>
+            <a:endParaRPr lang="en-US" altLang="zh-CN" dirty="0" smtClean="0"/>
+          </a:p>
+          <a:p>
+            <a:pPr marL="742950" lvl="1" indent="-285750">
+              <a:buFont typeface="Arial" panose="020B0604020202020204" pitchFamily="34" charset="0"/>
+              <a:buChar char="•"/>
+            </a:pPr>
+            <a:r>
+              <a:rPr lang="zh-CN" altLang="en-US" dirty="0" smtClean="0"/>
+              <a:t>评判的标准不同，自然得失的认知就会异同，造物者评判是否公平是按照百亿年为时间基准，某一个粒子完成排列组合的次数，即生命的轮回，只要在某一个区间，即视为公平</a:t>
+            </a:r>
+            <a:endParaRPr lang="en-US" altLang="zh-CN" dirty="0" smtClean="0"/>
+          </a:p>
+          <a:p>
+            <a:pPr marL="742950" lvl="1" indent="-285750">
+              <a:buFont typeface="Arial" panose="020B0604020202020204" pitchFamily="34" charset="0"/>
+              <a:buChar char="•"/>
+            </a:pPr>
+            <a:r>
+              <a:rPr lang="zh-CN" altLang="en-US" dirty="0" smtClean="0"/>
+              <a:t>所以，事物的直观感觉需要遵从这一个客观规律，在某一个特定的发展时期，结合当时的实际情况，可作出多种类型的选择。</a:t>
+            </a:r>
+            <a:endParaRPr lang="en-US" altLang="zh-CN" dirty="0" smtClean="0"/>
+          </a:p>
+          <a:p>
+            <a:pPr marL="742950" lvl="1" indent="-285750">
+              <a:buFont typeface="Arial" panose="020B0604020202020204" pitchFamily="34" charset="0"/>
+              <a:buChar char="•"/>
+            </a:pPr>
+            <a:r>
+              <a:rPr lang="zh-CN" altLang="en-US" dirty="0" smtClean="0"/>
+              <a:t>故观察者的时间参考系选择的不同，判断当前形式也会不同，就会在部分情形下，作出错误的判断，继而事与愿违。</a:t>
+            </a:r>
+            <a:endParaRPr lang="en-US" altLang="zh-CN" dirty="0" smtClean="0"/>
+          </a:p>
+          <a:p>
+            <a:pPr marL="742950" lvl="1" indent="-285750">
+              <a:buFont typeface="Arial" panose="020B0604020202020204" pitchFamily="34" charset="0"/>
+              <a:buChar char="•"/>
+            </a:pPr>
+            <a:r>
+              <a:rPr lang="zh-CN" altLang="en-US" dirty="0" smtClean="0"/>
+              <a:t>是非曲直，只能交由下一个时间片的相关事件来评判，所以万事万物均可参考此趋势进行暂时处理。</a:t>
+            </a:r>
+            <a:endParaRPr lang="en-US" altLang="zh-CN" dirty="0" smtClean="0"/>
+          </a:p>
+          <a:p>
+            <a:pPr marL="742950" lvl="1" indent="-285750">
+              <a:buFont typeface="Arial" panose="020B0604020202020204" pitchFamily="34" charset="0"/>
+              <a:buChar char="•"/>
+            </a:pPr>
+            <a:r>
+              <a:rPr lang="zh-CN" altLang="en-US" dirty="0" smtClean="0"/>
+              <a:t>存在即合理，有用即真理。</a:t>
+            </a:r>
+            <a:endParaRPr lang="en-US" altLang="zh-CN" dirty="0" smtClean="0"/>
+          </a:p>
+          <a:p>
+            <a:pPr marL="742950" lvl="1" indent="-285750">
+              <a:buFont typeface="Arial" panose="020B0604020202020204" pitchFamily="34" charset="0"/>
+              <a:buChar char="•"/>
+            </a:pPr>
+            <a:r>
+              <a:rPr lang="zh-CN" altLang="en-US" dirty="0" smtClean="0"/>
+              <a:t>我们确认的是出现一个事件的概率，而不是具体某一个值或者是一个定量的数据，公式只是丈量某种已知事件的标尺。</a:t>
+            </a:r>
+            <a:endParaRPr lang="zh-CN" altLang="en-US" dirty="0"/>
+          </a:p>
+        </p:txBody>
+      </p:sp>
+    </p:spTree>
+    <p:extLst>
+      <p:ext uri="{BB962C8B-B14F-4D97-AF65-F5344CB8AC3E}">
+        <p14:creationId xmlns:p14="http://schemas.microsoft.com/office/powerpoint/2010/main" val="2746432087"/>
+      </p:ext>
+    </p:extLst>
+  </p:cSld>
+  <p:clrMapOvr>
+    <a:masterClrMapping/>
+  </p:clrMapOvr>
+</p:sld>
+</file>
+
 <file path=ppt/slides/slide3.xml><?xml version="1.0" encoding="utf-8"?>
 <p:sld xmlns:a="http://schemas.openxmlformats.org/drawingml/2006/main" xmlns:r="http://schemas.openxmlformats.org/officeDocument/2006/relationships" xmlns:p="http://schemas.openxmlformats.org/presentationml/2006/main">
   <p:cSld>
@@ -11428,6 +12037,36 @@
     <p:extLst>
       <p:ext uri="{BB962C8B-B14F-4D97-AF65-F5344CB8AC3E}">
         <p14:creationId xmlns:p14="http://schemas.microsoft.com/office/powerpoint/2010/main" val="89206607"/>
+      </p:ext>
+    </p:extLst>
+  </p:cSld>
+  <p:clrMapOvr>
+    <a:masterClrMapping/>
+  </p:clrMapOvr>
+</p:sld>
+</file>
+
+<file path=ppt/slides/slide30.xml><?xml version="1.0" encoding="utf-8"?>
+<p:sld xmlns:a="http://schemas.openxmlformats.org/drawingml/2006/main" xmlns:r="http://schemas.openxmlformats.org/officeDocument/2006/relationships" xmlns:p="http://schemas.openxmlformats.org/presentationml/2006/main">
+  <p:cSld>
+    <p:spTree>
+      <p:nvGrpSpPr>
+        <p:cNvPr id="1" name=""/>
+        <p:cNvGrpSpPr/>
+        <p:nvPr/>
+      </p:nvGrpSpPr>
+      <p:grpSpPr>
+        <a:xfrm>
+          <a:off x="0" y="0"/>
+          <a:ext cx="0" cy="0"/>
+          <a:chOff x="0" y="0"/>
+          <a:chExt cx="0" cy="0"/>
+        </a:xfrm>
+      </p:grpSpPr>
+    </p:spTree>
+    <p:extLst>
+      <p:ext uri="{BB962C8B-B14F-4D97-AF65-F5344CB8AC3E}">
+        <p14:creationId xmlns:p14="http://schemas.microsoft.com/office/powerpoint/2010/main" val="1870942247"/>
       </p:ext>
     </p:extLst>
   </p:cSld>
